--- a/apim-aoai-pattern/images/figures.pptx
+++ b/apim-aoai-pattern/images/figures.pptx
@@ -7,6 +7,7 @@
   <p:sldIdLst>
     <p:sldId id="257" r:id="rId2"/>
     <p:sldId id="258" r:id="rId3"/>
+    <p:sldId id="259" r:id="rId4"/>
   </p:sldIdLst>
   <p:sldSz cx="12192000" cy="6858000"/>
   <p:notesSz cx="6858000" cy="9144000"/>
@@ -4408,6 +4409,65 @@
           <a:chExt cx="0" cy="0"/>
         </a:xfrm>
       </p:grpSpPr>
+      <p:sp>
+        <p:nvSpPr>
+          <p:cNvPr id="41" name="正方形/長方形 40">
+            <a:extLst>
+              <a:ext uri="{FF2B5EF4-FFF2-40B4-BE49-F238E27FC236}">
+                <a16:creationId xmlns:a16="http://schemas.microsoft.com/office/drawing/2014/main" id="{38E553AC-BCAF-851C-F3E3-C2C6E9A793F6}"/>
+              </a:ext>
+            </a:extLst>
+          </p:cNvPr>
+          <p:cNvSpPr/>
+          <p:nvPr/>
+        </p:nvSpPr>
+        <p:spPr>
+          <a:xfrm>
+            <a:off x="1202313" y="1386470"/>
+            <a:ext cx="9296400" cy="2756816"/>
+          </a:xfrm>
+          <a:prstGeom prst="rect">
+            <a:avLst/>
+          </a:prstGeom>
+          <a:solidFill>
+            <a:schemeClr val="bg1"/>
+          </a:solidFill>
+          <a:ln>
+            <a:noFill/>
+          </a:ln>
+          <a:effectLst>
+            <a:outerShdw blurRad="50800" dist="38100" dir="2700000" algn="tl" rotWithShape="0">
+              <a:prstClr val="black">
+                <a:alpha val="40000"/>
+              </a:prstClr>
+            </a:outerShdw>
+          </a:effectLst>
+        </p:spPr>
+        <p:style>
+          <a:lnRef idx="2">
+            <a:schemeClr val="accent1">
+              <a:shade val="15000"/>
+            </a:schemeClr>
+          </a:lnRef>
+          <a:fillRef idx="1">
+            <a:schemeClr val="accent1"/>
+          </a:fillRef>
+          <a:effectRef idx="0">
+            <a:schemeClr val="accent1"/>
+          </a:effectRef>
+          <a:fontRef idx="minor">
+            <a:schemeClr val="lt1"/>
+          </a:fontRef>
+        </p:style>
+        <p:txBody>
+          <a:bodyPr rtlCol="0" anchor="ctr"/>
+          <a:lstStyle/>
+          <a:p>
+            <a:pPr algn="ctr"/>
+            <a:endParaRPr kumimoji="1" lang="ja-JP" altLang="en-US"/>
+          </a:p>
+        </p:txBody>
+      </p:sp>
       <p:pic>
         <p:nvPicPr>
           <p:cNvPr id="2" name="グラフィックス 1">
@@ -5142,11 +5202,11 @@
           </a:p>
           <a:p>
             <a:r>
-              <a:rPr lang="en-US" altLang="ja-JP" sz="1400"/>
+              <a:rPr lang="en-US" altLang="ja-JP" sz="1400" dirty="0" err="1"/>
               <a:t>swedencentral</a:t>
             </a:r>
             <a:r>
-              <a:rPr lang="ja-JP" altLang="en-US" sz="1400"/>
+              <a:rPr lang="ja-JP" altLang="en-US" sz="1400" dirty="0"/>
               <a:t>リージョン</a:t>
             </a:r>
             <a:endParaRPr kumimoji="1" lang="ja-JP" altLang="en-US" sz="1400" dirty="0"/>
@@ -5157,6 +5217,803 @@
     <p:extLst>
       <p:ext uri="{BB962C8B-B14F-4D97-AF65-F5344CB8AC3E}">
         <p14:creationId xmlns:p14="http://schemas.microsoft.com/office/powerpoint/2010/main" val="1188275625"/>
+      </p:ext>
+    </p:extLst>
+  </p:cSld>
+  <p:clrMapOvr>
+    <a:masterClrMapping/>
+  </p:clrMapOvr>
+</p:sld>
+</file>
+
+<file path=ppt/slides/slide3.xml><?xml version="1.0" encoding="utf-8"?>
+<p:sld xmlns:a="http://schemas.openxmlformats.org/drawingml/2006/main" xmlns:r="http://schemas.openxmlformats.org/officeDocument/2006/relationships" xmlns:p="http://schemas.openxmlformats.org/presentationml/2006/main">
+  <p:cSld>
+    <p:spTree>
+      <p:nvGrpSpPr>
+        <p:cNvPr id="1" name=""/>
+        <p:cNvGrpSpPr/>
+        <p:nvPr/>
+      </p:nvGrpSpPr>
+      <p:grpSpPr>
+        <a:xfrm>
+          <a:off x="0" y="0"/>
+          <a:ext cx="0" cy="0"/>
+          <a:chOff x="0" y="0"/>
+          <a:chExt cx="0" cy="0"/>
+        </a:xfrm>
+      </p:grpSpPr>
+      <p:sp>
+        <p:nvSpPr>
+          <p:cNvPr id="41" name="正方形/長方形 40">
+            <a:extLst>
+              <a:ext uri="{FF2B5EF4-FFF2-40B4-BE49-F238E27FC236}">
+                <a16:creationId xmlns:a16="http://schemas.microsoft.com/office/drawing/2014/main" id="{38E553AC-BCAF-851C-F3E3-C2C6E9A793F6}"/>
+              </a:ext>
+            </a:extLst>
+          </p:cNvPr>
+          <p:cNvSpPr/>
+          <p:nvPr/>
+        </p:nvSpPr>
+        <p:spPr>
+          <a:xfrm>
+            <a:off x="832338" y="1419053"/>
+            <a:ext cx="9296400" cy="2756816"/>
+          </a:xfrm>
+          <a:prstGeom prst="rect">
+            <a:avLst/>
+          </a:prstGeom>
+          <a:solidFill>
+            <a:schemeClr val="bg1"/>
+          </a:solidFill>
+          <a:ln>
+            <a:noFill/>
+          </a:ln>
+          <a:effectLst>
+            <a:outerShdw blurRad="50800" dist="38100" dir="2700000" algn="tl" rotWithShape="0">
+              <a:prstClr val="black">
+                <a:alpha val="40000"/>
+              </a:prstClr>
+            </a:outerShdw>
+          </a:effectLst>
+        </p:spPr>
+        <p:style>
+          <a:lnRef idx="2">
+            <a:schemeClr val="accent1">
+              <a:shade val="15000"/>
+            </a:schemeClr>
+          </a:lnRef>
+          <a:fillRef idx="1">
+            <a:schemeClr val="accent1"/>
+          </a:fillRef>
+          <a:effectRef idx="0">
+            <a:schemeClr val="accent1"/>
+          </a:effectRef>
+          <a:fontRef idx="minor">
+            <a:schemeClr val="lt1"/>
+          </a:fontRef>
+        </p:style>
+        <p:txBody>
+          <a:bodyPr rtlCol="0" anchor="ctr"/>
+          <a:lstStyle/>
+          <a:p>
+            <a:pPr algn="ctr"/>
+            <a:endParaRPr kumimoji="1" lang="ja-JP" altLang="en-US"/>
+          </a:p>
+        </p:txBody>
+      </p:sp>
+      <p:pic>
+        <p:nvPicPr>
+          <p:cNvPr id="2" name="グラフィックス 1">
+            <a:extLst>
+              <a:ext uri="{FF2B5EF4-FFF2-40B4-BE49-F238E27FC236}">
+                <a16:creationId xmlns:a16="http://schemas.microsoft.com/office/drawing/2014/main" id="{84A0CA85-427E-32CA-3158-7834DB5DF682}"/>
+              </a:ext>
+            </a:extLst>
+          </p:cNvPr>
+          <p:cNvPicPr>
+            <a:picLocks noChangeAspect="1"/>
+          </p:cNvPicPr>
+          <p:nvPr/>
+        </p:nvPicPr>
+        <p:blipFill>
+          <a:blip r:embed="rId2">
+            <a:extLst>
+              <a:ext uri="{96DAC541-7B7A-43D3-8B79-37D633B846F1}">
+                <asvg:svgBlip xmlns:asvg="http://schemas.microsoft.com/office/drawing/2016/SVG/main" r:embed="rId3"/>
+              </a:ext>
+            </a:extLst>
+          </a:blip>
+          <a:stretch>
+            <a:fillRect/>
+          </a:stretch>
+        </p:blipFill>
+        <p:spPr>
+          <a:xfrm>
+            <a:off x="3774463" y="2298310"/>
+            <a:ext cx="843707" cy="843707"/>
+          </a:xfrm>
+          <a:prstGeom prst="rect">
+            <a:avLst/>
+          </a:prstGeom>
+        </p:spPr>
+      </p:pic>
+      <p:pic>
+        <p:nvPicPr>
+          <p:cNvPr id="3" name="Picture 4" descr="Azire OpenAI logo.">
+            <a:extLst>
+              <a:ext uri="{FF2B5EF4-FFF2-40B4-BE49-F238E27FC236}">
+                <a16:creationId xmlns:a16="http://schemas.microsoft.com/office/drawing/2014/main" id="{3228532F-B1A0-D213-DD78-0F7E9ADCEC73}"/>
+              </a:ext>
+            </a:extLst>
+          </p:cNvPr>
+          <p:cNvPicPr>
+            <a:picLocks noChangeAspect="1" noChangeArrowheads="1"/>
+          </p:cNvPicPr>
+          <p:nvPr/>
+        </p:nvPicPr>
+        <p:blipFill>
+          <a:blip r:embed="rId4">
+            <a:extLst>
+              <a:ext uri="{28A0092B-C50C-407E-A947-70E740481C1C}">
+                <a14:useLocalDpi xmlns:a14="http://schemas.microsoft.com/office/drawing/2010/main" val="0"/>
+              </a:ext>
+            </a:extLst>
+          </a:blip>
+          <a:srcRect/>
+          <a:stretch>
+            <a:fillRect/>
+          </a:stretch>
+        </p:blipFill>
+        <p:spPr bwMode="auto">
+          <a:xfrm>
+            <a:off x="6998839" y="2352014"/>
+            <a:ext cx="574993" cy="574993"/>
+          </a:xfrm>
+          <a:prstGeom prst="rect">
+            <a:avLst/>
+          </a:prstGeom>
+          <a:noFill/>
+          <a:extLst>
+            <a:ext uri="{909E8E84-426E-40DD-AFC4-6F175D3DCCD1}">
+              <a14:hiddenFill xmlns:a14="http://schemas.microsoft.com/office/drawing/2010/main">
+                <a:solidFill>
+                  <a:srgbClr val="FFFFFF"/>
+                </a:solidFill>
+              </a14:hiddenFill>
+            </a:ext>
+          </a:extLst>
+        </p:spPr>
+      </p:pic>
+      <p:cxnSp>
+        <p:nvCxnSpPr>
+          <p:cNvPr id="8" name="直線矢印コネクタ 7">
+            <a:extLst>
+              <a:ext uri="{FF2B5EF4-FFF2-40B4-BE49-F238E27FC236}">
+                <a16:creationId xmlns:a16="http://schemas.microsoft.com/office/drawing/2014/main" id="{CA8D5FBC-07BD-6BC7-9995-8C3985060613}"/>
+              </a:ext>
+            </a:extLst>
+          </p:cNvPr>
+          <p:cNvCxnSpPr>
+            <a:cxnSpLocks/>
+          </p:cNvCxnSpPr>
+          <p:nvPr/>
+        </p:nvCxnSpPr>
+        <p:spPr>
+          <a:xfrm flipV="1">
+            <a:off x="4892804" y="2673920"/>
+            <a:ext cx="1920024" cy="34"/>
+          </a:xfrm>
+          <a:prstGeom prst="straightConnector1">
+            <a:avLst/>
+          </a:prstGeom>
+          <a:ln w="28575">
+            <a:solidFill>
+              <a:schemeClr val="accent1"/>
+            </a:solidFill>
+            <a:headEnd type="none" w="med" len="med"/>
+            <a:tailEnd type="arrow" w="med" len="med"/>
+          </a:ln>
+        </p:spPr>
+        <p:style>
+          <a:lnRef idx="1">
+            <a:schemeClr val="accent1"/>
+          </a:lnRef>
+          <a:fillRef idx="0">
+            <a:schemeClr val="accent1"/>
+          </a:fillRef>
+          <a:effectRef idx="0">
+            <a:schemeClr val="accent1"/>
+          </a:effectRef>
+          <a:fontRef idx="minor">
+            <a:schemeClr val="tx1"/>
+          </a:fontRef>
+        </p:style>
+      </p:cxnSp>
+      <p:sp>
+        <p:nvSpPr>
+          <p:cNvPr id="10" name="テキスト ボックス 9">
+            <a:extLst>
+              <a:ext uri="{FF2B5EF4-FFF2-40B4-BE49-F238E27FC236}">
+                <a16:creationId xmlns:a16="http://schemas.microsoft.com/office/drawing/2014/main" id="{621685C4-1790-962D-78E6-ACFE83E14D36}"/>
+              </a:ext>
+            </a:extLst>
+          </p:cNvPr>
+          <p:cNvSpPr txBox="1"/>
+          <p:nvPr/>
+        </p:nvSpPr>
+        <p:spPr>
+          <a:xfrm>
+            <a:off x="3018146" y="3167701"/>
+            <a:ext cx="2086708" cy="307777"/>
+          </a:xfrm>
+          <a:prstGeom prst="rect">
+            <a:avLst/>
+          </a:prstGeom>
+          <a:noFill/>
+        </p:spPr>
+        <p:txBody>
+          <a:bodyPr wrap="square" rtlCol="0">
+            <a:spAutoFit/>
+          </a:bodyPr>
+          <a:lstStyle/>
+          <a:p>
+            <a:pPr algn="ctr"/>
+            <a:r>
+              <a:rPr kumimoji="1" lang="en-US" altLang="ja-JP" sz="1400" dirty="0"/>
+              <a:t>API</a:t>
+            </a:r>
+            <a:r>
+              <a:rPr kumimoji="1" lang="ja-JP" altLang="en-US" sz="1400" dirty="0"/>
+              <a:t> </a:t>
+            </a:r>
+            <a:r>
+              <a:rPr kumimoji="1" lang="en-US" altLang="ja-JP" sz="1400" dirty="0"/>
+              <a:t>Management</a:t>
+            </a:r>
+            <a:endParaRPr kumimoji="1" lang="ja-JP" altLang="en-US" sz="1400" dirty="0"/>
+          </a:p>
+        </p:txBody>
+      </p:sp>
+      <p:cxnSp>
+        <p:nvCxnSpPr>
+          <p:cNvPr id="28" name="直線矢印コネクタ 27">
+            <a:extLst>
+              <a:ext uri="{FF2B5EF4-FFF2-40B4-BE49-F238E27FC236}">
+                <a16:creationId xmlns:a16="http://schemas.microsoft.com/office/drawing/2014/main" id="{065354FE-A3F2-89EF-AD36-C9606C63BACD}"/>
+              </a:ext>
+            </a:extLst>
+          </p:cNvPr>
+          <p:cNvCxnSpPr>
+            <a:cxnSpLocks/>
+          </p:cNvCxnSpPr>
+          <p:nvPr/>
+        </p:nvCxnSpPr>
+        <p:spPr>
+          <a:xfrm flipV="1">
+            <a:off x="4888201" y="1732330"/>
+            <a:ext cx="1924625" cy="759481"/>
+          </a:xfrm>
+          <a:prstGeom prst="straightConnector1">
+            <a:avLst/>
+          </a:prstGeom>
+          <a:ln w="28575">
+            <a:solidFill>
+              <a:schemeClr val="accent1"/>
+            </a:solidFill>
+            <a:headEnd type="none" w="med" len="med"/>
+            <a:tailEnd type="arrow" w="med" len="med"/>
+          </a:ln>
+        </p:spPr>
+        <p:style>
+          <a:lnRef idx="1">
+            <a:schemeClr val="accent1"/>
+          </a:lnRef>
+          <a:fillRef idx="0">
+            <a:schemeClr val="accent1"/>
+          </a:fillRef>
+          <a:effectRef idx="0">
+            <a:schemeClr val="accent1"/>
+          </a:effectRef>
+          <a:fontRef idx="minor">
+            <a:schemeClr val="tx1"/>
+          </a:fontRef>
+        </p:style>
+      </p:cxnSp>
+      <p:cxnSp>
+        <p:nvCxnSpPr>
+          <p:cNvPr id="30" name="直線矢印コネクタ 29">
+            <a:extLst>
+              <a:ext uri="{FF2B5EF4-FFF2-40B4-BE49-F238E27FC236}">
+                <a16:creationId xmlns:a16="http://schemas.microsoft.com/office/drawing/2014/main" id="{C04CEA1D-BDBE-C27C-29B6-1F26957DB052}"/>
+              </a:ext>
+            </a:extLst>
+          </p:cNvPr>
+          <p:cNvCxnSpPr>
+            <a:cxnSpLocks/>
+          </p:cNvCxnSpPr>
+          <p:nvPr/>
+        </p:nvCxnSpPr>
+        <p:spPr>
+          <a:xfrm>
+            <a:off x="4888202" y="2885369"/>
+            <a:ext cx="1924625" cy="759481"/>
+          </a:xfrm>
+          <a:prstGeom prst="straightConnector1">
+            <a:avLst/>
+          </a:prstGeom>
+          <a:ln w="28575">
+            <a:solidFill>
+              <a:schemeClr val="accent1"/>
+            </a:solidFill>
+            <a:headEnd type="none" w="med" len="med"/>
+            <a:tailEnd type="arrow" w="med" len="med"/>
+          </a:ln>
+        </p:spPr>
+        <p:style>
+          <a:lnRef idx="1">
+            <a:schemeClr val="accent1"/>
+          </a:lnRef>
+          <a:fillRef idx="0">
+            <a:schemeClr val="accent1"/>
+          </a:fillRef>
+          <a:effectRef idx="0">
+            <a:schemeClr val="accent1"/>
+          </a:effectRef>
+          <a:fontRef idx="minor">
+            <a:schemeClr val="tx1"/>
+          </a:fontRef>
+        </p:style>
+      </p:cxnSp>
+      <p:pic>
+        <p:nvPicPr>
+          <p:cNvPr id="31" name="Picture 4" descr="Azire OpenAI logo.">
+            <a:extLst>
+              <a:ext uri="{FF2B5EF4-FFF2-40B4-BE49-F238E27FC236}">
+                <a16:creationId xmlns:a16="http://schemas.microsoft.com/office/drawing/2014/main" id="{64348527-1413-B60F-77D7-4B1CD905CD81}"/>
+              </a:ext>
+            </a:extLst>
+          </p:cNvPr>
+          <p:cNvPicPr>
+            <a:picLocks noChangeAspect="1" noChangeArrowheads="1"/>
+          </p:cNvPicPr>
+          <p:nvPr/>
+        </p:nvPicPr>
+        <p:blipFill>
+          <a:blip r:embed="rId4">
+            <a:extLst>
+              <a:ext uri="{28A0092B-C50C-407E-A947-70E740481C1C}">
+                <a14:useLocalDpi xmlns:a14="http://schemas.microsoft.com/office/drawing/2010/main" val="0"/>
+              </a:ext>
+            </a:extLst>
+          </a:blip>
+          <a:srcRect/>
+          <a:stretch>
+            <a:fillRect/>
+          </a:stretch>
+        </p:blipFill>
+        <p:spPr bwMode="auto">
+          <a:xfrm>
+            <a:off x="6992936" y="1538620"/>
+            <a:ext cx="574993" cy="574993"/>
+          </a:xfrm>
+          <a:prstGeom prst="rect">
+            <a:avLst/>
+          </a:prstGeom>
+          <a:noFill/>
+          <a:extLst>
+            <a:ext uri="{909E8E84-426E-40DD-AFC4-6F175D3DCCD1}">
+              <a14:hiddenFill xmlns:a14="http://schemas.microsoft.com/office/drawing/2010/main">
+                <a:solidFill>
+                  <a:srgbClr val="FFFFFF"/>
+                </a:solidFill>
+              </a14:hiddenFill>
+            </a:ext>
+          </a:extLst>
+        </p:spPr>
+      </p:pic>
+      <p:pic>
+        <p:nvPicPr>
+          <p:cNvPr id="32" name="Picture 4" descr="Azire OpenAI logo.">
+            <a:extLst>
+              <a:ext uri="{FF2B5EF4-FFF2-40B4-BE49-F238E27FC236}">
+                <a16:creationId xmlns:a16="http://schemas.microsoft.com/office/drawing/2014/main" id="{4180767B-A57E-6237-CA50-6858BB86195B}"/>
+              </a:ext>
+            </a:extLst>
+          </p:cNvPr>
+          <p:cNvPicPr>
+            <a:picLocks noChangeAspect="1" noChangeArrowheads="1"/>
+          </p:cNvPicPr>
+          <p:nvPr/>
+        </p:nvPicPr>
+        <p:blipFill>
+          <a:blip r:embed="rId4">
+            <a:extLst>
+              <a:ext uri="{28A0092B-C50C-407E-A947-70E740481C1C}">
+                <a14:useLocalDpi xmlns:a14="http://schemas.microsoft.com/office/drawing/2010/main" val="0"/>
+              </a:ext>
+            </a:extLst>
+          </a:blip>
+          <a:srcRect/>
+          <a:stretch>
+            <a:fillRect/>
+          </a:stretch>
+        </p:blipFill>
+        <p:spPr bwMode="auto">
+          <a:xfrm>
+            <a:off x="6992936" y="3253334"/>
+            <a:ext cx="574993" cy="574993"/>
+          </a:xfrm>
+          <a:prstGeom prst="rect">
+            <a:avLst/>
+          </a:prstGeom>
+          <a:noFill/>
+          <a:extLst>
+            <a:ext uri="{909E8E84-426E-40DD-AFC4-6F175D3DCCD1}">
+              <a14:hiddenFill xmlns:a14="http://schemas.microsoft.com/office/drawing/2010/main">
+                <a:solidFill>
+                  <a:srgbClr val="FFFFFF"/>
+                </a:solidFill>
+              </a14:hiddenFill>
+            </a:ext>
+          </a:extLst>
+        </p:spPr>
+      </p:pic>
+      <p:cxnSp>
+        <p:nvCxnSpPr>
+          <p:cNvPr id="33" name="直線矢印コネクタ 32">
+            <a:extLst>
+              <a:ext uri="{FF2B5EF4-FFF2-40B4-BE49-F238E27FC236}">
+                <a16:creationId xmlns:a16="http://schemas.microsoft.com/office/drawing/2014/main" id="{B42D6EC6-119F-029D-CFA4-220AB7F15FE4}"/>
+              </a:ext>
+            </a:extLst>
+          </p:cNvPr>
+          <p:cNvCxnSpPr>
+            <a:cxnSpLocks/>
+          </p:cNvCxnSpPr>
+          <p:nvPr/>
+        </p:nvCxnSpPr>
+        <p:spPr>
+          <a:xfrm flipV="1">
+            <a:off x="1508478" y="2714517"/>
+            <a:ext cx="2112026" cy="34"/>
+          </a:xfrm>
+          <a:prstGeom prst="straightConnector1">
+            <a:avLst/>
+          </a:prstGeom>
+          <a:ln w="28575">
+            <a:solidFill>
+              <a:schemeClr val="accent1"/>
+            </a:solidFill>
+            <a:headEnd type="none" w="med" len="med"/>
+            <a:tailEnd type="arrow" w="med" len="med"/>
+          </a:ln>
+        </p:spPr>
+        <p:style>
+          <a:lnRef idx="1">
+            <a:schemeClr val="accent1"/>
+          </a:lnRef>
+          <a:fillRef idx="0">
+            <a:schemeClr val="accent1"/>
+          </a:fillRef>
+          <a:effectRef idx="0">
+            <a:schemeClr val="accent1"/>
+          </a:effectRef>
+          <a:fontRef idx="minor">
+            <a:schemeClr val="tx1"/>
+          </a:fontRef>
+        </p:style>
+      </p:cxnSp>
+      <p:sp>
+        <p:nvSpPr>
+          <p:cNvPr id="35" name="テキスト ボックス 34">
+            <a:extLst>
+              <a:ext uri="{FF2B5EF4-FFF2-40B4-BE49-F238E27FC236}">
+                <a16:creationId xmlns:a16="http://schemas.microsoft.com/office/drawing/2014/main" id="{55E4B904-AFB0-A7A0-CD69-7D6AE55B81A2}"/>
+              </a:ext>
+            </a:extLst>
+          </p:cNvPr>
+          <p:cNvSpPr txBox="1"/>
+          <p:nvPr/>
+        </p:nvSpPr>
+        <p:spPr>
+          <a:xfrm>
+            <a:off x="714561" y="2172071"/>
+            <a:ext cx="2086708" cy="307777"/>
+          </a:xfrm>
+          <a:prstGeom prst="rect">
+            <a:avLst/>
+          </a:prstGeom>
+          <a:noFill/>
+        </p:spPr>
+        <p:txBody>
+          <a:bodyPr wrap="square" rtlCol="0">
+            <a:spAutoFit/>
+          </a:bodyPr>
+          <a:lstStyle/>
+          <a:p>
+            <a:pPr algn="ctr"/>
+            <a:r>
+              <a:rPr kumimoji="1" lang="en-US" altLang="ja-JP" sz="1400" dirty="0"/>
+              <a:t>Chat Completion</a:t>
+            </a:r>
+            <a:endParaRPr kumimoji="1" lang="ja-JP" altLang="en-US" sz="1400" dirty="0"/>
+          </a:p>
+        </p:txBody>
+      </p:sp>
+      <p:sp>
+        <p:nvSpPr>
+          <p:cNvPr id="38" name="テキスト ボックス 37">
+            <a:extLst>
+              <a:ext uri="{FF2B5EF4-FFF2-40B4-BE49-F238E27FC236}">
+                <a16:creationId xmlns:a16="http://schemas.microsoft.com/office/drawing/2014/main" id="{4CA40A27-D0E1-46E1-8B29-797AFA3652E7}"/>
+              </a:ext>
+            </a:extLst>
+          </p:cNvPr>
+          <p:cNvSpPr txBox="1"/>
+          <p:nvPr/>
+        </p:nvSpPr>
+        <p:spPr>
+          <a:xfrm>
+            <a:off x="7615374" y="1564506"/>
+            <a:ext cx="2589563" cy="523220"/>
+          </a:xfrm>
+          <a:prstGeom prst="rect">
+            <a:avLst/>
+          </a:prstGeom>
+          <a:noFill/>
+        </p:spPr>
+        <p:txBody>
+          <a:bodyPr wrap="square" rtlCol="0">
+            <a:spAutoFit/>
+          </a:bodyPr>
+          <a:lstStyle/>
+          <a:p>
+            <a:r>
+              <a:rPr kumimoji="1" lang="en-US" altLang="ja-JP" sz="1400" dirty="0"/>
+              <a:t>gpt-4 (vision-review)</a:t>
+            </a:r>
+          </a:p>
+          <a:p>
+            <a:r>
+              <a:rPr kumimoji="1" lang="en-US" altLang="ja-JP" sz="1400" dirty="0" err="1"/>
+              <a:t>australiaeast</a:t>
+            </a:r>
+            <a:r>
+              <a:rPr kumimoji="1" lang="en-US" altLang="ja-JP" sz="1400" dirty="0"/>
+              <a:t> </a:t>
+            </a:r>
+            <a:r>
+              <a:rPr lang="ja-JP" altLang="en-US" sz="1400" dirty="0"/>
+              <a:t>リージョン</a:t>
+            </a:r>
+            <a:endParaRPr kumimoji="1" lang="ja-JP" altLang="en-US" sz="1400" dirty="0"/>
+          </a:p>
+        </p:txBody>
+      </p:sp>
+      <p:sp>
+        <p:nvSpPr>
+          <p:cNvPr id="39" name="テキスト ボックス 38">
+            <a:extLst>
+              <a:ext uri="{FF2B5EF4-FFF2-40B4-BE49-F238E27FC236}">
+                <a16:creationId xmlns:a16="http://schemas.microsoft.com/office/drawing/2014/main" id="{F120FAA5-953C-7BCC-0BC9-2319402D0A7E}"/>
+              </a:ext>
+            </a:extLst>
+          </p:cNvPr>
+          <p:cNvSpPr txBox="1"/>
+          <p:nvPr/>
+        </p:nvSpPr>
+        <p:spPr>
+          <a:xfrm>
+            <a:off x="7615374" y="2341309"/>
+            <a:ext cx="2589563" cy="523220"/>
+          </a:xfrm>
+          <a:prstGeom prst="rect">
+            <a:avLst/>
+          </a:prstGeom>
+          <a:noFill/>
+        </p:spPr>
+        <p:txBody>
+          <a:bodyPr wrap="square" rtlCol="0">
+            <a:spAutoFit/>
+          </a:bodyPr>
+          <a:lstStyle/>
+          <a:p>
+            <a:r>
+              <a:rPr kumimoji="1" lang="en-US" altLang="ja-JP" sz="1400" dirty="0"/>
+              <a:t>gpt-4 (vision-review)</a:t>
+            </a:r>
+          </a:p>
+          <a:p>
+            <a:r>
+              <a:rPr lang="en-US" altLang="ja-JP" sz="1400" dirty="0" err="1"/>
+              <a:t>japaneast</a:t>
+            </a:r>
+            <a:r>
+              <a:rPr lang="ja-JP" altLang="en-US" sz="1400" dirty="0"/>
+              <a:t>リージョン</a:t>
+            </a:r>
+            <a:endParaRPr kumimoji="1" lang="ja-JP" altLang="en-US" sz="1400" dirty="0"/>
+          </a:p>
+        </p:txBody>
+      </p:sp>
+      <p:sp>
+        <p:nvSpPr>
+          <p:cNvPr id="40" name="テキスト ボックス 39">
+            <a:extLst>
+              <a:ext uri="{FF2B5EF4-FFF2-40B4-BE49-F238E27FC236}">
+                <a16:creationId xmlns:a16="http://schemas.microsoft.com/office/drawing/2014/main" id="{235A2F91-542A-F8C3-81E3-4AEBC8C1439A}"/>
+              </a:ext>
+            </a:extLst>
+          </p:cNvPr>
+          <p:cNvSpPr txBox="1"/>
+          <p:nvPr/>
+        </p:nvSpPr>
+        <p:spPr>
+          <a:xfrm>
+            <a:off x="7615374" y="3266032"/>
+            <a:ext cx="2589563" cy="523220"/>
+          </a:xfrm>
+          <a:prstGeom prst="rect">
+            <a:avLst/>
+          </a:prstGeom>
+          <a:noFill/>
+        </p:spPr>
+        <p:txBody>
+          <a:bodyPr wrap="square" rtlCol="0">
+            <a:spAutoFit/>
+          </a:bodyPr>
+          <a:lstStyle/>
+          <a:p>
+            <a:r>
+              <a:rPr kumimoji="1" lang="en-US" altLang="ja-JP" sz="1400" dirty="0"/>
+              <a:t>gpt-4 (vision-review)</a:t>
+            </a:r>
+          </a:p>
+          <a:p>
+            <a:r>
+              <a:rPr lang="en-US" altLang="ja-JP" sz="1400" dirty="0" err="1"/>
+              <a:t>swedencentral</a:t>
+            </a:r>
+            <a:r>
+              <a:rPr lang="ja-JP" altLang="en-US" sz="1400" dirty="0"/>
+              <a:t>リージョン</a:t>
+            </a:r>
+            <a:endParaRPr kumimoji="1" lang="ja-JP" altLang="en-US" sz="1400" dirty="0"/>
+          </a:p>
+        </p:txBody>
+      </p:sp>
+      <p:cxnSp>
+        <p:nvCxnSpPr>
+          <p:cNvPr id="5" name="直線矢印コネクタ 4">
+            <a:extLst>
+              <a:ext uri="{FF2B5EF4-FFF2-40B4-BE49-F238E27FC236}">
+                <a16:creationId xmlns:a16="http://schemas.microsoft.com/office/drawing/2014/main" id="{56588647-A60C-59AA-B2D8-0891DE83898E}"/>
+              </a:ext>
+            </a:extLst>
+          </p:cNvPr>
+          <p:cNvCxnSpPr>
+            <a:cxnSpLocks/>
+          </p:cNvCxnSpPr>
+          <p:nvPr/>
+        </p:nvCxnSpPr>
+        <p:spPr>
+          <a:xfrm flipV="1">
+            <a:off x="1514340" y="2526947"/>
+            <a:ext cx="2112026" cy="34"/>
+          </a:xfrm>
+          <a:prstGeom prst="straightConnector1">
+            <a:avLst/>
+          </a:prstGeom>
+          <a:ln w="28575">
+            <a:solidFill>
+              <a:schemeClr val="accent1"/>
+            </a:solidFill>
+            <a:headEnd type="none" w="med" len="med"/>
+            <a:tailEnd type="arrow" w="med" len="med"/>
+          </a:ln>
+        </p:spPr>
+        <p:style>
+          <a:lnRef idx="1">
+            <a:schemeClr val="accent1"/>
+          </a:lnRef>
+          <a:fillRef idx="0">
+            <a:schemeClr val="accent1"/>
+          </a:fillRef>
+          <a:effectRef idx="0">
+            <a:schemeClr val="accent1"/>
+          </a:effectRef>
+          <a:fontRef idx="minor">
+            <a:schemeClr val="tx1"/>
+          </a:fontRef>
+        </p:style>
+      </p:cxnSp>
+      <p:cxnSp>
+        <p:nvCxnSpPr>
+          <p:cNvPr id="7" name="直線矢印コネクタ 6">
+            <a:extLst>
+              <a:ext uri="{FF2B5EF4-FFF2-40B4-BE49-F238E27FC236}">
+                <a16:creationId xmlns:a16="http://schemas.microsoft.com/office/drawing/2014/main" id="{7EB69896-7468-76A1-A517-D4C570E02A96}"/>
+              </a:ext>
+            </a:extLst>
+          </p:cNvPr>
+          <p:cNvCxnSpPr>
+            <a:cxnSpLocks/>
+          </p:cNvCxnSpPr>
+          <p:nvPr/>
+        </p:nvCxnSpPr>
+        <p:spPr>
+          <a:xfrm flipV="1">
+            <a:off x="1508478" y="2902645"/>
+            <a:ext cx="2112026" cy="34"/>
+          </a:xfrm>
+          <a:prstGeom prst="straightConnector1">
+            <a:avLst/>
+          </a:prstGeom>
+          <a:ln w="28575">
+            <a:solidFill>
+              <a:schemeClr val="accent1"/>
+            </a:solidFill>
+            <a:headEnd type="none" w="med" len="med"/>
+            <a:tailEnd type="arrow" w="med" len="med"/>
+          </a:ln>
+        </p:spPr>
+        <p:style>
+          <a:lnRef idx="1">
+            <a:schemeClr val="accent1"/>
+          </a:lnRef>
+          <a:fillRef idx="0">
+            <a:schemeClr val="accent1"/>
+          </a:fillRef>
+          <a:effectRef idx="0">
+            <a:schemeClr val="accent1"/>
+          </a:effectRef>
+          <a:fontRef idx="minor">
+            <a:schemeClr val="tx1"/>
+          </a:fontRef>
+        </p:style>
+      </p:cxnSp>
+      <p:sp>
+        <p:nvSpPr>
+          <p:cNvPr id="9" name="テキスト ボックス 8">
+            <a:extLst>
+              <a:ext uri="{FF2B5EF4-FFF2-40B4-BE49-F238E27FC236}">
+                <a16:creationId xmlns:a16="http://schemas.microsoft.com/office/drawing/2014/main" id="{EF77FF39-79E2-CC04-9BFD-66240E19E76F}"/>
+              </a:ext>
+            </a:extLst>
+          </p:cNvPr>
+          <p:cNvSpPr txBox="1"/>
+          <p:nvPr/>
+        </p:nvSpPr>
+        <p:spPr>
+          <a:xfrm>
+            <a:off x="4807159" y="2341309"/>
+            <a:ext cx="2086708" cy="307777"/>
+          </a:xfrm>
+          <a:prstGeom prst="rect">
+            <a:avLst/>
+          </a:prstGeom>
+          <a:noFill/>
+        </p:spPr>
+        <p:txBody>
+          <a:bodyPr wrap="square" rtlCol="0">
+            <a:spAutoFit/>
+          </a:bodyPr>
+          <a:lstStyle/>
+          <a:p>
+            <a:pPr algn="ctr"/>
+            <a:r>
+              <a:rPr kumimoji="1" lang="en-US" altLang="ja-JP" sz="1400" dirty="0"/>
+              <a:t>Chat Completion</a:t>
+            </a:r>
+            <a:endParaRPr kumimoji="1" lang="ja-JP" altLang="en-US" sz="1400" dirty="0"/>
+          </a:p>
+        </p:txBody>
+      </p:sp>
+    </p:spTree>
+    <p:extLst>
+      <p:ext uri="{BB962C8B-B14F-4D97-AF65-F5344CB8AC3E}">
+        <p14:creationId xmlns:p14="http://schemas.microsoft.com/office/powerpoint/2010/main" val="1887807668"/>
       </p:ext>
     </p:extLst>
   </p:cSld>

--- a/apim-aoai-pattern/images/figures.pptx
+++ b/apim-aoai-pattern/images/figures.pptx
@@ -8,6 +8,7 @@
     <p:sldId id="257" r:id="rId2"/>
     <p:sldId id="258" r:id="rId3"/>
     <p:sldId id="259" r:id="rId4"/>
+    <p:sldId id="260" r:id="rId5"/>
   </p:sldIdLst>
   <p:sldSz cx="12192000" cy="6858000"/>
   <p:notesSz cx="6858000" cy="9144000"/>
@@ -6014,6 +6015,899 @@
     <p:extLst>
       <p:ext uri="{BB962C8B-B14F-4D97-AF65-F5344CB8AC3E}">
         <p14:creationId xmlns:p14="http://schemas.microsoft.com/office/powerpoint/2010/main" val="1887807668"/>
+      </p:ext>
+    </p:extLst>
+  </p:cSld>
+  <p:clrMapOvr>
+    <a:masterClrMapping/>
+  </p:clrMapOvr>
+</p:sld>
+</file>
+
+<file path=ppt/slides/slide4.xml><?xml version="1.0" encoding="utf-8"?>
+<p:sld xmlns:a="http://schemas.openxmlformats.org/drawingml/2006/main" xmlns:r="http://schemas.openxmlformats.org/officeDocument/2006/relationships" xmlns:p="http://schemas.openxmlformats.org/presentationml/2006/main">
+  <p:cSld>
+    <p:spTree>
+      <p:nvGrpSpPr>
+        <p:cNvPr id="1" name=""/>
+        <p:cNvGrpSpPr/>
+        <p:nvPr/>
+      </p:nvGrpSpPr>
+      <p:grpSpPr>
+        <a:xfrm>
+          <a:off x="0" y="0"/>
+          <a:ext cx="0" cy="0"/>
+          <a:chOff x="0" y="0"/>
+          <a:chExt cx="0" cy="0"/>
+        </a:xfrm>
+      </p:grpSpPr>
+      <p:sp>
+        <p:nvSpPr>
+          <p:cNvPr id="41" name="正方形/長方形 40">
+            <a:extLst>
+              <a:ext uri="{FF2B5EF4-FFF2-40B4-BE49-F238E27FC236}">
+                <a16:creationId xmlns:a16="http://schemas.microsoft.com/office/drawing/2014/main" id="{38E553AC-BCAF-851C-F3E3-C2C6E9A793F6}"/>
+              </a:ext>
+            </a:extLst>
+          </p:cNvPr>
+          <p:cNvSpPr/>
+          <p:nvPr/>
+        </p:nvSpPr>
+        <p:spPr>
+          <a:xfrm>
+            <a:off x="1013324" y="901690"/>
+            <a:ext cx="9296400" cy="2756816"/>
+          </a:xfrm>
+          <a:prstGeom prst="rect">
+            <a:avLst/>
+          </a:prstGeom>
+          <a:solidFill>
+            <a:schemeClr val="bg1"/>
+          </a:solidFill>
+          <a:ln>
+            <a:noFill/>
+          </a:ln>
+          <a:effectLst>
+            <a:outerShdw blurRad="50800" dist="38100" dir="2700000" algn="tl" rotWithShape="0">
+              <a:prstClr val="black">
+                <a:alpha val="40000"/>
+              </a:prstClr>
+            </a:outerShdw>
+          </a:effectLst>
+        </p:spPr>
+        <p:style>
+          <a:lnRef idx="2">
+            <a:schemeClr val="accent1">
+              <a:shade val="15000"/>
+            </a:schemeClr>
+          </a:lnRef>
+          <a:fillRef idx="1">
+            <a:schemeClr val="accent1"/>
+          </a:fillRef>
+          <a:effectRef idx="0">
+            <a:schemeClr val="accent1"/>
+          </a:effectRef>
+          <a:fontRef idx="minor">
+            <a:schemeClr val="lt1"/>
+          </a:fontRef>
+        </p:style>
+        <p:txBody>
+          <a:bodyPr rtlCol="0" anchor="ctr"/>
+          <a:lstStyle/>
+          <a:p>
+            <a:pPr algn="ctr"/>
+            <a:endParaRPr kumimoji="1" lang="ja-JP" altLang="en-US"/>
+          </a:p>
+        </p:txBody>
+      </p:sp>
+      <p:pic>
+        <p:nvPicPr>
+          <p:cNvPr id="2" name="グラフィックス 1">
+            <a:extLst>
+              <a:ext uri="{FF2B5EF4-FFF2-40B4-BE49-F238E27FC236}">
+                <a16:creationId xmlns:a16="http://schemas.microsoft.com/office/drawing/2014/main" id="{84A0CA85-427E-32CA-3158-7834DB5DF682}"/>
+              </a:ext>
+            </a:extLst>
+          </p:cNvPr>
+          <p:cNvPicPr>
+            <a:picLocks noChangeAspect="1"/>
+          </p:cNvPicPr>
+          <p:nvPr/>
+        </p:nvPicPr>
+        <p:blipFill>
+          <a:blip r:embed="rId2">
+            <a:extLst>
+              <a:ext uri="{96DAC541-7B7A-43D3-8B79-37D633B846F1}">
+                <asvg:svgBlip xmlns:asvg="http://schemas.microsoft.com/office/drawing/2016/SVG/main" r:embed="rId3"/>
+              </a:ext>
+            </a:extLst>
+          </a:blip>
+          <a:stretch>
+            <a:fillRect/>
+          </a:stretch>
+        </p:blipFill>
+        <p:spPr>
+          <a:xfrm>
+            <a:off x="3774463" y="2298310"/>
+            <a:ext cx="843707" cy="843707"/>
+          </a:xfrm>
+          <a:prstGeom prst="rect">
+            <a:avLst/>
+          </a:prstGeom>
+        </p:spPr>
+      </p:pic>
+      <p:pic>
+        <p:nvPicPr>
+          <p:cNvPr id="3" name="Picture 4" descr="Azire OpenAI logo.">
+            <a:extLst>
+              <a:ext uri="{FF2B5EF4-FFF2-40B4-BE49-F238E27FC236}">
+                <a16:creationId xmlns:a16="http://schemas.microsoft.com/office/drawing/2014/main" id="{3228532F-B1A0-D213-DD78-0F7E9ADCEC73}"/>
+              </a:ext>
+            </a:extLst>
+          </p:cNvPr>
+          <p:cNvPicPr>
+            <a:picLocks noChangeAspect="1" noChangeArrowheads="1"/>
+          </p:cNvPicPr>
+          <p:nvPr/>
+        </p:nvPicPr>
+        <p:blipFill>
+          <a:blip r:embed="rId4">
+            <a:extLst>
+              <a:ext uri="{28A0092B-C50C-407E-A947-70E740481C1C}">
+                <a14:useLocalDpi xmlns:a14="http://schemas.microsoft.com/office/drawing/2010/main" val="0"/>
+              </a:ext>
+            </a:extLst>
+          </a:blip>
+          <a:srcRect/>
+          <a:stretch>
+            <a:fillRect/>
+          </a:stretch>
+        </p:blipFill>
+        <p:spPr bwMode="auto">
+          <a:xfrm>
+            <a:off x="6998838" y="1233707"/>
+            <a:ext cx="574993" cy="574993"/>
+          </a:xfrm>
+          <a:prstGeom prst="rect">
+            <a:avLst/>
+          </a:prstGeom>
+          <a:noFill/>
+          <a:extLst>
+            <a:ext uri="{909E8E84-426E-40DD-AFC4-6F175D3DCCD1}">
+              <a14:hiddenFill xmlns:a14="http://schemas.microsoft.com/office/drawing/2010/main">
+                <a:solidFill>
+                  <a:srgbClr val="FFFFFF"/>
+                </a:solidFill>
+              </a14:hiddenFill>
+            </a:ext>
+          </a:extLst>
+        </p:spPr>
+      </p:pic>
+      <p:sp>
+        <p:nvSpPr>
+          <p:cNvPr id="10" name="テキスト ボックス 9">
+            <a:extLst>
+              <a:ext uri="{FF2B5EF4-FFF2-40B4-BE49-F238E27FC236}">
+                <a16:creationId xmlns:a16="http://schemas.microsoft.com/office/drawing/2014/main" id="{621685C4-1790-962D-78E6-ACFE83E14D36}"/>
+              </a:ext>
+            </a:extLst>
+          </p:cNvPr>
+          <p:cNvSpPr txBox="1"/>
+          <p:nvPr/>
+        </p:nvSpPr>
+        <p:spPr>
+          <a:xfrm>
+            <a:off x="3018146" y="3167701"/>
+            <a:ext cx="2086708" cy="307777"/>
+          </a:xfrm>
+          <a:prstGeom prst="rect">
+            <a:avLst/>
+          </a:prstGeom>
+          <a:noFill/>
+        </p:spPr>
+        <p:txBody>
+          <a:bodyPr wrap="square" rtlCol="0">
+            <a:spAutoFit/>
+          </a:bodyPr>
+          <a:lstStyle/>
+          <a:p>
+            <a:pPr algn="ctr"/>
+            <a:r>
+              <a:rPr kumimoji="1" lang="en-US" altLang="ja-JP" sz="1400" dirty="0"/>
+              <a:t>API</a:t>
+            </a:r>
+            <a:r>
+              <a:rPr kumimoji="1" lang="ja-JP" altLang="en-US" sz="1400" dirty="0"/>
+              <a:t> </a:t>
+            </a:r>
+            <a:r>
+              <a:rPr kumimoji="1" lang="en-US" altLang="ja-JP" sz="1400" dirty="0"/>
+              <a:t>Management</a:t>
+            </a:r>
+            <a:endParaRPr kumimoji="1" lang="ja-JP" altLang="en-US" sz="1400" dirty="0"/>
+          </a:p>
+        </p:txBody>
+      </p:sp>
+      <p:cxnSp>
+        <p:nvCxnSpPr>
+          <p:cNvPr id="30" name="直線矢印コネクタ 29">
+            <a:extLst>
+              <a:ext uri="{FF2B5EF4-FFF2-40B4-BE49-F238E27FC236}">
+                <a16:creationId xmlns:a16="http://schemas.microsoft.com/office/drawing/2014/main" id="{C04CEA1D-BDBE-C27C-29B6-1F26957DB052}"/>
+              </a:ext>
+            </a:extLst>
+          </p:cNvPr>
+          <p:cNvCxnSpPr>
+            <a:cxnSpLocks/>
+          </p:cNvCxnSpPr>
+          <p:nvPr/>
+        </p:nvCxnSpPr>
+        <p:spPr>
+          <a:xfrm>
+            <a:off x="4804182" y="2621976"/>
+            <a:ext cx="1924625" cy="157"/>
+          </a:xfrm>
+          <a:prstGeom prst="straightConnector1">
+            <a:avLst/>
+          </a:prstGeom>
+          <a:ln w="28575">
+            <a:solidFill>
+              <a:schemeClr val="accent5"/>
+            </a:solidFill>
+            <a:headEnd type="none" w="med" len="med"/>
+            <a:tailEnd type="arrow" w="med" len="med"/>
+          </a:ln>
+        </p:spPr>
+        <p:style>
+          <a:lnRef idx="1">
+            <a:schemeClr val="accent1"/>
+          </a:lnRef>
+          <a:fillRef idx="0">
+            <a:schemeClr val="accent1"/>
+          </a:fillRef>
+          <a:effectRef idx="0">
+            <a:schemeClr val="accent1"/>
+          </a:effectRef>
+          <a:fontRef idx="minor">
+            <a:schemeClr val="tx1"/>
+          </a:fontRef>
+        </p:style>
+      </p:cxnSp>
+      <p:pic>
+        <p:nvPicPr>
+          <p:cNvPr id="32" name="Picture 4" descr="Azire OpenAI logo.">
+            <a:extLst>
+              <a:ext uri="{FF2B5EF4-FFF2-40B4-BE49-F238E27FC236}">
+                <a16:creationId xmlns:a16="http://schemas.microsoft.com/office/drawing/2014/main" id="{4180767B-A57E-6237-CA50-6858BB86195B}"/>
+              </a:ext>
+            </a:extLst>
+          </p:cNvPr>
+          <p:cNvPicPr>
+            <a:picLocks noChangeAspect="1" noChangeArrowheads="1"/>
+          </p:cNvPicPr>
+          <p:nvPr/>
+        </p:nvPicPr>
+        <p:blipFill>
+          <a:blip r:embed="rId4">
+            <a:extLst>
+              <a:ext uri="{28A0092B-C50C-407E-A947-70E740481C1C}">
+                <a14:useLocalDpi xmlns:a14="http://schemas.microsoft.com/office/drawing/2010/main" val="0"/>
+              </a:ext>
+            </a:extLst>
+          </a:blip>
+          <a:srcRect/>
+          <a:stretch>
+            <a:fillRect/>
+          </a:stretch>
+        </p:blipFill>
+        <p:spPr bwMode="auto">
+          <a:xfrm>
+            <a:off x="6998839" y="2480973"/>
+            <a:ext cx="574993" cy="574993"/>
+          </a:xfrm>
+          <a:prstGeom prst="rect">
+            <a:avLst/>
+          </a:prstGeom>
+          <a:noFill/>
+          <a:extLst>
+            <a:ext uri="{909E8E84-426E-40DD-AFC4-6F175D3DCCD1}">
+              <a14:hiddenFill xmlns:a14="http://schemas.microsoft.com/office/drawing/2010/main">
+                <a:solidFill>
+                  <a:srgbClr val="FFFFFF"/>
+                </a:solidFill>
+              </a14:hiddenFill>
+            </a:ext>
+          </a:extLst>
+        </p:spPr>
+      </p:pic>
+      <p:cxnSp>
+        <p:nvCxnSpPr>
+          <p:cNvPr id="34" name="直線矢印コネクタ 33">
+            <a:extLst>
+              <a:ext uri="{FF2B5EF4-FFF2-40B4-BE49-F238E27FC236}">
+                <a16:creationId xmlns:a16="http://schemas.microsoft.com/office/drawing/2014/main" id="{1D1BD600-1A8F-6132-1C64-92D78FBC9686}"/>
+              </a:ext>
+            </a:extLst>
+          </p:cNvPr>
+          <p:cNvCxnSpPr>
+            <a:cxnSpLocks/>
+          </p:cNvCxnSpPr>
+          <p:nvPr/>
+        </p:nvCxnSpPr>
+        <p:spPr>
+          <a:xfrm flipV="1">
+            <a:off x="1503926" y="2621942"/>
+            <a:ext cx="2112026" cy="34"/>
+          </a:xfrm>
+          <a:prstGeom prst="straightConnector1">
+            <a:avLst/>
+          </a:prstGeom>
+          <a:ln w="28575">
+            <a:solidFill>
+              <a:schemeClr val="accent5"/>
+            </a:solidFill>
+            <a:headEnd type="none" w="med" len="med"/>
+            <a:tailEnd type="arrow" w="med" len="med"/>
+          </a:ln>
+        </p:spPr>
+        <p:style>
+          <a:lnRef idx="1">
+            <a:schemeClr val="accent1"/>
+          </a:lnRef>
+          <a:fillRef idx="0">
+            <a:schemeClr val="accent1"/>
+          </a:fillRef>
+          <a:effectRef idx="0">
+            <a:schemeClr val="accent1"/>
+          </a:effectRef>
+          <a:fontRef idx="minor">
+            <a:schemeClr val="tx1"/>
+          </a:fontRef>
+        </p:style>
+      </p:cxnSp>
+      <p:sp>
+        <p:nvSpPr>
+          <p:cNvPr id="37" name="テキスト ボックス 36">
+            <a:extLst>
+              <a:ext uri="{FF2B5EF4-FFF2-40B4-BE49-F238E27FC236}">
+                <a16:creationId xmlns:a16="http://schemas.microsoft.com/office/drawing/2014/main" id="{B92AEE5A-351E-4695-0214-A9186E93536C}"/>
+              </a:ext>
+            </a:extLst>
+          </p:cNvPr>
+          <p:cNvSpPr txBox="1"/>
+          <p:nvPr/>
+        </p:nvSpPr>
+        <p:spPr>
+          <a:xfrm>
+            <a:off x="1429678" y="2126210"/>
+            <a:ext cx="2086708" cy="307777"/>
+          </a:xfrm>
+          <a:prstGeom prst="rect">
+            <a:avLst/>
+          </a:prstGeom>
+          <a:noFill/>
+        </p:spPr>
+        <p:txBody>
+          <a:bodyPr wrap="square" rtlCol="0">
+            <a:spAutoFit/>
+          </a:bodyPr>
+          <a:lstStyle/>
+          <a:p>
+            <a:pPr algn="ctr"/>
+            <a:r>
+              <a:rPr kumimoji="1" lang="en-US" altLang="ja-JP" sz="1400" dirty="0"/>
+              <a:t>Completion</a:t>
+            </a:r>
+            <a:endParaRPr kumimoji="1" lang="ja-JP" altLang="en-US" sz="1400" dirty="0"/>
+          </a:p>
+        </p:txBody>
+      </p:sp>
+      <p:sp>
+        <p:nvSpPr>
+          <p:cNvPr id="40" name="テキスト ボックス 39">
+            <a:extLst>
+              <a:ext uri="{FF2B5EF4-FFF2-40B4-BE49-F238E27FC236}">
+                <a16:creationId xmlns:a16="http://schemas.microsoft.com/office/drawing/2014/main" id="{235A2F91-542A-F8C3-81E3-4AEBC8C1439A}"/>
+              </a:ext>
+            </a:extLst>
+          </p:cNvPr>
+          <p:cNvSpPr txBox="1"/>
+          <p:nvPr/>
+        </p:nvSpPr>
+        <p:spPr>
+          <a:xfrm>
+            <a:off x="7573832" y="2512732"/>
+            <a:ext cx="2589563" cy="523220"/>
+          </a:xfrm>
+          <a:prstGeom prst="rect">
+            <a:avLst/>
+          </a:prstGeom>
+          <a:noFill/>
+        </p:spPr>
+        <p:txBody>
+          <a:bodyPr wrap="square" rtlCol="0">
+            <a:spAutoFit/>
+          </a:bodyPr>
+          <a:lstStyle/>
+          <a:p>
+            <a:r>
+              <a:rPr kumimoji="1" lang="en-US" altLang="ja-JP" sz="1400" dirty="0"/>
+              <a:t>gpt-35-turbo-instruct (0914)</a:t>
+            </a:r>
+          </a:p>
+          <a:p>
+            <a:r>
+              <a:rPr lang="en-US" altLang="ja-JP" sz="1400" dirty="0" err="1"/>
+              <a:t>swedencentral</a:t>
+            </a:r>
+            <a:r>
+              <a:rPr lang="ja-JP" altLang="en-US" sz="1400" dirty="0"/>
+              <a:t>リージョン</a:t>
+            </a:r>
+            <a:endParaRPr kumimoji="1" lang="ja-JP" altLang="en-US" sz="1400" dirty="0"/>
+          </a:p>
+        </p:txBody>
+      </p:sp>
+      <p:cxnSp>
+        <p:nvCxnSpPr>
+          <p:cNvPr id="5" name="直線矢印コネクタ 4">
+            <a:extLst>
+              <a:ext uri="{FF2B5EF4-FFF2-40B4-BE49-F238E27FC236}">
+                <a16:creationId xmlns:a16="http://schemas.microsoft.com/office/drawing/2014/main" id="{7C39BE6F-EF1D-C2C7-3431-B77A896F04C0}"/>
+              </a:ext>
+            </a:extLst>
+          </p:cNvPr>
+          <p:cNvCxnSpPr>
+            <a:cxnSpLocks/>
+          </p:cNvCxnSpPr>
+          <p:nvPr/>
+        </p:nvCxnSpPr>
+        <p:spPr>
+          <a:xfrm>
+            <a:off x="4804176" y="2774376"/>
+            <a:ext cx="1924625" cy="157"/>
+          </a:xfrm>
+          <a:prstGeom prst="straightConnector1">
+            <a:avLst/>
+          </a:prstGeom>
+          <a:ln w="28575">
+            <a:solidFill>
+              <a:schemeClr val="accent5"/>
+            </a:solidFill>
+            <a:headEnd type="none" w="med" len="med"/>
+            <a:tailEnd type="arrow" w="med" len="med"/>
+          </a:ln>
+        </p:spPr>
+        <p:style>
+          <a:lnRef idx="1">
+            <a:schemeClr val="accent1"/>
+          </a:lnRef>
+          <a:fillRef idx="0">
+            <a:schemeClr val="accent1"/>
+          </a:fillRef>
+          <a:effectRef idx="0">
+            <a:schemeClr val="accent1"/>
+          </a:effectRef>
+          <a:fontRef idx="minor">
+            <a:schemeClr val="tx1"/>
+          </a:fontRef>
+        </p:style>
+      </p:cxnSp>
+      <p:cxnSp>
+        <p:nvCxnSpPr>
+          <p:cNvPr id="6" name="直線矢印コネクタ 5">
+            <a:extLst>
+              <a:ext uri="{FF2B5EF4-FFF2-40B4-BE49-F238E27FC236}">
+                <a16:creationId xmlns:a16="http://schemas.microsoft.com/office/drawing/2014/main" id="{F281182E-67DC-DC4E-05A1-BC31D5DFE27F}"/>
+              </a:ext>
+            </a:extLst>
+          </p:cNvPr>
+          <p:cNvCxnSpPr>
+            <a:cxnSpLocks/>
+          </p:cNvCxnSpPr>
+          <p:nvPr/>
+        </p:nvCxnSpPr>
+        <p:spPr>
+          <a:xfrm flipV="1">
+            <a:off x="1503920" y="2774342"/>
+            <a:ext cx="2112026" cy="34"/>
+          </a:xfrm>
+          <a:prstGeom prst="straightConnector1">
+            <a:avLst/>
+          </a:prstGeom>
+          <a:ln w="28575">
+            <a:solidFill>
+              <a:schemeClr val="accent5"/>
+            </a:solidFill>
+            <a:headEnd type="none" w="med" len="med"/>
+            <a:tailEnd type="arrow" w="med" len="med"/>
+          </a:ln>
+        </p:spPr>
+        <p:style>
+          <a:lnRef idx="1">
+            <a:schemeClr val="accent1"/>
+          </a:lnRef>
+          <a:fillRef idx="0">
+            <a:schemeClr val="accent1"/>
+          </a:fillRef>
+          <a:effectRef idx="0">
+            <a:schemeClr val="accent1"/>
+          </a:effectRef>
+          <a:fontRef idx="minor">
+            <a:schemeClr val="tx1"/>
+          </a:fontRef>
+        </p:style>
+      </p:cxnSp>
+      <p:cxnSp>
+        <p:nvCxnSpPr>
+          <p:cNvPr id="7" name="直線矢印コネクタ 6">
+            <a:extLst>
+              <a:ext uri="{FF2B5EF4-FFF2-40B4-BE49-F238E27FC236}">
+                <a16:creationId xmlns:a16="http://schemas.microsoft.com/office/drawing/2014/main" id="{D94F9D31-A229-A080-DBF9-AA3DABB51466}"/>
+              </a:ext>
+            </a:extLst>
+          </p:cNvPr>
+          <p:cNvCxnSpPr>
+            <a:cxnSpLocks/>
+          </p:cNvCxnSpPr>
+          <p:nvPr/>
+        </p:nvCxnSpPr>
+        <p:spPr>
+          <a:xfrm>
+            <a:off x="4810044" y="2932640"/>
+            <a:ext cx="1924625" cy="157"/>
+          </a:xfrm>
+          <a:prstGeom prst="straightConnector1">
+            <a:avLst/>
+          </a:prstGeom>
+          <a:ln w="28575">
+            <a:solidFill>
+              <a:schemeClr val="accent5"/>
+            </a:solidFill>
+            <a:headEnd type="none" w="med" len="med"/>
+            <a:tailEnd type="arrow" w="med" len="med"/>
+          </a:ln>
+        </p:spPr>
+        <p:style>
+          <a:lnRef idx="1">
+            <a:schemeClr val="accent1"/>
+          </a:lnRef>
+          <a:fillRef idx="0">
+            <a:schemeClr val="accent1"/>
+          </a:fillRef>
+          <a:effectRef idx="0">
+            <a:schemeClr val="accent1"/>
+          </a:effectRef>
+          <a:fontRef idx="minor">
+            <a:schemeClr val="tx1"/>
+          </a:fontRef>
+        </p:style>
+      </p:cxnSp>
+      <p:cxnSp>
+        <p:nvCxnSpPr>
+          <p:cNvPr id="9" name="直線矢印コネクタ 8">
+            <a:extLst>
+              <a:ext uri="{FF2B5EF4-FFF2-40B4-BE49-F238E27FC236}">
+                <a16:creationId xmlns:a16="http://schemas.microsoft.com/office/drawing/2014/main" id="{82C59E64-A6A4-12A4-9ED6-ACCAFA228CB2}"/>
+              </a:ext>
+            </a:extLst>
+          </p:cNvPr>
+          <p:cNvCxnSpPr>
+            <a:cxnSpLocks/>
+          </p:cNvCxnSpPr>
+          <p:nvPr/>
+        </p:nvCxnSpPr>
+        <p:spPr>
+          <a:xfrm flipV="1">
+            <a:off x="1509788" y="2932606"/>
+            <a:ext cx="2112026" cy="34"/>
+          </a:xfrm>
+          <a:prstGeom prst="straightConnector1">
+            <a:avLst/>
+          </a:prstGeom>
+          <a:ln w="28575">
+            <a:solidFill>
+              <a:schemeClr val="accent5"/>
+            </a:solidFill>
+            <a:headEnd type="none" w="med" len="med"/>
+            <a:tailEnd type="arrow" w="med" len="med"/>
+          </a:ln>
+        </p:spPr>
+        <p:style>
+          <a:lnRef idx="1">
+            <a:schemeClr val="accent1"/>
+          </a:lnRef>
+          <a:fillRef idx="0">
+            <a:schemeClr val="accent1"/>
+          </a:fillRef>
+          <a:effectRef idx="0">
+            <a:schemeClr val="accent1"/>
+          </a:effectRef>
+          <a:fontRef idx="minor">
+            <a:schemeClr val="tx1"/>
+          </a:fontRef>
+        </p:style>
+      </p:cxnSp>
+      <p:cxnSp>
+        <p:nvCxnSpPr>
+          <p:cNvPr id="11" name="直線矢印コネクタ 10">
+            <a:extLst>
+              <a:ext uri="{FF2B5EF4-FFF2-40B4-BE49-F238E27FC236}">
+                <a16:creationId xmlns:a16="http://schemas.microsoft.com/office/drawing/2014/main" id="{16B29F19-FC36-EEE5-2D49-4BF55D614BD5}"/>
+              </a:ext>
+            </a:extLst>
+          </p:cNvPr>
+          <p:cNvCxnSpPr>
+            <a:cxnSpLocks/>
+          </p:cNvCxnSpPr>
+          <p:nvPr/>
+        </p:nvCxnSpPr>
+        <p:spPr>
+          <a:xfrm flipV="1">
+            <a:off x="1503920" y="2463678"/>
+            <a:ext cx="2112026" cy="34"/>
+          </a:xfrm>
+          <a:prstGeom prst="straightConnector1">
+            <a:avLst/>
+          </a:prstGeom>
+          <a:ln w="28575">
+            <a:solidFill>
+              <a:schemeClr val="accent5"/>
+            </a:solidFill>
+            <a:headEnd type="none" w="med" len="med"/>
+            <a:tailEnd type="arrow" w="med" len="med"/>
+          </a:ln>
+        </p:spPr>
+        <p:style>
+          <a:lnRef idx="1">
+            <a:schemeClr val="accent1"/>
+          </a:lnRef>
+          <a:fillRef idx="0">
+            <a:schemeClr val="accent1"/>
+          </a:fillRef>
+          <a:effectRef idx="0">
+            <a:schemeClr val="accent1"/>
+          </a:effectRef>
+          <a:fontRef idx="minor">
+            <a:schemeClr val="tx1"/>
+          </a:fontRef>
+        </p:style>
+      </p:cxnSp>
+      <p:cxnSp>
+        <p:nvCxnSpPr>
+          <p:cNvPr id="13" name="直線矢印コネクタ 12">
+            <a:extLst>
+              <a:ext uri="{FF2B5EF4-FFF2-40B4-BE49-F238E27FC236}">
+                <a16:creationId xmlns:a16="http://schemas.microsoft.com/office/drawing/2014/main" id="{27F8C919-90D5-3B9E-290D-F6ADAAFFD3AA}"/>
+              </a:ext>
+            </a:extLst>
+          </p:cNvPr>
+          <p:cNvCxnSpPr>
+            <a:cxnSpLocks/>
+          </p:cNvCxnSpPr>
+          <p:nvPr/>
+        </p:nvCxnSpPr>
+        <p:spPr>
+          <a:xfrm flipV="1">
+            <a:off x="4804176" y="1631289"/>
+            <a:ext cx="1831086" cy="834983"/>
+          </a:xfrm>
+          <a:prstGeom prst="straightConnector1">
+            <a:avLst/>
+          </a:prstGeom>
+          <a:ln w="28575">
+            <a:solidFill>
+              <a:schemeClr val="accent5"/>
+            </a:solidFill>
+            <a:headEnd type="none" w="med" len="med"/>
+            <a:tailEnd type="arrow" w="med" len="med"/>
+          </a:ln>
+        </p:spPr>
+        <p:style>
+          <a:lnRef idx="1">
+            <a:schemeClr val="accent1"/>
+          </a:lnRef>
+          <a:fillRef idx="0">
+            <a:schemeClr val="accent1"/>
+          </a:fillRef>
+          <a:effectRef idx="0">
+            <a:schemeClr val="accent1"/>
+          </a:effectRef>
+          <a:fontRef idx="minor">
+            <a:schemeClr val="tx1"/>
+          </a:fontRef>
+        </p:style>
+      </p:cxnSp>
+      <p:sp>
+        <p:nvSpPr>
+          <p:cNvPr id="14" name="テキスト ボックス 13">
+            <a:extLst>
+              <a:ext uri="{FF2B5EF4-FFF2-40B4-BE49-F238E27FC236}">
+                <a16:creationId xmlns:a16="http://schemas.microsoft.com/office/drawing/2014/main" id="{12A26C23-5025-0EA6-26A0-C53A7E436D3A}"/>
+              </a:ext>
+            </a:extLst>
+          </p:cNvPr>
+          <p:cNvSpPr txBox="1"/>
+          <p:nvPr/>
+        </p:nvSpPr>
+        <p:spPr>
+          <a:xfrm>
+            <a:off x="7573831" y="1277148"/>
+            <a:ext cx="2589563" cy="523220"/>
+          </a:xfrm>
+          <a:prstGeom prst="rect">
+            <a:avLst/>
+          </a:prstGeom>
+          <a:noFill/>
+        </p:spPr>
+        <p:txBody>
+          <a:bodyPr wrap="square" rtlCol="0">
+            <a:spAutoFit/>
+          </a:bodyPr>
+          <a:lstStyle/>
+          <a:p>
+            <a:r>
+              <a:rPr kumimoji="1" lang="en-US" altLang="ja-JP" sz="1400" dirty="0"/>
+              <a:t>gpt-35-turbo-instruct (0914)</a:t>
+            </a:r>
+          </a:p>
+          <a:p>
+            <a:r>
+              <a:rPr lang="en-US" altLang="ja-JP" sz="1400" dirty="0"/>
+              <a:t>east</a:t>
+            </a:r>
+            <a:r>
+              <a:rPr lang="ja-JP" altLang="en-US" sz="1400" dirty="0"/>
+              <a:t>リージョン</a:t>
+            </a:r>
+            <a:endParaRPr kumimoji="1" lang="ja-JP" altLang="en-US" sz="1400" dirty="0"/>
+          </a:p>
+        </p:txBody>
+      </p:sp>
+      <p:cxnSp>
+        <p:nvCxnSpPr>
+          <p:cNvPr id="16" name="直線矢印コネクタ 15">
+            <a:extLst>
+              <a:ext uri="{FF2B5EF4-FFF2-40B4-BE49-F238E27FC236}">
+                <a16:creationId xmlns:a16="http://schemas.microsoft.com/office/drawing/2014/main" id="{900E3659-A36D-1D24-FEBB-72C655D4FE17}"/>
+              </a:ext>
+            </a:extLst>
+          </p:cNvPr>
+          <p:cNvCxnSpPr>
+            <a:cxnSpLocks/>
+          </p:cNvCxnSpPr>
+          <p:nvPr/>
+        </p:nvCxnSpPr>
+        <p:spPr>
+          <a:xfrm>
+            <a:off x="4804175" y="2458534"/>
+            <a:ext cx="1924625" cy="157"/>
+          </a:xfrm>
+          <a:prstGeom prst="straightConnector1">
+            <a:avLst/>
+          </a:prstGeom>
+          <a:ln w="28575">
+            <a:solidFill>
+              <a:schemeClr val="accent5"/>
+            </a:solidFill>
+            <a:headEnd type="none" w="med" len="med"/>
+            <a:tailEnd type="arrow" w="med" len="med"/>
+          </a:ln>
+        </p:spPr>
+        <p:style>
+          <a:lnRef idx="1">
+            <a:schemeClr val="accent1"/>
+          </a:lnRef>
+          <a:fillRef idx="0">
+            <a:schemeClr val="accent1"/>
+          </a:fillRef>
+          <a:effectRef idx="0">
+            <a:schemeClr val="accent1"/>
+          </a:effectRef>
+          <a:fontRef idx="minor">
+            <a:schemeClr val="tx1"/>
+          </a:fontRef>
+        </p:style>
+      </p:cxnSp>
+      <p:sp>
+        <p:nvSpPr>
+          <p:cNvPr id="17" name="乗算記号 16">
+            <a:extLst>
+              <a:ext uri="{FF2B5EF4-FFF2-40B4-BE49-F238E27FC236}">
+                <a16:creationId xmlns:a16="http://schemas.microsoft.com/office/drawing/2014/main" id="{9E6B393C-AF65-7EC9-8E05-0992F2C1B2E8}"/>
+              </a:ext>
+            </a:extLst>
+          </p:cNvPr>
+          <p:cNvSpPr/>
+          <p:nvPr/>
+        </p:nvSpPr>
+        <p:spPr>
+          <a:xfrm>
+            <a:off x="5861030" y="2162511"/>
+            <a:ext cx="516155" cy="516155"/>
+          </a:xfrm>
+          <a:prstGeom prst="mathMultiply">
+            <a:avLst>
+              <a:gd name="adj1" fmla="val 11341"/>
+            </a:avLst>
+          </a:prstGeom>
+          <a:solidFill>
+            <a:srgbClr val="FF0000"/>
+          </a:solidFill>
+          <a:ln>
+            <a:noFill/>
+          </a:ln>
+        </p:spPr>
+        <p:style>
+          <a:lnRef idx="2">
+            <a:schemeClr val="accent1">
+              <a:shade val="15000"/>
+            </a:schemeClr>
+          </a:lnRef>
+          <a:fillRef idx="1">
+            <a:schemeClr val="accent1"/>
+          </a:fillRef>
+          <a:effectRef idx="0">
+            <a:schemeClr val="accent1"/>
+          </a:effectRef>
+          <a:fontRef idx="minor">
+            <a:schemeClr val="lt1"/>
+          </a:fontRef>
+        </p:style>
+        <p:txBody>
+          <a:bodyPr rtlCol="0" anchor="ctr"/>
+          <a:lstStyle/>
+          <a:p>
+            <a:pPr algn="ctr"/>
+            <a:endParaRPr kumimoji="1" lang="ja-JP" altLang="en-US"/>
+          </a:p>
+        </p:txBody>
+      </p:sp>
+      <p:sp>
+        <p:nvSpPr>
+          <p:cNvPr id="18" name="テキスト ボックス 17">
+            <a:extLst>
+              <a:ext uri="{FF2B5EF4-FFF2-40B4-BE49-F238E27FC236}">
+                <a16:creationId xmlns:a16="http://schemas.microsoft.com/office/drawing/2014/main" id="{EDFD0F7B-9040-0534-4883-1C1244828D23}"/>
+              </a:ext>
+            </a:extLst>
+          </p:cNvPr>
+          <p:cNvSpPr txBox="1"/>
+          <p:nvPr/>
+        </p:nvSpPr>
+        <p:spPr>
+          <a:xfrm>
+            <a:off x="4618170" y="1688004"/>
+            <a:ext cx="2086708" cy="307777"/>
+          </a:xfrm>
+          <a:prstGeom prst="rect">
+            <a:avLst/>
+          </a:prstGeom>
+          <a:noFill/>
+        </p:spPr>
+        <p:txBody>
+          <a:bodyPr wrap="square" rtlCol="0">
+            <a:spAutoFit/>
+          </a:bodyPr>
+          <a:lstStyle/>
+          <a:p>
+            <a:pPr algn="ctr"/>
+            <a:r>
+              <a:rPr lang="en-US" altLang="ja-JP" sz="1400" dirty="0"/>
+              <a:t>429 Error</a:t>
+            </a:r>
+            <a:r>
+              <a:rPr lang="ja-JP" altLang="en-US" sz="1400" dirty="0"/>
+              <a:t> 時</a:t>
+            </a:r>
+            <a:endParaRPr kumimoji="1" lang="ja-JP" altLang="en-US" sz="1400" dirty="0"/>
+          </a:p>
+        </p:txBody>
+      </p:sp>
+    </p:spTree>
+    <p:extLst>
+      <p:ext uri="{BB962C8B-B14F-4D97-AF65-F5344CB8AC3E}">
+        <p14:creationId xmlns:p14="http://schemas.microsoft.com/office/powerpoint/2010/main" val="3125731750"/>
       </p:ext>
     </p:extLst>
   </p:cSld>

--- a/apim-aoai-pattern/images/figures.pptx
+++ b/apim-aoai-pattern/images/figures.pptx
@@ -9,6 +9,10 @@
     <p:sldId id="258" r:id="rId3"/>
     <p:sldId id="259" r:id="rId4"/>
     <p:sldId id="260" r:id="rId5"/>
+    <p:sldId id="261" r:id="rId6"/>
+    <p:sldId id="262" r:id="rId7"/>
+    <p:sldId id="264" r:id="rId8"/>
+    <p:sldId id="263" r:id="rId9"/>
   </p:sldIdLst>
   <p:sldSz cx="12192000" cy="6858000"/>
   <p:notesSz cx="6858000" cy="9144000"/>
@@ -107,6 +111,11 @@
       </a:defRPr>
     </a:lvl9pPr>
   </p:defaultTextStyle>
+  <p:extLst>
+    <p:ext uri="{EFAFB233-063F-42B5-8137-9DF3F51BA10A}">
+      <p15:sldGuideLst xmlns:p15="http://schemas.microsoft.com/office/powerpoint/2012/main"/>
+    </p:ext>
+  </p:extLst>
 </p:presentation>
 </file>
 
@@ -257,7 +266,7 @@
           <a:p>
             <a:fld id="{451E523D-9731-498C-BF8A-151754B928BB}" type="datetimeFigureOut">
               <a:rPr kumimoji="1" lang="ja-JP" altLang="en-US" smtClean="0"/>
-              <a:t>2024/6/28</a:t>
+              <a:t>2024/7/31</a:t>
             </a:fld>
             <a:endParaRPr kumimoji="1" lang="ja-JP" altLang="en-US"/>
           </a:p>
@@ -487,7 +496,7 @@
           <a:p>
             <a:fld id="{451E523D-9731-498C-BF8A-151754B928BB}" type="datetimeFigureOut">
               <a:rPr kumimoji="1" lang="ja-JP" altLang="en-US" smtClean="0"/>
-              <a:t>2024/6/28</a:t>
+              <a:t>2024/7/31</a:t>
             </a:fld>
             <a:endParaRPr kumimoji="1" lang="ja-JP" altLang="en-US"/>
           </a:p>
@@ -727,7 +736,7 @@
           <a:p>
             <a:fld id="{451E523D-9731-498C-BF8A-151754B928BB}" type="datetimeFigureOut">
               <a:rPr kumimoji="1" lang="ja-JP" altLang="en-US" smtClean="0"/>
-              <a:t>2024/6/28</a:t>
+              <a:t>2024/7/31</a:t>
             </a:fld>
             <a:endParaRPr kumimoji="1" lang="ja-JP" altLang="en-US"/>
           </a:p>
@@ -957,7 +966,7 @@
           <a:p>
             <a:fld id="{451E523D-9731-498C-BF8A-151754B928BB}" type="datetimeFigureOut">
               <a:rPr kumimoji="1" lang="ja-JP" altLang="en-US" smtClean="0"/>
-              <a:t>2024/6/28</a:t>
+              <a:t>2024/7/31</a:t>
             </a:fld>
             <a:endParaRPr kumimoji="1" lang="ja-JP" altLang="en-US"/>
           </a:p>
@@ -1232,7 +1241,7 @@
           <a:p>
             <a:fld id="{451E523D-9731-498C-BF8A-151754B928BB}" type="datetimeFigureOut">
               <a:rPr kumimoji="1" lang="ja-JP" altLang="en-US" smtClean="0"/>
-              <a:t>2024/6/28</a:t>
+              <a:t>2024/7/31</a:t>
             </a:fld>
             <a:endParaRPr kumimoji="1" lang="ja-JP" altLang="en-US"/>
           </a:p>
@@ -1561,7 +1570,7 @@
           <a:p>
             <a:fld id="{451E523D-9731-498C-BF8A-151754B928BB}" type="datetimeFigureOut">
               <a:rPr kumimoji="1" lang="ja-JP" altLang="en-US" smtClean="0"/>
-              <a:t>2024/6/28</a:t>
+              <a:t>2024/7/31</a:t>
             </a:fld>
             <a:endParaRPr kumimoji="1" lang="ja-JP" altLang="en-US"/>
           </a:p>
@@ -2037,7 +2046,7 @@
           <a:p>
             <a:fld id="{451E523D-9731-498C-BF8A-151754B928BB}" type="datetimeFigureOut">
               <a:rPr kumimoji="1" lang="ja-JP" altLang="en-US" smtClean="0"/>
-              <a:t>2024/6/28</a:t>
+              <a:t>2024/7/31</a:t>
             </a:fld>
             <a:endParaRPr kumimoji="1" lang="ja-JP" altLang="en-US"/>
           </a:p>
@@ -2178,7 +2187,7 @@
           <a:p>
             <a:fld id="{451E523D-9731-498C-BF8A-151754B928BB}" type="datetimeFigureOut">
               <a:rPr kumimoji="1" lang="ja-JP" altLang="en-US" smtClean="0"/>
-              <a:t>2024/6/28</a:t>
+              <a:t>2024/7/31</a:t>
             </a:fld>
             <a:endParaRPr kumimoji="1" lang="ja-JP" altLang="en-US"/>
           </a:p>
@@ -2291,7 +2300,7 @@
           <a:p>
             <a:fld id="{451E523D-9731-498C-BF8A-151754B928BB}" type="datetimeFigureOut">
               <a:rPr kumimoji="1" lang="ja-JP" altLang="en-US" smtClean="0"/>
-              <a:t>2024/6/28</a:t>
+              <a:t>2024/7/31</a:t>
             </a:fld>
             <a:endParaRPr kumimoji="1" lang="ja-JP" altLang="en-US"/>
           </a:p>
@@ -2634,7 +2643,7 @@
           <a:p>
             <a:fld id="{451E523D-9731-498C-BF8A-151754B928BB}" type="datetimeFigureOut">
               <a:rPr kumimoji="1" lang="ja-JP" altLang="en-US" smtClean="0"/>
-              <a:t>2024/6/28</a:t>
+              <a:t>2024/7/31</a:t>
             </a:fld>
             <a:endParaRPr kumimoji="1" lang="ja-JP" altLang="en-US"/>
           </a:p>
@@ -2922,7 +2931,7 @@
           <a:p>
             <a:fld id="{451E523D-9731-498C-BF8A-151754B928BB}" type="datetimeFigureOut">
               <a:rPr kumimoji="1" lang="ja-JP" altLang="en-US" smtClean="0"/>
-              <a:t>2024/6/28</a:t>
+              <a:t>2024/7/31</a:t>
             </a:fld>
             <a:endParaRPr kumimoji="1" lang="ja-JP" altLang="en-US"/>
           </a:p>
@@ -3195,7 +3204,7 @@
           <a:p>
             <a:fld id="{451E523D-9731-498C-BF8A-151754B928BB}" type="datetimeFigureOut">
               <a:rPr kumimoji="1" lang="ja-JP" altLang="en-US" smtClean="0"/>
-              <a:t>2024/6/28</a:t>
+              <a:t>2024/7/31</a:t>
             </a:fld>
             <a:endParaRPr kumimoji="1" lang="ja-JP" altLang="en-US"/>
           </a:p>
@@ -6908,6 +6917,6658 @@
     <p:extLst>
       <p:ext uri="{BB962C8B-B14F-4D97-AF65-F5344CB8AC3E}">
         <p14:creationId xmlns:p14="http://schemas.microsoft.com/office/powerpoint/2010/main" val="3125731750"/>
+      </p:ext>
+    </p:extLst>
+  </p:cSld>
+  <p:clrMapOvr>
+    <a:masterClrMapping/>
+  </p:clrMapOvr>
+</p:sld>
+</file>
+
+<file path=ppt/slides/slide5.xml><?xml version="1.0" encoding="utf-8"?>
+<p:sld xmlns:a="http://schemas.openxmlformats.org/drawingml/2006/main" xmlns:r="http://schemas.openxmlformats.org/officeDocument/2006/relationships" xmlns:p="http://schemas.openxmlformats.org/presentationml/2006/main">
+  <p:cSld>
+    <p:spTree>
+      <p:nvGrpSpPr>
+        <p:cNvPr id="1" name=""/>
+        <p:cNvGrpSpPr/>
+        <p:nvPr/>
+      </p:nvGrpSpPr>
+      <p:grpSpPr>
+        <a:xfrm>
+          <a:off x="0" y="0"/>
+          <a:ext cx="0" cy="0"/>
+          <a:chOff x="0" y="0"/>
+          <a:chExt cx="0" cy="0"/>
+        </a:xfrm>
+      </p:grpSpPr>
+    </p:spTree>
+    <p:extLst>
+      <p:ext uri="{BB962C8B-B14F-4D97-AF65-F5344CB8AC3E}">
+        <p14:creationId xmlns:p14="http://schemas.microsoft.com/office/powerpoint/2010/main" val="2602345716"/>
+      </p:ext>
+    </p:extLst>
+  </p:cSld>
+  <p:clrMapOvr>
+    <a:masterClrMapping/>
+  </p:clrMapOvr>
+</p:sld>
+</file>
+
+<file path=ppt/slides/slide6.xml><?xml version="1.0" encoding="utf-8"?>
+<p:sld xmlns:a="http://schemas.openxmlformats.org/drawingml/2006/main" xmlns:r="http://schemas.openxmlformats.org/officeDocument/2006/relationships" xmlns:p="http://schemas.openxmlformats.org/presentationml/2006/main">
+  <p:cSld>
+    <p:spTree>
+      <p:nvGrpSpPr>
+        <p:cNvPr id="1" name=""/>
+        <p:cNvGrpSpPr/>
+        <p:nvPr/>
+      </p:nvGrpSpPr>
+      <p:grpSpPr>
+        <a:xfrm>
+          <a:off x="0" y="0"/>
+          <a:ext cx="0" cy="0"/>
+          <a:chOff x="0" y="0"/>
+          <a:chExt cx="0" cy="0"/>
+        </a:xfrm>
+      </p:grpSpPr>
+      <p:sp>
+        <p:nvSpPr>
+          <p:cNvPr id="34" name="正方形/長方形 33">
+            <a:extLst>
+              <a:ext uri="{FF2B5EF4-FFF2-40B4-BE49-F238E27FC236}">
+                <a16:creationId xmlns:a16="http://schemas.microsoft.com/office/drawing/2014/main" id="{6EF90E67-BBAB-666A-6B84-DD4320482BC5}"/>
+              </a:ext>
+            </a:extLst>
+          </p:cNvPr>
+          <p:cNvSpPr/>
+          <p:nvPr/>
+        </p:nvSpPr>
+        <p:spPr>
+          <a:xfrm>
+            <a:off x="1430215" y="2125424"/>
+            <a:ext cx="7579609" cy="2756816"/>
+          </a:xfrm>
+          <a:prstGeom prst="rect">
+            <a:avLst/>
+          </a:prstGeom>
+          <a:solidFill>
+            <a:schemeClr val="bg1"/>
+          </a:solidFill>
+          <a:ln>
+            <a:noFill/>
+          </a:ln>
+          <a:effectLst>
+            <a:outerShdw blurRad="50800" dist="38100" dir="2700000" algn="tl" rotWithShape="0">
+              <a:prstClr val="black">
+                <a:alpha val="40000"/>
+              </a:prstClr>
+            </a:outerShdw>
+          </a:effectLst>
+        </p:spPr>
+        <p:style>
+          <a:lnRef idx="2">
+            <a:schemeClr val="accent1">
+              <a:shade val="15000"/>
+            </a:schemeClr>
+          </a:lnRef>
+          <a:fillRef idx="1">
+            <a:schemeClr val="accent1"/>
+          </a:fillRef>
+          <a:effectRef idx="0">
+            <a:schemeClr val="accent1"/>
+          </a:effectRef>
+          <a:fontRef idx="minor">
+            <a:schemeClr val="lt1"/>
+          </a:fontRef>
+        </p:style>
+        <p:txBody>
+          <a:bodyPr rtlCol="0" anchor="ctr"/>
+          <a:lstStyle/>
+          <a:p>
+            <a:pPr algn="ctr"/>
+            <a:endParaRPr kumimoji="1" lang="ja-JP" altLang="en-US"/>
+          </a:p>
+        </p:txBody>
+      </p:sp>
+      <p:pic>
+        <p:nvPicPr>
+          <p:cNvPr id="2" name="Picture 2" descr="Power Apps - Google Play のアプリ">
+            <a:extLst>
+              <a:ext uri="{FF2B5EF4-FFF2-40B4-BE49-F238E27FC236}">
+                <a16:creationId xmlns:a16="http://schemas.microsoft.com/office/drawing/2014/main" id="{CABB8C80-0177-F83E-E395-BC6529F074E9}"/>
+              </a:ext>
+            </a:extLst>
+          </p:cNvPr>
+          <p:cNvPicPr>
+            <a:picLocks noChangeAspect="1" noChangeArrowheads="1"/>
+          </p:cNvPicPr>
+          <p:nvPr/>
+        </p:nvPicPr>
+        <p:blipFill>
+          <a:blip r:embed="rId2">
+            <a:extLst>
+              <a:ext uri="{28A0092B-C50C-407E-A947-70E740481C1C}">
+                <a14:useLocalDpi xmlns:a14="http://schemas.microsoft.com/office/drawing/2010/main" val="0"/>
+              </a:ext>
+            </a:extLst>
+          </a:blip>
+          <a:srcRect/>
+          <a:stretch>
+            <a:fillRect/>
+          </a:stretch>
+        </p:blipFill>
+        <p:spPr bwMode="auto">
+          <a:xfrm>
+            <a:off x="1895899" y="2218054"/>
+            <a:ext cx="620787" cy="620787"/>
+          </a:xfrm>
+          <a:prstGeom prst="rect">
+            <a:avLst/>
+          </a:prstGeom>
+          <a:noFill/>
+          <a:extLst>
+            <a:ext uri="{909E8E84-426E-40DD-AFC4-6F175D3DCCD1}">
+              <a14:hiddenFill xmlns:a14="http://schemas.microsoft.com/office/drawing/2010/main">
+                <a:solidFill>
+                  <a:srgbClr val="FFFFFF"/>
+                </a:solidFill>
+              </a14:hiddenFill>
+            </a:ext>
+          </a:extLst>
+        </p:spPr>
+      </p:pic>
+      <p:pic>
+        <p:nvPicPr>
+          <p:cNvPr id="3" name="図 2">
+            <a:extLst>
+              <a:ext uri="{FF2B5EF4-FFF2-40B4-BE49-F238E27FC236}">
+                <a16:creationId xmlns:a16="http://schemas.microsoft.com/office/drawing/2014/main" id="{45981898-8310-C3C9-4EC4-CFE685B0DDAE}"/>
+              </a:ext>
+            </a:extLst>
+          </p:cNvPr>
+          <p:cNvPicPr>
+            <a:picLocks noChangeAspect="1"/>
+          </p:cNvPicPr>
+          <p:nvPr/>
+        </p:nvPicPr>
+        <p:blipFill>
+          <a:blip r:embed="rId3">
+            <a:clrChange>
+              <a:clrFrom>
+                <a:srgbClr val="FFFFFF"/>
+              </a:clrFrom>
+              <a:clrTo>
+                <a:srgbClr val="FFFFFF">
+                  <a:alpha val="0"/>
+                </a:srgbClr>
+              </a:clrTo>
+            </a:clrChange>
+          </a:blip>
+          <a:stretch>
+            <a:fillRect/>
+          </a:stretch>
+        </p:blipFill>
+        <p:spPr>
+          <a:xfrm>
+            <a:off x="7940479" y="3069328"/>
+            <a:ext cx="603345" cy="573914"/>
+          </a:xfrm>
+          <a:prstGeom prst="rect">
+            <a:avLst/>
+          </a:prstGeom>
+        </p:spPr>
+      </p:pic>
+      <p:pic>
+        <p:nvPicPr>
+          <p:cNvPr id="4" name="図 3" descr="ロゴ&#10;&#10;中程度の精度で自動的に生成された説明">
+            <a:extLst>
+              <a:ext uri="{FF2B5EF4-FFF2-40B4-BE49-F238E27FC236}">
+                <a16:creationId xmlns:a16="http://schemas.microsoft.com/office/drawing/2014/main" id="{4DD4B669-8924-44C9-A13E-C2EC71A3B782}"/>
+              </a:ext>
+            </a:extLst>
+          </p:cNvPr>
+          <p:cNvPicPr>
+            <a:picLocks noChangeAspect="1"/>
+          </p:cNvPicPr>
+          <p:nvPr/>
+        </p:nvPicPr>
+        <p:blipFill>
+          <a:blip r:embed="rId4"/>
+          <a:stretch>
+            <a:fillRect/>
+          </a:stretch>
+        </p:blipFill>
+        <p:spPr>
+          <a:xfrm>
+            <a:off x="5334767" y="2964573"/>
+            <a:ext cx="780290" cy="780290"/>
+          </a:xfrm>
+          <a:prstGeom prst="rect">
+            <a:avLst/>
+          </a:prstGeom>
+        </p:spPr>
+      </p:pic>
+      <p:cxnSp>
+        <p:nvCxnSpPr>
+          <p:cNvPr id="5" name="直線矢印コネクタ 4">
+            <a:extLst>
+              <a:ext uri="{FF2B5EF4-FFF2-40B4-BE49-F238E27FC236}">
+                <a16:creationId xmlns:a16="http://schemas.microsoft.com/office/drawing/2014/main" id="{BB1809F7-1688-A5F0-3E3A-3F5D4AEC5DA1}"/>
+              </a:ext>
+            </a:extLst>
+          </p:cNvPr>
+          <p:cNvCxnSpPr>
+            <a:cxnSpLocks/>
+          </p:cNvCxnSpPr>
+          <p:nvPr/>
+        </p:nvCxnSpPr>
+        <p:spPr>
+          <a:xfrm>
+            <a:off x="2551892" y="2528826"/>
+            <a:ext cx="2588520" cy="596610"/>
+          </a:xfrm>
+          <a:prstGeom prst="straightConnector1">
+            <a:avLst/>
+          </a:prstGeom>
+          <a:ln w="28575">
+            <a:solidFill>
+              <a:schemeClr val="accent1"/>
+            </a:solidFill>
+            <a:headEnd type="none" w="med" len="med"/>
+            <a:tailEnd type="arrow" w="med" len="med"/>
+          </a:ln>
+        </p:spPr>
+        <p:style>
+          <a:lnRef idx="1">
+            <a:schemeClr val="accent1"/>
+          </a:lnRef>
+          <a:fillRef idx="0">
+            <a:schemeClr val="accent1"/>
+          </a:fillRef>
+          <a:effectRef idx="0">
+            <a:schemeClr val="accent1"/>
+          </a:effectRef>
+          <a:fontRef idx="minor">
+            <a:schemeClr val="tx1"/>
+          </a:fontRef>
+        </p:style>
+      </p:cxnSp>
+      <p:cxnSp>
+        <p:nvCxnSpPr>
+          <p:cNvPr id="6" name="直線矢印コネクタ 5">
+            <a:extLst>
+              <a:ext uri="{FF2B5EF4-FFF2-40B4-BE49-F238E27FC236}">
+                <a16:creationId xmlns:a16="http://schemas.microsoft.com/office/drawing/2014/main" id="{4C7BC210-E63C-98F0-6D06-92C4B024E353}"/>
+              </a:ext>
+            </a:extLst>
+          </p:cNvPr>
+          <p:cNvCxnSpPr>
+            <a:cxnSpLocks/>
+          </p:cNvCxnSpPr>
+          <p:nvPr/>
+        </p:nvCxnSpPr>
+        <p:spPr>
+          <a:xfrm>
+            <a:off x="2551892" y="3354336"/>
+            <a:ext cx="2588520" cy="123"/>
+          </a:xfrm>
+          <a:prstGeom prst="straightConnector1">
+            <a:avLst/>
+          </a:prstGeom>
+          <a:ln w="28575">
+            <a:solidFill>
+              <a:schemeClr val="accent1"/>
+            </a:solidFill>
+            <a:headEnd type="none" w="med" len="med"/>
+            <a:tailEnd type="arrow" w="med" len="med"/>
+          </a:ln>
+        </p:spPr>
+        <p:style>
+          <a:lnRef idx="1">
+            <a:schemeClr val="accent1"/>
+          </a:lnRef>
+          <a:fillRef idx="0">
+            <a:schemeClr val="accent1"/>
+          </a:fillRef>
+          <a:effectRef idx="0">
+            <a:schemeClr val="accent1"/>
+          </a:effectRef>
+          <a:fontRef idx="minor">
+            <a:schemeClr val="tx1"/>
+          </a:fontRef>
+        </p:style>
+      </p:cxnSp>
+      <p:cxnSp>
+        <p:nvCxnSpPr>
+          <p:cNvPr id="7" name="直線矢印コネクタ 6">
+            <a:extLst>
+              <a:ext uri="{FF2B5EF4-FFF2-40B4-BE49-F238E27FC236}">
+                <a16:creationId xmlns:a16="http://schemas.microsoft.com/office/drawing/2014/main" id="{933E6C12-7E07-E183-3332-47EE0478C7E9}"/>
+              </a:ext>
+            </a:extLst>
+          </p:cNvPr>
+          <p:cNvCxnSpPr>
+            <a:cxnSpLocks/>
+          </p:cNvCxnSpPr>
+          <p:nvPr/>
+        </p:nvCxnSpPr>
+        <p:spPr>
+          <a:xfrm flipV="1">
+            <a:off x="2585659" y="3591755"/>
+            <a:ext cx="2588520" cy="596610"/>
+          </a:xfrm>
+          <a:prstGeom prst="straightConnector1">
+            <a:avLst/>
+          </a:prstGeom>
+          <a:ln w="28575">
+            <a:solidFill>
+              <a:schemeClr val="accent1"/>
+            </a:solidFill>
+            <a:headEnd type="none" w="med" len="med"/>
+            <a:tailEnd type="arrow" w="med" len="med"/>
+          </a:ln>
+        </p:spPr>
+        <p:style>
+          <a:lnRef idx="1">
+            <a:schemeClr val="accent1"/>
+          </a:lnRef>
+          <a:fillRef idx="0">
+            <a:schemeClr val="accent1"/>
+          </a:fillRef>
+          <a:effectRef idx="0">
+            <a:schemeClr val="accent1"/>
+          </a:effectRef>
+          <a:fontRef idx="minor">
+            <a:schemeClr val="tx1"/>
+          </a:fontRef>
+        </p:style>
+      </p:cxnSp>
+      <p:cxnSp>
+        <p:nvCxnSpPr>
+          <p:cNvPr id="8" name="直線矢印コネクタ 7">
+            <a:extLst>
+              <a:ext uri="{FF2B5EF4-FFF2-40B4-BE49-F238E27FC236}">
+                <a16:creationId xmlns:a16="http://schemas.microsoft.com/office/drawing/2014/main" id="{DFB11FB7-6D37-9BAC-4657-F5F8D0527EF1}"/>
+              </a:ext>
+            </a:extLst>
+          </p:cNvPr>
+          <p:cNvCxnSpPr>
+            <a:cxnSpLocks/>
+          </p:cNvCxnSpPr>
+          <p:nvPr/>
+        </p:nvCxnSpPr>
+        <p:spPr>
+          <a:xfrm>
+            <a:off x="6224134" y="3354336"/>
+            <a:ext cx="1607268" cy="123"/>
+          </a:xfrm>
+          <a:prstGeom prst="straightConnector1">
+            <a:avLst/>
+          </a:prstGeom>
+          <a:ln w="28575">
+            <a:solidFill>
+              <a:schemeClr val="accent1"/>
+            </a:solidFill>
+            <a:headEnd type="none" w="med" len="med"/>
+            <a:tailEnd type="arrow" w="med" len="med"/>
+          </a:ln>
+        </p:spPr>
+        <p:style>
+          <a:lnRef idx="1">
+            <a:schemeClr val="accent1"/>
+          </a:lnRef>
+          <a:fillRef idx="0">
+            <a:schemeClr val="accent1"/>
+          </a:fillRef>
+          <a:effectRef idx="0">
+            <a:schemeClr val="accent1"/>
+          </a:effectRef>
+          <a:fontRef idx="minor">
+            <a:schemeClr val="tx1"/>
+          </a:fontRef>
+        </p:style>
+      </p:cxnSp>
+      <p:pic>
+        <p:nvPicPr>
+          <p:cNvPr id="12" name="図 11">
+            <a:extLst>
+              <a:ext uri="{FF2B5EF4-FFF2-40B4-BE49-F238E27FC236}">
+                <a16:creationId xmlns:a16="http://schemas.microsoft.com/office/drawing/2014/main" id="{2F170B57-1880-BCD2-BC5B-87F1DF94B253}"/>
+              </a:ext>
+            </a:extLst>
+          </p:cNvPr>
+          <p:cNvPicPr>
+            <a:picLocks noChangeAspect="1"/>
+          </p:cNvPicPr>
+          <p:nvPr/>
+        </p:nvPicPr>
+        <p:blipFill>
+          <a:blip r:embed="rId5">
+            <a:clrChange>
+              <a:clrFrom>
+                <a:srgbClr val="FFFFFF"/>
+              </a:clrFrom>
+              <a:clrTo>
+                <a:srgbClr val="FFFFFF">
+                  <a:alpha val="0"/>
+                </a:srgbClr>
+              </a:clrTo>
+            </a:clrChange>
+            <a:duotone>
+              <a:prstClr val="black"/>
+              <a:schemeClr val="accent5">
+                <a:tint val="45000"/>
+                <a:satMod val="400000"/>
+              </a:schemeClr>
+            </a:duotone>
+          </a:blip>
+          <a:stretch>
+            <a:fillRect/>
+          </a:stretch>
+        </p:blipFill>
+        <p:spPr>
+          <a:xfrm>
+            <a:off x="2603543" y="2340294"/>
+            <a:ext cx="419122" cy="622332"/>
+          </a:xfrm>
+          <a:prstGeom prst="rect">
+            <a:avLst/>
+          </a:prstGeom>
+        </p:spPr>
+      </p:pic>
+      <p:pic>
+        <p:nvPicPr>
+          <p:cNvPr id="13" name="図 12">
+            <a:extLst>
+              <a:ext uri="{FF2B5EF4-FFF2-40B4-BE49-F238E27FC236}">
+                <a16:creationId xmlns:a16="http://schemas.microsoft.com/office/drawing/2014/main" id="{B94C71C9-1E3E-7CB3-31C4-43EAE25A00A6}"/>
+              </a:ext>
+            </a:extLst>
+          </p:cNvPr>
+          <p:cNvPicPr>
+            <a:picLocks noChangeAspect="1"/>
+          </p:cNvPicPr>
+          <p:nvPr/>
+        </p:nvPicPr>
+        <p:blipFill>
+          <a:blip r:embed="rId5">
+            <a:clrChange>
+              <a:clrFrom>
+                <a:srgbClr val="FFFFFF"/>
+              </a:clrFrom>
+              <a:clrTo>
+                <a:srgbClr val="FFFFFF">
+                  <a:alpha val="0"/>
+                </a:srgbClr>
+              </a:clrTo>
+            </a:clrChange>
+            <a:duotone>
+              <a:prstClr val="black"/>
+              <a:schemeClr val="accent6">
+                <a:tint val="45000"/>
+                <a:satMod val="400000"/>
+              </a:schemeClr>
+            </a:duotone>
+          </a:blip>
+          <a:stretch>
+            <a:fillRect/>
+          </a:stretch>
+        </p:blipFill>
+        <p:spPr>
+          <a:xfrm>
+            <a:off x="2611758" y="3100330"/>
+            <a:ext cx="419122" cy="622332"/>
+          </a:xfrm>
+          <a:prstGeom prst="rect">
+            <a:avLst/>
+          </a:prstGeom>
+        </p:spPr>
+      </p:pic>
+      <p:pic>
+        <p:nvPicPr>
+          <p:cNvPr id="14" name="図 13">
+            <a:extLst>
+              <a:ext uri="{FF2B5EF4-FFF2-40B4-BE49-F238E27FC236}">
+                <a16:creationId xmlns:a16="http://schemas.microsoft.com/office/drawing/2014/main" id="{48DF2C31-97B8-A612-5131-537EBC42CDC2}"/>
+              </a:ext>
+            </a:extLst>
+          </p:cNvPr>
+          <p:cNvPicPr>
+            <a:picLocks noChangeAspect="1"/>
+          </p:cNvPicPr>
+          <p:nvPr/>
+        </p:nvPicPr>
+        <p:blipFill>
+          <a:blip r:embed="rId5">
+            <a:clrChange>
+              <a:clrFrom>
+                <a:srgbClr val="FFFFFF"/>
+              </a:clrFrom>
+              <a:clrTo>
+                <a:srgbClr val="FFFFFF">
+                  <a:alpha val="0"/>
+                </a:srgbClr>
+              </a:clrTo>
+            </a:clrChange>
+            <a:duotone>
+              <a:prstClr val="black"/>
+              <a:schemeClr val="accent2">
+                <a:tint val="45000"/>
+                <a:satMod val="400000"/>
+              </a:schemeClr>
+            </a:duotone>
+          </a:blip>
+          <a:stretch>
+            <a:fillRect/>
+          </a:stretch>
+        </p:blipFill>
+        <p:spPr>
+          <a:xfrm>
+            <a:off x="2603543" y="3817673"/>
+            <a:ext cx="419122" cy="622332"/>
+          </a:xfrm>
+          <a:prstGeom prst="rect">
+            <a:avLst/>
+          </a:prstGeom>
+        </p:spPr>
+      </p:pic>
+      <p:pic>
+        <p:nvPicPr>
+          <p:cNvPr id="15" name="グラフィックス 14">
+            <a:extLst>
+              <a:ext uri="{FF2B5EF4-FFF2-40B4-BE49-F238E27FC236}">
+                <a16:creationId xmlns:a16="http://schemas.microsoft.com/office/drawing/2014/main" id="{64864811-1ADE-494B-0878-1F049368B088}"/>
+              </a:ext>
+            </a:extLst>
+          </p:cNvPr>
+          <p:cNvPicPr>
+            <a:picLocks noChangeAspect="1"/>
+          </p:cNvPicPr>
+          <p:nvPr/>
+        </p:nvPicPr>
+        <p:blipFill>
+          <a:blip r:embed="rId6">
+            <a:extLst>
+              <a:ext uri="{96DAC541-7B7A-43D3-8B79-37D633B846F1}">
+                <asvg:svgBlip xmlns:asvg="http://schemas.microsoft.com/office/drawing/2016/SVG/main" r:embed="rId7"/>
+              </a:ext>
+            </a:extLst>
+          </a:blip>
+          <a:stretch>
+            <a:fillRect/>
+          </a:stretch>
+        </p:blipFill>
+        <p:spPr>
+          <a:xfrm>
+            <a:off x="7064492" y="4124246"/>
+            <a:ext cx="591895" cy="591895"/>
+          </a:xfrm>
+          <a:prstGeom prst="rect">
+            <a:avLst/>
+          </a:prstGeom>
+        </p:spPr>
+      </p:pic>
+      <p:cxnSp>
+        <p:nvCxnSpPr>
+          <p:cNvPr id="16" name="直線矢印コネクタ 15">
+            <a:extLst>
+              <a:ext uri="{FF2B5EF4-FFF2-40B4-BE49-F238E27FC236}">
+                <a16:creationId xmlns:a16="http://schemas.microsoft.com/office/drawing/2014/main" id="{02D5BB9D-C20E-8912-E7BA-91B556B345E5}"/>
+              </a:ext>
+            </a:extLst>
+          </p:cNvPr>
+          <p:cNvCxnSpPr>
+            <a:cxnSpLocks/>
+          </p:cNvCxnSpPr>
+          <p:nvPr/>
+        </p:nvCxnSpPr>
+        <p:spPr>
+          <a:xfrm>
+            <a:off x="6179292" y="3643242"/>
+            <a:ext cx="694929" cy="481004"/>
+          </a:xfrm>
+          <a:prstGeom prst="straightConnector1">
+            <a:avLst/>
+          </a:prstGeom>
+          <a:ln w="28575">
+            <a:solidFill>
+              <a:schemeClr val="accent1"/>
+            </a:solidFill>
+            <a:prstDash val="dash"/>
+            <a:headEnd type="none" w="med" len="med"/>
+            <a:tailEnd type="arrow" w="med" len="med"/>
+          </a:ln>
+        </p:spPr>
+        <p:style>
+          <a:lnRef idx="1">
+            <a:schemeClr val="accent1"/>
+          </a:lnRef>
+          <a:fillRef idx="0">
+            <a:schemeClr val="accent1"/>
+          </a:fillRef>
+          <a:effectRef idx="0">
+            <a:schemeClr val="accent1"/>
+          </a:effectRef>
+          <a:fontRef idx="minor">
+            <a:schemeClr val="tx1"/>
+          </a:fontRef>
+        </p:style>
+      </p:cxnSp>
+      <p:sp>
+        <p:nvSpPr>
+          <p:cNvPr id="17" name="テキスト ボックス 16">
+            <a:extLst>
+              <a:ext uri="{FF2B5EF4-FFF2-40B4-BE49-F238E27FC236}">
+                <a16:creationId xmlns:a16="http://schemas.microsoft.com/office/drawing/2014/main" id="{C42F1127-87BB-DF83-1080-9380FDA86C7E}"/>
+              </a:ext>
+            </a:extLst>
+          </p:cNvPr>
+          <p:cNvSpPr txBox="1"/>
+          <p:nvPr/>
+        </p:nvSpPr>
+        <p:spPr>
+          <a:xfrm>
+            <a:off x="6723969" y="3749354"/>
+            <a:ext cx="1368590" cy="464294"/>
+          </a:xfrm>
+          <a:prstGeom prst="rect">
+            <a:avLst/>
+          </a:prstGeom>
+          <a:noFill/>
+        </p:spPr>
+        <p:txBody>
+          <a:bodyPr wrap="square" lIns="182880" tIns="146304" rIns="182880" bIns="146304" rtlCol="0">
+            <a:spAutoFit/>
+          </a:bodyPr>
+          <a:lstStyle/>
+          <a:p>
+            <a:pPr algn="l">
+              <a:lnSpc>
+                <a:spcPct val="90000"/>
+              </a:lnSpc>
+              <a:spcAft>
+                <a:spcPts val="600"/>
+              </a:spcAft>
+            </a:pPr>
+            <a:r>
+              <a:rPr kumimoji="1" lang="ja-JP" altLang="en-US" sz="1200" dirty="0">
+                <a:gradFill>
+                  <a:gsLst>
+                    <a:gs pos="2917">
+                      <a:schemeClr val="tx1"/>
+                    </a:gs>
+                    <a:gs pos="30000">
+                      <a:schemeClr val="tx1"/>
+                    </a:gs>
+                  </a:gsLst>
+                  <a:lin ang="5400000" scaled="0"/>
+                </a:gradFill>
+              </a:rPr>
+              <a:t>ログと監視</a:t>
+            </a:r>
+          </a:p>
+        </p:txBody>
+      </p:sp>
+      <p:pic>
+        <p:nvPicPr>
+          <p:cNvPr id="27" name="グラフィックス 26">
+            <a:extLst>
+              <a:ext uri="{FF2B5EF4-FFF2-40B4-BE49-F238E27FC236}">
+                <a16:creationId xmlns:a16="http://schemas.microsoft.com/office/drawing/2014/main" id="{E86DE79D-A5BC-C302-FBC2-3A4500E665F8}"/>
+              </a:ext>
+            </a:extLst>
+          </p:cNvPr>
+          <p:cNvPicPr>
+            <a:picLocks noChangeAspect="1"/>
+          </p:cNvPicPr>
+          <p:nvPr/>
+        </p:nvPicPr>
+        <p:blipFill>
+          <a:blip r:embed="rId8">
+            <a:extLst>
+              <a:ext uri="{96DAC541-7B7A-43D3-8B79-37D633B846F1}">
+                <asvg:svgBlip xmlns:asvg="http://schemas.microsoft.com/office/drawing/2016/SVG/main" r:embed="rId9"/>
+              </a:ext>
+            </a:extLst>
+          </a:blip>
+          <a:stretch>
+            <a:fillRect/>
+          </a:stretch>
+        </p:blipFill>
+        <p:spPr>
+          <a:xfrm>
+            <a:off x="1925983" y="3118520"/>
+            <a:ext cx="489169" cy="489169"/>
+          </a:xfrm>
+          <a:prstGeom prst="rect">
+            <a:avLst/>
+          </a:prstGeom>
+        </p:spPr>
+      </p:pic>
+      <p:pic>
+        <p:nvPicPr>
+          <p:cNvPr id="28" name="グラフィックス 27">
+            <a:extLst>
+              <a:ext uri="{FF2B5EF4-FFF2-40B4-BE49-F238E27FC236}">
+                <a16:creationId xmlns:a16="http://schemas.microsoft.com/office/drawing/2014/main" id="{A597A79D-E4F1-7B22-8397-47A27EE0D819}"/>
+              </a:ext>
+            </a:extLst>
+          </p:cNvPr>
+          <p:cNvPicPr>
+            <a:picLocks noChangeAspect="1"/>
+          </p:cNvPicPr>
+          <p:nvPr/>
+        </p:nvPicPr>
+        <p:blipFill>
+          <a:blip r:embed="rId10">
+            <a:extLst>
+              <a:ext uri="{96DAC541-7B7A-43D3-8B79-37D633B846F1}">
+                <asvg:svgBlip xmlns:asvg="http://schemas.microsoft.com/office/drawing/2016/SVG/main" r:embed="rId11"/>
+              </a:ext>
+            </a:extLst>
+          </a:blip>
+          <a:stretch>
+            <a:fillRect/>
+          </a:stretch>
+        </p:blipFill>
+        <p:spPr>
+          <a:xfrm>
+            <a:off x="1947100" y="4049982"/>
+            <a:ext cx="471051" cy="471051"/>
+          </a:xfrm>
+          <a:prstGeom prst="rect">
+            <a:avLst/>
+          </a:prstGeom>
+        </p:spPr>
+      </p:pic>
+      <p:sp>
+        <p:nvSpPr>
+          <p:cNvPr id="29" name="テキスト ボックス 28">
+            <a:extLst>
+              <a:ext uri="{FF2B5EF4-FFF2-40B4-BE49-F238E27FC236}">
+                <a16:creationId xmlns:a16="http://schemas.microsoft.com/office/drawing/2014/main" id="{EC19009C-74A3-0C12-4D1C-D9F712EC1822}"/>
+              </a:ext>
+            </a:extLst>
+          </p:cNvPr>
+          <p:cNvSpPr txBox="1"/>
+          <p:nvPr/>
+        </p:nvSpPr>
+        <p:spPr>
+          <a:xfrm>
+            <a:off x="7703990" y="3529798"/>
+            <a:ext cx="1535347" cy="464294"/>
+          </a:xfrm>
+          <a:prstGeom prst="rect">
+            <a:avLst/>
+          </a:prstGeom>
+          <a:noFill/>
+        </p:spPr>
+        <p:txBody>
+          <a:bodyPr wrap="square" lIns="182880" tIns="146304" rIns="182880" bIns="146304" rtlCol="0">
+            <a:spAutoFit/>
+          </a:bodyPr>
+          <a:lstStyle/>
+          <a:p>
+            <a:pPr algn="l">
+              <a:lnSpc>
+                <a:spcPct val="90000"/>
+              </a:lnSpc>
+              <a:spcAft>
+                <a:spcPts val="600"/>
+              </a:spcAft>
+            </a:pPr>
+            <a:r>
+              <a:rPr kumimoji="1" lang="en-US" altLang="ja-JP" sz="1200" dirty="0">
+                <a:gradFill>
+                  <a:gsLst>
+                    <a:gs pos="2917">
+                      <a:schemeClr val="tx1"/>
+                    </a:gs>
+                    <a:gs pos="30000">
+                      <a:schemeClr val="tx1"/>
+                    </a:gs>
+                  </a:gsLst>
+                  <a:lin ang="5400000" scaled="0"/>
+                </a:gradFill>
+              </a:rPr>
+              <a:t>Azure OpenAI</a:t>
+            </a:r>
+            <a:endParaRPr kumimoji="1" lang="ja-JP" altLang="en-US" sz="1200" dirty="0">
+              <a:gradFill>
+                <a:gsLst>
+                  <a:gs pos="2917">
+                    <a:schemeClr val="tx1"/>
+                  </a:gs>
+                  <a:gs pos="30000">
+                    <a:schemeClr val="tx1"/>
+                  </a:gs>
+                </a:gsLst>
+                <a:lin ang="5400000" scaled="0"/>
+              </a:gradFill>
+            </a:endParaRPr>
+          </a:p>
+        </p:txBody>
+      </p:sp>
+      <p:sp>
+        <p:nvSpPr>
+          <p:cNvPr id="30" name="テキスト ボックス 29">
+            <a:extLst>
+              <a:ext uri="{FF2B5EF4-FFF2-40B4-BE49-F238E27FC236}">
+                <a16:creationId xmlns:a16="http://schemas.microsoft.com/office/drawing/2014/main" id="{6DB37905-30FF-DA2D-161D-A50ED53A0940}"/>
+              </a:ext>
+            </a:extLst>
+          </p:cNvPr>
+          <p:cNvSpPr txBox="1"/>
+          <p:nvPr/>
+        </p:nvSpPr>
+        <p:spPr>
+          <a:xfrm>
+            <a:off x="2815367" y="4085647"/>
+            <a:ext cx="1368590" cy="630494"/>
+          </a:xfrm>
+          <a:prstGeom prst="rect">
+            <a:avLst/>
+          </a:prstGeom>
+          <a:noFill/>
+        </p:spPr>
+        <p:txBody>
+          <a:bodyPr wrap="square" lIns="182880" tIns="146304" rIns="182880" bIns="146304" rtlCol="0">
+            <a:spAutoFit/>
+          </a:bodyPr>
+          <a:lstStyle/>
+          <a:p>
+            <a:pPr algn="l">
+              <a:lnSpc>
+                <a:spcPct val="90000"/>
+              </a:lnSpc>
+              <a:spcAft>
+                <a:spcPts val="600"/>
+              </a:spcAft>
+            </a:pPr>
+            <a:r>
+              <a:rPr kumimoji="1" lang="ja-JP" altLang="en-US" sz="1200" dirty="0">
+                <a:gradFill>
+                  <a:gsLst>
+                    <a:gs pos="2917">
+                      <a:schemeClr val="tx1"/>
+                    </a:gs>
+                    <a:gs pos="30000">
+                      <a:schemeClr val="tx1"/>
+                    </a:gs>
+                  </a:gsLst>
+                  <a:lin ang="5400000" scaled="0"/>
+                </a:gradFill>
+              </a:rPr>
+              <a:t>サブスクリプション管理</a:t>
+            </a:r>
+          </a:p>
+        </p:txBody>
+      </p:sp>
+      <p:sp>
+        <p:nvSpPr>
+          <p:cNvPr id="32" name="テキスト ボックス 31">
+            <a:extLst>
+              <a:ext uri="{FF2B5EF4-FFF2-40B4-BE49-F238E27FC236}">
+                <a16:creationId xmlns:a16="http://schemas.microsoft.com/office/drawing/2014/main" id="{5FF83999-D281-7E77-2390-2FA52A4B471D}"/>
+              </a:ext>
+            </a:extLst>
+          </p:cNvPr>
+          <p:cNvSpPr txBox="1"/>
+          <p:nvPr/>
+        </p:nvSpPr>
+        <p:spPr>
+          <a:xfrm>
+            <a:off x="5125866" y="3643242"/>
+            <a:ext cx="1368590" cy="630494"/>
+          </a:xfrm>
+          <a:prstGeom prst="rect">
+            <a:avLst/>
+          </a:prstGeom>
+          <a:noFill/>
+        </p:spPr>
+        <p:txBody>
+          <a:bodyPr wrap="square" lIns="182880" tIns="146304" rIns="182880" bIns="146304" rtlCol="0">
+            <a:spAutoFit/>
+          </a:bodyPr>
+          <a:lstStyle/>
+          <a:p>
+            <a:pPr algn="l">
+              <a:lnSpc>
+                <a:spcPct val="90000"/>
+              </a:lnSpc>
+              <a:spcAft>
+                <a:spcPts val="600"/>
+              </a:spcAft>
+            </a:pPr>
+            <a:r>
+              <a:rPr kumimoji="1" lang="en-US" altLang="ja-JP" sz="1200" dirty="0">
+                <a:gradFill>
+                  <a:gsLst>
+                    <a:gs pos="2917">
+                      <a:schemeClr val="tx1"/>
+                    </a:gs>
+                    <a:gs pos="30000">
+                      <a:schemeClr val="tx1"/>
+                    </a:gs>
+                  </a:gsLst>
+                  <a:lin ang="5400000" scaled="0"/>
+                </a:gradFill>
+              </a:rPr>
+              <a:t>Azure API</a:t>
+            </a:r>
+            <a:br>
+              <a:rPr kumimoji="1" lang="en-US" altLang="ja-JP" sz="1200" dirty="0">
+                <a:gradFill>
+                  <a:gsLst>
+                    <a:gs pos="2917">
+                      <a:schemeClr val="tx1"/>
+                    </a:gs>
+                    <a:gs pos="30000">
+                      <a:schemeClr val="tx1"/>
+                    </a:gs>
+                  </a:gsLst>
+                  <a:lin ang="5400000" scaled="0"/>
+                </a:gradFill>
+              </a:rPr>
+            </a:br>
+            <a:r>
+              <a:rPr kumimoji="1" lang="en-US" altLang="ja-JP" sz="1200" dirty="0">
+                <a:gradFill>
+                  <a:gsLst>
+                    <a:gs pos="2917">
+                      <a:schemeClr val="tx1"/>
+                    </a:gs>
+                    <a:gs pos="30000">
+                      <a:schemeClr val="tx1"/>
+                    </a:gs>
+                  </a:gsLst>
+                  <a:lin ang="5400000" scaled="0"/>
+                </a:gradFill>
+              </a:rPr>
+              <a:t>Management</a:t>
+            </a:r>
+            <a:endParaRPr kumimoji="1" lang="ja-JP" altLang="en-US" sz="1200" dirty="0">
+              <a:gradFill>
+                <a:gsLst>
+                  <a:gs pos="2917">
+                    <a:schemeClr val="tx1"/>
+                  </a:gs>
+                  <a:gs pos="30000">
+                    <a:schemeClr val="tx1"/>
+                  </a:gs>
+                </a:gsLst>
+                <a:lin ang="5400000" scaled="0"/>
+              </a:gradFill>
+            </a:endParaRPr>
+          </a:p>
+        </p:txBody>
+      </p:sp>
+      <p:pic>
+        <p:nvPicPr>
+          <p:cNvPr id="33" name="図 32">
+            <a:extLst>
+              <a:ext uri="{FF2B5EF4-FFF2-40B4-BE49-F238E27FC236}">
+                <a16:creationId xmlns:a16="http://schemas.microsoft.com/office/drawing/2014/main" id="{DD71FF37-2FFA-BF6B-83D4-9ECDA8C31587}"/>
+              </a:ext>
+            </a:extLst>
+          </p:cNvPr>
+          <p:cNvPicPr>
+            <a:picLocks noChangeAspect="1"/>
+          </p:cNvPicPr>
+          <p:nvPr/>
+        </p:nvPicPr>
+        <p:blipFill>
+          <a:blip r:embed="rId5">
+            <a:clrChange>
+              <a:clrFrom>
+                <a:srgbClr val="FFFFFF"/>
+              </a:clrFrom>
+              <a:clrTo>
+                <a:srgbClr val="FFFFFF">
+                  <a:alpha val="0"/>
+                </a:srgbClr>
+              </a:clrTo>
+            </a:clrChange>
+          </a:blip>
+          <a:stretch>
+            <a:fillRect/>
+          </a:stretch>
+        </p:blipFill>
+        <p:spPr>
+          <a:xfrm>
+            <a:off x="6076343" y="3003486"/>
+            <a:ext cx="419122" cy="622332"/>
+          </a:xfrm>
+          <a:prstGeom prst="rect">
+            <a:avLst/>
+          </a:prstGeom>
+        </p:spPr>
+      </p:pic>
+      <p:sp>
+        <p:nvSpPr>
+          <p:cNvPr id="35" name="吹き出し: 角を丸めた四角形 34">
+            <a:extLst>
+              <a:ext uri="{FF2B5EF4-FFF2-40B4-BE49-F238E27FC236}">
+                <a16:creationId xmlns:a16="http://schemas.microsoft.com/office/drawing/2014/main" id="{558C3366-DE28-F00D-381F-24D7CB38EFB0}"/>
+              </a:ext>
+            </a:extLst>
+          </p:cNvPr>
+          <p:cNvSpPr/>
+          <p:nvPr/>
+        </p:nvSpPr>
+        <p:spPr>
+          <a:xfrm>
+            <a:off x="7360439" y="2367323"/>
+            <a:ext cx="1304646" cy="525614"/>
+          </a:xfrm>
+          <a:prstGeom prst="wedgeRoundRectCallout">
+            <a:avLst>
+              <a:gd name="adj1" fmla="val 18255"/>
+              <a:gd name="adj2" fmla="val 105992"/>
+              <a:gd name="adj3" fmla="val 16667"/>
+            </a:avLst>
+          </a:prstGeom>
+        </p:spPr>
+        <p:style>
+          <a:lnRef idx="2">
+            <a:schemeClr val="accent2"/>
+          </a:lnRef>
+          <a:fillRef idx="1">
+            <a:schemeClr val="lt1"/>
+          </a:fillRef>
+          <a:effectRef idx="0">
+            <a:schemeClr val="accent2"/>
+          </a:effectRef>
+          <a:fontRef idx="minor">
+            <a:schemeClr val="dk1"/>
+          </a:fontRef>
+        </p:style>
+        <p:txBody>
+          <a:bodyPr rtlCol="0" anchor="ctr"/>
+          <a:lstStyle/>
+          <a:p>
+            <a:pPr algn="ctr"/>
+            <a:r>
+              <a:rPr lang="en-US" altLang="ja-JP" dirty="0"/>
+              <a:t>Quota</a:t>
+            </a:r>
+            <a:endParaRPr kumimoji="1" lang="ja-JP" altLang="en-US" dirty="0"/>
+          </a:p>
+        </p:txBody>
+      </p:sp>
+    </p:spTree>
+    <p:extLst>
+      <p:ext uri="{BB962C8B-B14F-4D97-AF65-F5344CB8AC3E}">
+        <p14:creationId xmlns:p14="http://schemas.microsoft.com/office/powerpoint/2010/main" val="1459200963"/>
+      </p:ext>
+    </p:extLst>
+  </p:cSld>
+  <p:clrMapOvr>
+    <a:masterClrMapping/>
+  </p:clrMapOvr>
+</p:sld>
+</file>
+
+<file path=ppt/slides/slide7.xml><?xml version="1.0" encoding="utf-8"?>
+<p:sld xmlns:a="http://schemas.openxmlformats.org/drawingml/2006/main" xmlns:r="http://schemas.openxmlformats.org/officeDocument/2006/relationships" xmlns:p="http://schemas.openxmlformats.org/presentationml/2006/main">
+  <p:cSld>
+    <p:spTree>
+      <p:nvGrpSpPr>
+        <p:cNvPr id="1" name=""/>
+        <p:cNvGrpSpPr/>
+        <p:nvPr/>
+      </p:nvGrpSpPr>
+      <p:grpSpPr>
+        <a:xfrm>
+          <a:off x="0" y="0"/>
+          <a:ext cx="0" cy="0"/>
+          <a:chOff x="0" y="0"/>
+          <a:chExt cx="0" cy="0"/>
+        </a:xfrm>
+      </p:grpSpPr>
+      <p:pic>
+        <p:nvPicPr>
+          <p:cNvPr id="2" name="図 1" descr="ロゴ&#10;&#10;中程度の精度で自動的に生成された説明">
+            <a:extLst>
+              <a:ext uri="{FF2B5EF4-FFF2-40B4-BE49-F238E27FC236}">
+                <a16:creationId xmlns:a16="http://schemas.microsoft.com/office/drawing/2014/main" id="{19C774B7-2E1F-D58D-5CC5-7ACF1D07BA8A}"/>
+              </a:ext>
+            </a:extLst>
+          </p:cNvPr>
+          <p:cNvPicPr>
+            <a:picLocks noChangeAspect="1"/>
+          </p:cNvPicPr>
+          <p:nvPr/>
+        </p:nvPicPr>
+        <p:blipFill>
+          <a:blip r:embed="rId2"/>
+          <a:stretch>
+            <a:fillRect/>
+          </a:stretch>
+        </p:blipFill>
+        <p:spPr>
+          <a:xfrm>
+            <a:off x="3551230" y="1508478"/>
+            <a:ext cx="780290" cy="780290"/>
+          </a:xfrm>
+          <a:prstGeom prst="rect">
+            <a:avLst/>
+          </a:prstGeom>
+        </p:spPr>
+      </p:pic>
+      <p:pic>
+        <p:nvPicPr>
+          <p:cNvPr id="3" name="Picture 2" descr="Power Apps - Google Play のアプリ">
+            <a:extLst>
+              <a:ext uri="{FF2B5EF4-FFF2-40B4-BE49-F238E27FC236}">
+                <a16:creationId xmlns:a16="http://schemas.microsoft.com/office/drawing/2014/main" id="{E2ECC365-B0DD-1079-E55B-A2F59BF215D2}"/>
+              </a:ext>
+            </a:extLst>
+          </p:cNvPr>
+          <p:cNvPicPr>
+            <a:picLocks noChangeAspect="1" noChangeArrowheads="1"/>
+          </p:cNvPicPr>
+          <p:nvPr/>
+        </p:nvPicPr>
+        <p:blipFill>
+          <a:blip r:embed="rId3">
+            <a:extLst>
+              <a:ext uri="{28A0092B-C50C-407E-A947-70E740481C1C}">
+                <a14:useLocalDpi xmlns:a14="http://schemas.microsoft.com/office/drawing/2010/main" val="0"/>
+              </a:ext>
+            </a:extLst>
+          </a:blip>
+          <a:srcRect/>
+          <a:stretch>
+            <a:fillRect/>
+          </a:stretch>
+        </p:blipFill>
+        <p:spPr bwMode="auto">
+          <a:xfrm>
+            <a:off x="1067906" y="2261390"/>
+            <a:ext cx="620787" cy="620787"/>
+          </a:xfrm>
+          <a:prstGeom prst="rect">
+            <a:avLst/>
+          </a:prstGeom>
+          <a:noFill/>
+          <a:extLst>
+            <a:ext uri="{909E8E84-426E-40DD-AFC4-6F175D3DCCD1}">
+              <a14:hiddenFill xmlns:a14="http://schemas.microsoft.com/office/drawing/2010/main">
+                <a:solidFill>
+                  <a:srgbClr val="FFFFFF"/>
+                </a:solidFill>
+              </a14:hiddenFill>
+            </a:ext>
+          </a:extLst>
+        </p:spPr>
+      </p:pic>
+      <p:cxnSp>
+        <p:nvCxnSpPr>
+          <p:cNvPr id="4" name="直線矢印コネクタ 3">
+            <a:extLst>
+              <a:ext uri="{FF2B5EF4-FFF2-40B4-BE49-F238E27FC236}">
+                <a16:creationId xmlns:a16="http://schemas.microsoft.com/office/drawing/2014/main" id="{7CFAA21C-3B4B-CFE5-42A3-505F445588CE}"/>
+              </a:ext>
+            </a:extLst>
+          </p:cNvPr>
+          <p:cNvCxnSpPr>
+            <a:cxnSpLocks/>
+          </p:cNvCxnSpPr>
+          <p:nvPr/>
+        </p:nvCxnSpPr>
+        <p:spPr>
+          <a:xfrm>
+            <a:off x="1743000" y="3317122"/>
+            <a:ext cx="2588520" cy="123"/>
+          </a:xfrm>
+          <a:prstGeom prst="straightConnector1">
+            <a:avLst/>
+          </a:prstGeom>
+          <a:ln w="28575">
+            <a:solidFill>
+              <a:schemeClr val="accent1"/>
+            </a:solidFill>
+            <a:headEnd type="none" w="med" len="med"/>
+            <a:tailEnd type="arrow" w="med" len="med"/>
+          </a:ln>
+        </p:spPr>
+        <p:style>
+          <a:lnRef idx="1">
+            <a:schemeClr val="accent1"/>
+          </a:lnRef>
+          <a:fillRef idx="0">
+            <a:schemeClr val="accent1"/>
+          </a:fillRef>
+          <a:effectRef idx="0">
+            <a:schemeClr val="accent1"/>
+          </a:effectRef>
+          <a:fontRef idx="minor">
+            <a:schemeClr val="tx1"/>
+          </a:fontRef>
+        </p:style>
+      </p:cxnSp>
+      <p:pic>
+        <p:nvPicPr>
+          <p:cNvPr id="8" name="グラフィックス 7">
+            <a:extLst>
+              <a:ext uri="{FF2B5EF4-FFF2-40B4-BE49-F238E27FC236}">
+                <a16:creationId xmlns:a16="http://schemas.microsoft.com/office/drawing/2014/main" id="{2C24DEB3-B18A-11C6-C1B3-B78CF3229EF8}"/>
+              </a:ext>
+            </a:extLst>
+          </p:cNvPr>
+          <p:cNvPicPr>
+            <a:picLocks noChangeAspect="1"/>
+          </p:cNvPicPr>
+          <p:nvPr/>
+        </p:nvPicPr>
+        <p:blipFill>
+          <a:blip r:embed="rId4">
+            <a:extLst>
+              <a:ext uri="{96DAC541-7B7A-43D3-8B79-37D633B846F1}">
+                <asvg:svgBlip xmlns:asvg="http://schemas.microsoft.com/office/drawing/2016/SVG/main" r:embed="rId5"/>
+              </a:ext>
+            </a:extLst>
+          </a:blip>
+          <a:stretch>
+            <a:fillRect/>
+          </a:stretch>
+        </p:blipFill>
+        <p:spPr>
+          <a:xfrm>
+            <a:off x="1117091" y="3081306"/>
+            <a:ext cx="489169" cy="489169"/>
+          </a:xfrm>
+          <a:prstGeom prst="rect">
+            <a:avLst/>
+          </a:prstGeom>
+        </p:spPr>
+      </p:pic>
+      <p:pic>
+        <p:nvPicPr>
+          <p:cNvPr id="9" name="グラフィックス 8">
+            <a:extLst>
+              <a:ext uri="{FF2B5EF4-FFF2-40B4-BE49-F238E27FC236}">
+                <a16:creationId xmlns:a16="http://schemas.microsoft.com/office/drawing/2014/main" id="{5A264D07-264E-5EE1-1AA2-3BD4CB579CC5}"/>
+              </a:ext>
+            </a:extLst>
+          </p:cNvPr>
+          <p:cNvPicPr>
+            <a:picLocks noChangeAspect="1"/>
+          </p:cNvPicPr>
+          <p:nvPr/>
+        </p:nvPicPr>
+        <p:blipFill>
+          <a:blip r:embed="rId6">
+            <a:extLst>
+              <a:ext uri="{96DAC541-7B7A-43D3-8B79-37D633B846F1}">
+                <asvg:svgBlip xmlns:asvg="http://schemas.microsoft.com/office/drawing/2016/SVG/main" r:embed="rId7"/>
+              </a:ext>
+            </a:extLst>
+          </a:blip>
+          <a:stretch>
+            <a:fillRect/>
+          </a:stretch>
+        </p:blipFill>
+        <p:spPr>
+          <a:xfrm>
+            <a:off x="1138208" y="3901395"/>
+            <a:ext cx="471051" cy="471051"/>
+          </a:xfrm>
+          <a:prstGeom prst="rect">
+            <a:avLst/>
+          </a:prstGeom>
+        </p:spPr>
+      </p:pic>
+      <p:cxnSp>
+        <p:nvCxnSpPr>
+          <p:cNvPr id="10" name="直線矢印コネクタ 9">
+            <a:extLst>
+              <a:ext uri="{FF2B5EF4-FFF2-40B4-BE49-F238E27FC236}">
+                <a16:creationId xmlns:a16="http://schemas.microsoft.com/office/drawing/2014/main" id="{45AA50E5-EF39-16F4-AC33-250C9BFF1010}"/>
+              </a:ext>
+            </a:extLst>
+          </p:cNvPr>
+          <p:cNvCxnSpPr>
+            <a:cxnSpLocks/>
+          </p:cNvCxnSpPr>
+          <p:nvPr/>
+        </p:nvCxnSpPr>
+        <p:spPr>
+          <a:xfrm>
+            <a:off x="1743000" y="2455411"/>
+            <a:ext cx="2588520" cy="123"/>
+          </a:xfrm>
+          <a:prstGeom prst="straightConnector1">
+            <a:avLst/>
+          </a:prstGeom>
+          <a:ln w="28575">
+            <a:solidFill>
+              <a:schemeClr val="accent1"/>
+            </a:solidFill>
+            <a:headEnd type="none" w="med" len="med"/>
+            <a:tailEnd type="arrow" w="med" len="med"/>
+          </a:ln>
+        </p:spPr>
+        <p:style>
+          <a:lnRef idx="1">
+            <a:schemeClr val="accent1"/>
+          </a:lnRef>
+          <a:fillRef idx="0">
+            <a:schemeClr val="accent1"/>
+          </a:fillRef>
+          <a:effectRef idx="0">
+            <a:schemeClr val="accent1"/>
+          </a:effectRef>
+          <a:fontRef idx="minor">
+            <a:schemeClr val="tx1"/>
+          </a:fontRef>
+        </p:style>
+      </p:cxnSp>
+      <p:cxnSp>
+        <p:nvCxnSpPr>
+          <p:cNvPr id="11" name="直線矢印コネクタ 10">
+            <a:extLst>
+              <a:ext uri="{FF2B5EF4-FFF2-40B4-BE49-F238E27FC236}">
+                <a16:creationId xmlns:a16="http://schemas.microsoft.com/office/drawing/2014/main" id="{CA00CF32-2871-8E95-DC58-DA1615A04C8B}"/>
+              </a:ext>
+            </a:extLst>
+          </p:cNvPr>
+          <p:cNvCxnSpPr>
+            <a:cxnSpLocks/>
+          </p:cNvCxnSpPr>
+          <p:nvPr/>
+        </p:nvCxnSpPr>
+        <p:spPr>
+          <a:xfrm>
+            <a:off x="1743000" y="4071112"/>
+            <a:ext cx="2588520" cy="123"/>
+          </a:xfrm>
+          <a:prstGeom prst="straightConnector1">
+            <a:avLst/>
+          </a:prstGeom>
+          <a:ln w="28575">
+            <a:solidFill>
+              <a:schemeClr val="accent1"/>
+            </a:solidFill>
+            <a:headEnd type="none" w="med" len="med"/>
+            <a:tailEnd type="arrow" w="med" len="med"/>
+          </a:ln>
+        </p:spPr>
+        <p:style>
+          <a:lnRef idx="1">
+            <a:schemeClr val="accent1"/>
+          </a:lnRef>
+          <a:fillRef idx="0">
+            <a:schemeClr val="accent1"/>
+          </a:fillRef>
+          <a:effectRef idx="0">
+            <a:schemeClr val="accent1"/>
+          </a:effectRef>
+          <a:fontRef idx="minor">
+            <a:schemeClr val="tx1"/>
+          </a:fontRef>
+        </p:style>
+      </p:cxnSp>
+      <p:pic>
+        <p:nvPicPr>
+          <p:cNvPr id="6" name="図 5">
+            <a:extLst>
+              <a:ext uri="{FF2B5EF4-FFF2-40B4-BE49-F238E27FC236}">
+                <a16:creationId xmlns:a16="http://schemas.microsoft.com/office/drawing/2014/main" id="{6537EE9F-0765-4321-9807-8367D61ACB3D}"/>
+              </a:ext>
+            </a:extLst>
+          </p:cNvPr>
+          <p:cNvPicPr>
+            <a:picLocks noChangeAspect="1"/>
+          </p:cNvPicPr>
+          <p:nvPr/>
+        </p:nvPicPr>
+        <p:blipFill>
+          <a:blip r:embed="rId8">
+            <a:clrChange>
+              <a:clrFrom>
+                <a:srgbClr val="FFFFFF"/>
+              </a:clrFrom>
+              <a:clrTo>
+                <a:srgbClr val="FFFFFF">
+                  <a:alpha val="0"/>
+                </a:srgbClr>
+              </a:clrTo>
+            </a:clrChange>
+            <a:duotone>
+              <a:prstClr val="black"/>
+              <a:schemeClr val="accent6">
+                <a:tint val="45000"/>
+                <a:satMod val="400000"/>
+              </a:schemeClr>
+            </a:duotone>
+          </a:blip>
+          <a:stretch>
+            <a:fillRect/>
+          </a:stretch>
+        </p:blipFill>
+        <p:spPr>
+          <a:xfrm>
+            <a:off x="2219038" y="3063116"/>
+            <a:ext cx="419122" cy="622332"/>
+          </a:xfrm>
+          <a:prstGeom prst="rect">
+            <a:avLst/>
+          </a:prstGeom>
+        </p:spPr>
+      </p:pic>
+      <p:pic>
+        <p:nvPicPr>
+          <p:cNvPr id="7" name="図 6">
+            <a:extLst>
+              <a:ext uri="{FF2B5EF4-FFF2-40B4-BE49-F238E27FC236}">
+                <a16:creationId xmlns:a16="http://schemas.microsoft.com/office/drawing/2014/main" id="{FE003CBA-2278-7E44-630D-26F08C55EDFD}"/>
+              </a:ext>
+            </a:extLst>
+          </p:cNvPr>
+          <p:cNvPicPr>
+            <a:picLocks noChangeAspect="1"/>
+          </p:cNvPicPr>
+          <p:nvPr/>
+        </p:nvPicPr>
+        <p:blipFill>
+          <a:blip r:embed="rId8">
+            <a:clrChange>
+              <a:clrFrom>
+                <a:srgbClr val="FFFFFF"/>
+              </a:clrFrom>
+              <a:clrTo>
+                <a:srgbClr val="FFFFFF">
+                  <a:alpha val="0"/>
+                </a:srgbClr>
+              </a:clrTo>
+            </a:clrChange>
+            <a:duotone>
+              <a:prstClr val="black"/>
+              <a:schemeClr val="accent2">
+                <a:tint val="45000"/>
+                <a:satMod val="400000"/>
+              </a:schemeClr>
+            </a:duotone>
+          </a:blip>
+          <a:stretch>
+            <a:fillRect/>
+          </a:stretch>
+        </p:blipFill>
+        <p:spPr>
+          <a:xfrm>
+            <a:off x="2210823" y="3714301"/>
+            <a:ext cx="419122" cy="622332"/>
+          </a:xfrm>
+          <a:prstGeom prst="rect">
+            <a:avLst/>
+          </a:prstGeom>
+        </p:spPr>
+      </p:pic>
+      <p:sp>
+        <p:nvSpPr>
+          <p:cNvPr id="12" name="正方形/長方形 11">
+            <a:extLst>
+              <a:ext uri="{FF2B5EF4-FFF2-40B4-BE49-F238E27FC236}">
+                <a16:creationId xmlns:a16="http://schemas.microsoft.com/office/drawing/2014/main" id="{07B1A968-D805-3715-1E02-749C4E938EE3}"/>
+              </a:ext>
+            </a:extLst>
+          </p:cNvPr>
+          <p:cNvSpPr/>
+          <p:nvPr/>
+        </p:nvSpPr>
+        <p:spPr>
+          <a:xfrm>
+            <a:off x="3956539" y="2053856"/>
+            <a:ext cx="3247292" cy="2588482"/>
+          </a:xfrm>
+          <a:prstGeom prst="rect">
+            <a:avLst/>
+          </a:prstGeom>
+          <a:noFill/>
+          <a:ln>
+            <a:prstDash val="dash"/>
+          </a:ln>
+        </p:spPr>
+        <p:style>
+          <a:lnRef idx="2">
+            <a:schemeClr val="accent1">
+              <a:shade val="15000"/>
+            </a:schemeClr>
+          </a:lnRef>
+          <a:fillRef idx="1">
+            <a:schemeClr val="accent1"/>
+          </a:fillRef>
+          <a:effectRef idx="0">
+            <a:schemeClr val="accent1"/>
+          </a:effectRef>
+          <a:fontRef idx="minor">
+            <a:schemeClr val="lt1"/>
+          </a:fontRef>
+        </p:style>
+        <p:txBody>
+          <a:bodyPr rtlCol="0" anchor="ctr"/>
+          <a:lstStyle/>
+          <a:p>
+            <a:pPr algn="ctr"/>
+            <a:endParaRPr kumimoji="1" lang="ja-JP" altLang="en-US"/>
+          </a:p>
+        </p:txBody>
+      </p:sp>
+      <p:sp>
+        <p:nvSpPr>
+          <p:cNvPr id="13" name="円柱 12">
+            <a:extLst>
+              <a:ext uri="{FF2B5EF4-FFF2-40B4-BE49-F238E27FC236}">
+                <a16:creationId xmlns:a16="http://schemas.microsoft.com/office/drawing/2014/main" id="{2955D490-EB01-721F-A914-4BD1165FD586}"/>
+              </a:ext>
+            </a:extLst>
+          </p:cNvPr>
+          <p:cNvSpPr/>
+          <p:nvPr/>
+        </p:nvSpPr>
+        <p:spPr>
+          <a:xfrm rot="16200000">
+            <a:off x="5238236" y="1524710"/>
+            <a:ext cx="567771" cy="2154490"/>
+          </a:xfrm>
+          <a:prstGeom prst="can">
+            <a:avLst/>
+          </a:prstGeom>
+        </p:spPr>
+        <p:style>
+          <a:lnRef idx="2">
+            <a:schemeClr val="accent4"/>
+          </a:lnRef>
+          <a:fillRef idx="1">
+            <a:schemeClr val="lt1"/>
+          </a:fillRef>
+          <a:effectRef idx="0">
+            <a:schemeClr val="accent4"/>
+          </a:effectRef>
+          <a:fontRef idx="minor">
+            <a:schemeClr val="dk1"/>
+          </a:fontRef>
+        </p:style>
+        <p:txBody>
+          <a:bodyPr rtlCol="0" anchor="ctr"/>
+          <a:lstStyle/>
+          <a:p>
+            <a:pPr algn="ctr"/>
+            <a:endParaRPr kumimoji="1" lang="ja-JP" altLang="en-US"/>
+          </a:p>
+        </p:txBody>
+      </p:sp>
+      <p:sp>
+        <p:nvSpPr>
+          <p:cNvPr id="14" name="円柱 13">
+            <a:extLst>
+              <a:ext uri="{FF2B5EF4-FFF2-40B4-BE49-F238E27FC236}">
+                <a16:creationId xmlns:a16="http://schemas.microsoft.com/office/drawing/2014/main" id="{86D3C434-C7AC-3A27-BCE2-0DC5B545BADA}"/>
+              </a:ext>
+            </a:extLst>
+          </p:cNvPr>
+          <p:cNvSpPr/>
+          <p:nvPr/>
+        </p:nvSpPr>
+        <p:spPr>
+          <a:xfrm rot="16200000">
+            <a:off x="5240684" y="2269757"/>
+            <a:ext cx="567771" cy="2154490"/>
+          </a:xfrm>
+          <a:prstGeom prst="can">
+            <a:avLst/>
+          </a:prstGeom>
+        </p:spPr>
+        <p:style>
+          <a:lnRef idx="2">
+            <a:schemeClr val="accent4"/>
+          </a:lnRef>
+          <a:fillRef idx="1">
+            <a:schemeClr val="lt1"/>
+          </a:fillRef>
+          <a:effectRef idx="0">
+            <a:schemeClr val="accent4"/>
+          </a:effectRef>
+          <a:fontRef idx="minor">
+            <a:schemeClr val="dk1"/>
+          </a:fontRef>
+        </p:style>
+        <p:txBody>
+          <a:bodyPr rtlCol="0" anchor="ctr"/>
+          <a:lstStyle/>
+          <a:p>
+            <a:pPr algn="ctr"/>
+            <a:endParaRPr kumimoji="1" lang="ja-JP" altLang="en-US"/>
+          </a:p>
+        </p:txBody>
+      </p:sp>
+      <p:sp>
+        <p:nvSpPr>
+          <p:cNvPr id="15" name="円柱 14">
+            <a:extLst>
+              <a:ext uri="{FF2B5EF4-FFF2-40B4-BE49-F238E27FC236}">
+                <a16:creationId xmlns:a16="http://schemas.microsoft.com/office/drawing/2014/main" id="{4EF648D3-8AEF-6879-E5C3-A307A6556C41}"/>
+              </a:ext>
+            </a:extLst>
+          </p:cNvPr>
+          <p:cNvSpPr/>
+          <p:nvPr/>
+        </p:nvSpPr>
+        <p:spPr>
+          <a:xfrm rot="16200000">
+            <a:off x="5272463" y="3014804"/>
+            <a:ext cx="567771" cy="2154490"/>
+          </a:xfrm>
+          <a:prstGeom prst="can">
+            <a:avLst/>
+          </a:prstGeom>
+        </p:spPr>
+        <p:style>
+          <a:lnRef idx="2">
+            <a:schemeClr val="accent4"/>
+          </a:lnRef>
+          <a:fillRef idx="1">
+            <a:schemeClr val="lt1"/>
+          </a:fillRef>
+          <a:effectRef idx="0">
+            <a:schemeClr val="accent4"/>
+          </a:effectRef>
+          <a:fontRef idx="minor">
+            <a:schemeClr val="dk1"/>
+          </a:fontRef>
+        </p:style>
+        <p:txBody>
+          <a:bodyPr rtlCol="0" anchor="ctr"/>
+          <a:lstStyle/>
+          <a:p>
+            <a:pPr algn="ctr"/>
+            <a:endParaRPr kumimoji="1" lang="ja-JP" altLang="en-US"/>
+          </a:p>
+        </p:txBody>
+      </p:sp>
+      <p:cxnSp>
+        <p:nvCxnSpPr>
+          <p:cNvPr id="16" name="直線矢印コネクタ 15">
+            <a:extLst>
+              <a:ext uri="{FF2B5EF4-FFF2-40B4-BE49-F238E27FC236}">
+                <a16:creationId xmlns:a16="http://schemas.microsoft.com/office/drawing/2014/main" id="{22A52970-AFC4-51EC-545B-ABE7E6B70B8F}"/>
+              </a:ext>
+            </a:extLst>
+          </p:cNvPr>
+          <p:cNvCxnSpPr>
+            <a:cxnSpLocks/>
+          </p:cNvCxnSpPr>
+          <p:nvPr/>
+        </p:nvCxnSpPr>
+        <p:spPr>
+          <a:xfrm>
+            <a:off x="1895400" y="2607811"/>
+            <a:ext cx="2588520" cy="123"/>
+          </a:xfrm>
+          <a:prstGeom prst="straightConnector1">
+            <a:avLst/>
+          </a:prstGeom>
+          <a:ln w="28575">
+            <a:solidFill>
+              <a:schemeClr val="accent1"/>
+            </a:solidFill>
+            <a:headEnd type="none" w="med" len="med"/>
+            <a:tailEnd type="arrow" w="med" len="med"/>
+          </a:ln>
+        </p:spPr>
+        <p:style>
+          <a:lnRef idx="1">
+            <a:schemeClr val="accent1"/>
+          </a:lnRef>
+          <a:fillRef idx="0">
+            <a:schemeClr val="accent1"/>
+          </a:fillRef>
+          <a:effectRef idx="0">
+            <a:schemeClr val="accent1"/>
+          </a:effectRef>
+          <a:fontRef idx="minor">
+            <a:schemeClr val="tx1"/>
+          </a:fontRef>
+        </p:style>
+      </p:cxnSp>
+      <p:cxnSp>
+        <p:nvCxnSpPr>
+          <p:cNvPr id="17" name="直線矢印コネクタ 16">
+            <a:extLst>
+              <a:ext uri="{FF2B5EF4-FFF2-40B4-BE49-F238E27FC236}">
+                <a16:creationId xmlns:a16="http://schemas.microsoft.com/office/drawing/2014/main" id="{306B69B3-62D2-2CC2-B7B7-ED0C3FBF6EAA}"/>
+              </a:ext>
+            </a:extLst>
+          </p:cNvPr>
+          <p:cNvCxnSpPr>
+            <a:cxnSpLocks/>
+          </p:cNvCxnSpPr>
+          <p:nvPr/>
+        </p:nvCxnSpPr>
+        <p:spPr>
+          <a:xfrm>
+            <a:off x="2047800" y="2760211"/>
+            <a:ext cx="2588520" cy="123"/>
+          </a:xfrm>
+          <a:prstGeom prst="straightConnector1">
+            <a:avLst/>
+          </a:prstGeom>
+          <a:ln w="28575">
+            <a:solidFill>
+              <a:schemeClr val="accent1"/>
+            </a:solidFill>
+            <a:headEnd type="none" w="med" len="med"/>
+            <a:tailEnd type="arrow" w="med" len="med"/>
+          </a:ln>
+        </p:spPr>
+        <p:style>
+          <a:lnRef idx="1">
+            <a:schemeClr val="accent1"/>
+          </a:lnRef>
+          <a:fillRef idx="0">
+            <a:schemeClr val="accent1"/>
+          </a:fillRef>
+          <a:effectRef idx="0">
+            <a:schemeClr val="accent1"/>
+          </a:effectRef>
+          <a:fontRef idx="minor">
+            <a:schemeClr val="tx1"/>
+          </a:fontRef>
+        </p:style>
+      </p:cxnSp>
+      <p:pic>
+        <p:nvPicPr>
+          <p:cNvPr id="5" name="図 4">
+            <a:extLst>
+              <a:ext uri="{FF2B5EF4-FFF2-40B4-BE49-F238E27FC236}">
+                <a16:creationId xmlns:a16="http://schemas.microsoft.com/office/drawing/2014/main" id="{D4ED3EFB-7F99-1EA7-DED2-4B94E11B2155}"/>
+              </a:ext>
+            </a:extLst>
+          </p:cNvPr>
+          <p:cNvPicPr>
+            <a:picLocks noChangeAspect="1"/>
+          </p:cNvPicPr>
+          <p:nvPr/>
+        </p:nvPicPr>
+        <p:blipFill>
+          <a:blip r:embed="rId8">
+            <a:clrChange>
+              <a:clrFrom>
+                <a:srgbClr val="FFFFFF"/>
+              </a:clrFrom>
+              <a:clrTo>
+                <a:srgbClr val="FFFFFF">
+                  <a:alpha val="0"/>
+                </a:srgbClr>
+              </a:clrTo>
+            </a:clrChange>
+            <a:duotone>
+              <a:prstClr val="black"/>
+              <a:schemeClr val="accent5">
+                <a:tint val="45000"/>
+                <a:satMod val="400000"/>
+              </a:schemeClr>
+            </a:duotone>
+          </a:blip>
+          <a:stretch>
+            <a:fillRect/>
+          </a:stretch>
+        </p:blipFill>
+        <p:spPr>
+          <a:xfrm>
+            <a:off x="2210823" y="2303080"/>
+            <a:ext cx="419122" cy="622332"/>
+          </a:xfrm>
+          <a:prstGeom prst="rect">
+            <a:avLst/>
+          </a:prstGeom>
+        </p:spPr>
+      </p:pic>
+      <p:sp>
+        <p:nvSpPr>
+          <p:cNvPr id="18" name="テキスト ボックス 17">
+            <a:extLst>
+              <a:ext uri="{FF2B5EF4-FFF2-40B4-BE49-F238E27FC236}">
+                <a16:creationId xmlns:a16="http://schemas.microsoft.com/office/drawing/2014/main" id="{DBA1AB71-8E31-89A6-0414-A50808E97937}"/>
+              </a:ext>
+            </a:extLst>
+          </p:cNvPr>
+          <p:cNvSpPr txBox="1"/>
+          <p:nvPr/>
+        </p:nvSpPr>
+        <p:spPr>
+          <a:xfrm>
+            <a:off x="4916827" y="2336697"/>
+            <a:ext cx="1210588" cy="523220"/>
+          </a:xfrm>
+          <a:prstGeom prst="rect">
+            <a:avLst/>
+          </a:prstGeom>
+          <a:noFill/>
+        </p:spPr>
+        <p:txBody>
+          <a:bodyPr wrap="none" rtlCol="0">
+            <a:spAutoFit/>
+          </a:bodyPr>
+          <a:lstStyle/>
+          <a:p>
+            <a:pPr algn="ctr"/>
+            <a:r>
+              <a:rPr kumimoji="1" lang="en-US" altLang="ja-JP" sz="1400" dirty="0"/>
+              <a:t>&lt; 2000 TPM</a:t>
+            </a:r>
+          </a:p>
+          <a:p>
+            <a:pPr algn="ctr"/>
+            <a:r>
+              <a:rPr lang="en-US" altLang="ja-JP" sz="1400" dirty="0"/>
+              <a:t>(rate limit)</a:t>
+            </a:r>
+            <a:endParaRPr kumimoji="1" lang="ja-JP" altLang="en-US" sz="1400" dirty="0"/>
+          </a:p>
+        </p:txBody>
+      </p:sp>
+      <p:sp>
+        <p:nvSpPr>
+          <p:cNvPr id="19" name="テキスト ボックス 18">
+            <a:extLst>
+              <a:ext uri="{FF2B5EF4-FFF2-40B4-BE49-F238E27FC236}">
+                <a16:creationId xmlns:a16="http://schemas.microsoft.com/office/drawing/2014/main" id="{475D0FC3-E55E-76FB-324C-7AB50240BA41}"/>
+              </a:ext>
+            </a:extLst>
+          </p:cNvPr>
+          <p:cNvSpPr txBox="1"/>
+          <p:nvPr/>
+        </p:nvSpPr>
+        <p:spPr>
+          <a:xfrm>
+            <a:off x="4944298" y="3101003"/>
+            <a:ext cx="1210588" cy="523220"/>
+          </a:xfrm>
+          <a:prstGeom prst="rect">
+            <a:avLst/>
+          </a:prstGeom>
+          <a:noFill/>
+        </p:spPr>
+        <p:txBody>
+          <a:bodyPr wrap="none" rtlCol="0">
+            <a:spAutoFit/>
+          </a:bodyPr>
+          <a:lstStyle/>
+          <a:p>
+            <a:pPr algn="ctr"/>
+            <a:r>
+              <a:rPr kumimoji="1" lang="en-US" altLang="ja-JP" sz="1400" dirty="0"/>
+              <a:t>&lt; 2000 TPM</a:t>
+            </a:r>
+          </a:p>
+          <a:p>
+            <a:pPr algn="ctr"/>
+            <a:r>
+              <a:rPr lang="en-US" altLang="ja-JP" sz="1400" dirty="0"/>
+              <a:t>(rate limit)</a:t>
+            </a:r>
+            <a:endParaRPr kumimoji="1" lang="ja-JP" altLang="en-US" sz="1400" dirty="0"/>
+          </a:p>
+        </p:txBody>
+      </p:sp>
+      <p:sp>
+        <p:nvSpPr>
+          <p:cNvPr id="20" name="テキスト ボックス 19">
+            <a:extLst>
+              <a:ext uri="{FF2B5EF4-FFF2-40B4-BE49-F238E27FC236}">
+                <a16:creationId xmlns:a16="http://schemas.microsoft.com/office/drawing/2014/main" id="{B6D963C1-7E64-8AE4-89C8-9671A3175A03}"/>
+              </a:ext>
+            </a:extLst>
+          </p:cNvPr>
+          <p:cNvSpPr txBox="1"/>
+          <p:nvPr/>
+        </p:nvSpPr>
+        <p:spPr>
+          <a:xfrm>
+            <a:off x="4977225" y="3839396"/>
+            <a:ext cx="1210588" cy="523220"/>
+          </a:xfrm>
+          <a:prstGeom prst="rect">
+            <a:avLst/>
+          </a:prstGeom>
+          <a:noFill/>
+        </p:spPr>
+        <p:txBody>
+          <a:bodyPr wrap="none" rtlCol="0">
+            <a:spAutoFit/>
+          </a:bodyPr>
+          <a:lstStyle/>
+          <a:p>
+            <a:pPr algn="ctr"/>
+            <a:r>
+              <a:rPr kumimoji="1" lang="en-US" altLang="ja-JP" sz="1400" dirty="0"/>
+              <a:t>&lt; 2000 TPM</a:t>
+            </a:r>
+          </a:p>
+          <a:p>
+            <a:pPr algn="ctr"/>
+            <a:r>
+              <a:rPr lang="en-US" altLang="ja-JP" sz="1400" dirty="0"/>
+              <a:t>(rate limit)</a:t>
+            </a:r>
+            <a:endParaRPr kumimoji="1" lang="ja-JP" altLang="en-US" sz="1400" dirty="0"/>
+          </a:p>
+        </p:txBody>
+      </p:sp>
+      <p:cxnSp>
+        <p:nvCxnSpPr>
+          <p:cNvPr id="21" name="直線矢印コネクタ 20">
+            <a:extLst>
+              <a:ext uri="{FF2B5EF4-FFF2-40B4-BE49-F238E27FC236}">
+                <a16:creationId xmlns:a16="http://schemas.microsoft.com/office/drawing/2014/main" id="{C1279611-3092-0E15-3FBA-08B9ED3B412F}"/>
+              </a:ext>
+            </a:extLst>
+          </p:cNvPr>
+          <p:cNvCxnSpPr>
+            <a:cxnSpLocks/>
+          </p:cNvCxnSpPr>
+          <p:nvPr/>
+        </p:nvCxnSpPr>
+        <p:spPr>
+          <a:xfrm>
+            <a:off x="6694955" y="3316999"/>
+            <a:ext cx="1944794" cy="123"/>
+          </a:xfrm>
+          <a:prstGeom prst="straightConnector1">
+            <a:avLst/>
+          </a:prstGeom>
+          <a:ln w="28575">
+            <a:solidFill>
+              <a:schemeClr val="accent1"/>
+            </a:solidFill>
+            <a:headEnd type="none" w="med" len="med"/>
+            <a:tailEnd type="arrow" w="med" len="med"/>
+          </a:ln>
+        </p:spPr>
+        <p:style>
+          <a:lnRef idx="1">
+            <a:schemeClr val="accent1"/>
+          </a:lnRef>
+          <a:fillRef idx="0">
+            <a:schemeClr val="accent1"/>
+          </a:fillRef>
+          <a:effectRef idx="0">
+            <a:schemeClr val="accent1"/>
+          </a:effectRef>
+          <a:fontRef idx="minor">
+            <a:schemeClr val="tx1"/>
+          </a:fontRef>
+        </p:style>
+      </p:cxnSp>
+      <p:cxnSp>
+        <p:nvCxnSpPr>
+          <p:cNvPr id="22" name="直線矢印コネクタ 21">
+            <a:extLst>
+              <a:ext uri="{FF2B5EF4-FFF2-40B4-BE49-F238E27FC236}">
+                <a16:creationId xmlns:a16="http://schemas.microsoft.com/office/drawing/2014/main" id="{97AF372A-2435-7632-161F-F5BBAFBC4DD3}"/>
+              </a:ext>
+            </a:extLst>
+          </p:cNvPr>
+          <p:cNvCxnSpPr>
+            <a:cxnSpLocks/>
+          </p:cNvCxnSpPr>
+          <p:nvPr/>
+        </p:nvCxnSpPr>
+        <p:spPr>
+          <a:xfrm>
+            <a:off x="6694955" y="4070989"/>
+            <a:ext cx="1944794" cy="123"/>
+          </a:xfrm>
+          <a:prstGeom prst="straightConnector1">
+            <a:avLst/>
+          </a:prstGeom>
+          <a:ln w="28575">
+            <a:solidFill>
+              <a:schemeClr val="accent1"/>
+            </a:solidFill>
+            <a:headEnd type="none" w="med" len="med"/>
+            <a:tailEnd type="arrow" w="med" len="med"/>
+          </a:ln>
+        </p:spPr>
+        <p:style>
+          <a:lnRef idx="1">
+            <a:schemeClr val="accent1"/>
+          </a:lnRef>
+          <a:fillRef idx="0">
+            <a:schemeClr val="accent1"/>
+          </a:fillRef>
+          <a:effectRef idx="0">
+            <a:schemeClr val="accent1"/>
+          </a:effectRef>
+          <a:fontRef idx="minor">
+            <a:schemeClr val="tx1"/>
+          </a:fontRef>
+        </p:style>
+      </p:cxnSp>
+      <p:pic>
+        <p:nvPicPr>
+          <p:cNvPr id="24" name="図 23">
+            <a:extLst>
+              <a:ext uri="{FF2B5EF4-FFF2-40B4-BE49-F238E27FC236}">
+                <a16:creationId xmlns:a16="http://schemas.microsoft.com/office/drawing/2014/main" id="{96610263-F16A-1035-57DF-1E395D74E852}"/>
+              </a:ext>
+            </a:extLst>
+          </p:cNvPr>
+          <p:cNvPicPr>
+            <a:picLocks noChangeAspect="1"/>
+          </p:cNvPicPr>
+          <p:nvPr/>
+        </p:nvPicPr>
+        <p:blipFill>
+          <a:blip r:embed="rId9">
+            <a:clrChange>
+              <a:clrFrom>
+                <a:srgbClr val="FFFFFF"/>
+              </a:clrFrom>
+              <a:clrTo>
+                <a:srgbClr val="FFFFFF">
+                  <a:alpha val="0"/>
+                </a:srgbClr>
+              </a:clrTo>
+            </a:clrChange>
+          </a:blip>
+          <a:stretch>
+            <a:fillRect/>
+          </a:stretch>
+        </p:blipFill>
+        <p:spPr>
+          <a:xfrm>
+            <a:off x="7927080" y="1600077"/>
+            <a:ext cx="603345" cy="573914"/>
+          </a:xfrm>
+          <a:prstGeom prst="rect">
+            <a:avLst/>
+          </a:prstGeom>
+        </p:spPr>
+      </p:pic>
+      <p:sp>
+        <p:nvSpPr>
+          <p:cNvPr id="25" name="正方形/長方形 24">
+            <a:extLst>
+              <a:ext uri="{FF2B5EF4-FFF2-40B4-BE49-F238E27FC236}">
+                <a16:creationId xmlns:a16="http://schemas.microsoft.com/office/drawing/2014/main" id="{B80B5F41-7A94-5E36-4904-80C90A7D17B4}"/>
+              </a:ext>
+            </a:extLst>
+          </p:cNvPr>
+          <p:cNvSpPr/>
+          <p:nvPr/>
+        </p:nvSpPr>
+        <p:spPr>
+          <a:xfrm>
+            <a:off x="8206155" y="2053856"/>
+            <a:ext cx="3247292" cy="2588482"/>
+          </a:xfrm>
+          <a:prstGeom prst="rect">
+            <a:avLst/>
+          </a:prstGeom>
+          <a:noFill/>
+          <a:ln>
+            <a:prstDash val="dash"/>
+          </a:ln>
+        </p:spPr>
+        <p:style>
+          <a:lnRef idx="2">
+            <a:schemeClr val="accent1">
+              <a:shade val="15000"/>
+            </a:schemeClr>
+          </a:lnRef>
+          <a:fillRef idx="1">
+            <a:schemeClr val="accent1"/>
+          </a:fillRef>
+          <a:effectRef idx="0">
+            <a:schemeClr val="accent1"/>
+          </a:effectRef>
+          <a:fontRef idx="minor">
+            <a:schemeClr val="lt1"/>
+          </a:fontRef>
+        </p:style>
+        <p:txBody>
+          <a:bodyPr rtlCol="0" anchor="ctr"/>
+          <a:lstStyle/>
+          <a:p>
+            <a:pPr algn="ctr"/>
+            <a:endParaRPr kumimoji="1" lang="ja-JP" altLang="en-US"/>
+          </a:p>
+        </p:txBody>
+      </p:sp>
+      <p:sp>
+        <p:nvSpPr>
+          <p:cNvPr id="26" name="円柱 25">
+            <a:extLst>
+              <a:ext uri="{FF2B5EF4-FFF2-40B4-BE49-F238E27FC236}">
+                <a16:creationId xmlns:a16="http://schemas.microsoft.com/office/drawing/2014/main" id="{62B0028D-A2CF-4F26-B209-5DA460A0D46A}"/>
+              </a:ext>
+            </a:extLst>
+          </p:cNvPr>
+          <p:cNvSpPr/>
+          <p:nvPr/>
+        </p:nvSpPr>
+        <p:spPr>
+          <a:xfrm rot="16200000">
+            <a:off x="8664606" y="2262843"/>
+            <a:ext cx="2184314" cy="2154490"/>
+          </a:xfrm>
+          <a:prstGeom prst="can">
+            <a:avLst/>
+          </a:prstGeom>
+        </p:spPr>
+        <p:style>
+          <a:lnRef idx="2">
+            <a:schemeClr val="accent4"/>
+          </a:lnRef>
+          <a:fillRef idx="1">
+            <a:schemeClr val="lt1"/>
+          </a:fillRef>
+          <a:effectRef idx="0">
+            <a:schemeClr val="accent4"/>
+          </a:effectRef>
+          <a:fontRef idx="minor">
+            <a:schemeClr val="dk1"/>
+          </a:fontRef>
+        </p:style>
+        <p:txBody>
+          <a:bodyPr rtlCol="0" anchor="ctr"/>
+          <a:lstStyle/>
+          <a:p>
+            <a:pPr algn="ctr"/>
+            <a:endParaRPr kumimoji="1" lang="ja-JP" altLang="en-US" dirty="0"/>
+          </a:p>
+        </p:txBody>
+      </p:sp>
+      <p:sp>
+        <p:nvSpPr>
+          <p:cNvPr id="28" name="テキスト ボックス 27">
+            <a:extLst>
+              <a:ext uri="{FF2B5EF4-FFF2-40B4-BE49-F238E27FC236}">
+                <a16:creationId xmlns:a16="http://schemas.microsoft.com/office/drawing/2014/main" id="{FA2BF3A4-D20D-4C40-F9BF-53A815A092B6}"/>
+              </a:ext>
+            </a:extLst>
+          </p:cNvPr>
+          <p:cNvSpPr txBox="1"/>
+          <p:nvPr/>
+        </p:nvSpPr>
+        <p:spPr>
+          <a:xfrm>
+            <a:off x="9367668" y="3177205"/>
+            <a:ext cx="1309974" cy="523220"/>
+          </a:xfrm>
+          <a:prstGeom prst="rect">
+            <a:avLst/>
+          </a:prstGeom>
+          <a:noFill/>
+        </p:spPr>
+        <p:txBody>
+          <a:bodyPr wrap="none" rtlCol="0">
+            <a:spAutoFit/>
+          </a:bodyPr>
+          <a:lstStyle/>
+          <a:p>
+            <a:pPr algn="ctr"/>
+            <a:r>
+              <a:rPr kumimoji="1" lang="en-US" altLang="ja-JP" sz="1400" dirty="0"/>
+              <a:t>&lt; 10000 TPM</a:t>
+            </a:r>
+            <a:br>
+              <a:rPr kumimoji="1" lang="en-US" altLang="ja-JP" sz="1400" dirty="0"/>
+            </a:br>
+            <a:r>
+              <a:rPr kumimoji="1" lang="en-US" altLang="ja-JP" sz="1400" dirty="0"/>
+              <a:t>(Quota)</a:t>
+            </a:r>
+            <a:endParaRPr kumimoji="1" lang="ja-JP" altLang="en-US" sz="1400" dirty="0"/>
+          </a:p>
+        </p:txBody>
+      </p:sp>
+      <p:sp>
+        <p:nvSpPr>
+          <p:cNvPr id="30" name="&quot;禁止&quot;マーク 29">
+            <a:extLst>
+              <a:ext uri="{FF2B5EF4-FFF2-40B4-BE49-F238E27FC236}">
+                <a16:creationId xmlns:a16="http://schemas.microsoft.com/office/drawing/2014/main" id="{0321F6A0-47FE-6260-415A-42159DF519B1}"/>
+              </a:ext>
+            </a:extLst>
+          </p:cNvPr>
+          <p:cNvSpPr/>
+          <p:nvPr/>
+        </p:nvSpPr>
+        <p:spPr>
+          <a:xfrm>
+            <a:off x="6274646" y="2288768"/>
+            <a:ext cx="516156" cy="567772"/>
+          </a:xfrm>
+          <a:prstGeom prst="noSmoking">
+            <a:avLst>
+              <a:gd name="adj" fmla="val 15928"/>
+            </a:avLst>
+          </a:prstGeom>
+          <a:solidFill>
+            <a:srgbClr val="FF0000"/>
+          </a:solidFill>
+          <a:ln>
+            <a:noFill/>
+          </a:ln>
+        </p:spPr>
+        <p:style>
+          <a:lnRef idx="2">
+            <a:schemeClr val="accent1">
+              <a:shade val="15000"/>
+            </a:schemeClr>
+          </a:lnRef>
+          <a:fillRef idx="1">
+            <a:schemeClr val="accent1"/>
+          </a:fillRef>
+          <a:effectRef idx="0">
+            <a:schemeClr val="accent1"/>
+          </a:effectRef>
+          <a:fontRef idx="minor">
+            <a:schemeClr val="lt1"/>
+          </a:fontRef>
+        </p:style>
+        <p:txBody>
+          <a:bodyPr rtlCol="0" anchor="ctr"/>
+          <a:lstStyle/>
+          <a:p>
+            <a:pPr algn="ctr"/>
+            <a:endParaRPr kumimoji="1" lang="ja-JP" altLang="en-US">
+              <a:solidFill>
+                <a:schemeClr val="tx1"/>
+              </a:solidFill>
+            </a:endParaRPr>
+          </a:p>
+        </p:txBody>
+      </p:sp>
+    </p:spTree>
+    <p:extLst>
+      <p:ext uri="{BB962C8B-B14F-4D97-AF65-F5344CB8AC3E}">
+        <p14:creationId xmlns:p14="http://schemas.microsoft.com/office/powerpoint/2010/main" val="243859538"/>
+      </p:ext>
+    </p:extLst>
+  </p:cSld>
+  <p:clrMapOvr>
+    <a:masterClrMapping/>
+  </p:clrMapOvr>
+</p:sld>
+</file>
+
+<file path=ppt/slides/slide8.xml><?xml version="1.0" encoding="utf-8"?>
+<p:sld xmlns:a="http://schemas.openxmlformats.org/drawingml/2006/main" xmlns:r="http://schemas.openxmlformats.org/officeDocument/2006/relationships" xmlns:p="http://schemas.openxmlformats.org/presentationml/2006/main">
+  <p:cSld>
+    <p:spTree>
+      <p:nvGrpSpPr>
+        <p:cNvPr id="1" name=""/>
+        <p:cNvGrpSpPr/>
+        <p:nvPr/>
+      </p:nvGrpSpPr>
+      <p:grpSpPr>
+        <a:xfrm>
+          <a:off x="0" y="0"/>
+          <a:ext cx="0" cy="0"/>
+          <a:chOff x="0" y="0"/>
+          <a:chExt cx="0" cy="0"/>
+        </a:xfrm>
+      </p:grpSpPr>
+      <p:sp>
+        <p:nvSpPr>
+          <p:cNvPr id="56" name="正方形/長方形 55">
+            <a:extLst>
+              <a:ext uri="{FF2B5EF4-FFF2-40B4-BE49-F238E27FC236}">
+                <a16:creationId xmlns:a16="http://schemas.microsoft.com/office/drawing/2014/main" id="{322537A4-FD45-C211-03DF-69F5E4CA7065}"/>
+              </a:ext>
+            </a:extLst>
+          </p:cNvPr>
+          <p:cNvSpPr/>
+          <p:nvPr/>
+        </p:nvSpPr>
+        <p:spPr>
+          <a:xfrm>
+            <a:off x="1140849" y="1383323"/>
+            <a:ext cx="9075813" cy="4425462"/>
+          </a:xfrm>
+          <a:prstGeom prst="rect">
+            <a:avLst/>
+          </a:prstGeom>
+          <a:solidFill>
+            <a:schemeClr val="bg1"/>
+          </a:solidFill>
+          <a:ln>
+            <a:noFill/>
+          </a:ln>
+          <a:effectLst>
+            <a:outerShdw blurRad="50800" dist="38100" dir="2700000" algn="tl" rotWithShape="0">
+              <a:prstClr val="black">
+                <a:alpha val="40000"/>
+              </a:prstClr>
+            </a:outerShdw>
+          </a:effectLst>
+        </p:spPr>
+        <p:style>
+          <a:lnRef idx="2">
+            <a:schemeClr val="accent1">
+              <a:shade val="15000"/>
+            </a:schemeClr>
+          </a:lnRef>
+          <a:fillRef idx="1">
+            <a:schemeClr val="accent1"/>
+          </a:fillRef>
+          <a:effectRef idx="0">
+            <a:schemeClr val="accent1"/>
+          </a:effectRef>
+          <a:fontRef idx="minor">
+            <a:schemeClr val="lt1"/>
+          </a:fontRef>
+        </p:style>
+        <p:txBody>
+          <a:bodyPr rtlCol="0" anchor="ctr"/>
+          <a:lstStyle/>
+          <a:p>
+            <a:pPr algn="ctr"/>
+            <a:endParaRPr kumimoji="1" lang="ja-JP" altLang="en-US"/>
+          </a:p>
+        </p:txBody>
+      </p:sp>
+      <p:grpSp>
+        <p:nvGrpSpPr>
+          <p:cNvPr id="3" name="Group 10">
+            <a:extLst>
+              <a:ext uri="{FF2B5EF4-FFF2-40B4-BE49-F238E27FC236}">
+                <a16:creationId xmlns:a16="http://schemas.microsoft.com/office/drawing/2014/main" id="{DCB888FA-53FE-BB6A-A1F9-E19CDB8D068D}"/>
+              </a:ext>
+            </a:extLst>
+          </p:cNvPr>
+          <p:cNvGrpSpPr/>
+          <p:nvPr/>
+        </p:nvGrpSpPr>
+        <p:grpSpPr>
+          <a:xfrm>
+            <a:off x="6279370" y="1926934"/>
+            <a:ext cx="1511405" cy="1511405"/>
+            <a:chOff x="8898114" y="2268264"/>
+            <a:chExt cx="1828800" cy="1828800"/>
+          </a:xfrm>
+          <a:noFill/>
+        </p:grpSpPr>
+        <p:sp>
+          <p:nvSpPr>
+            <p:cNvPr id="53" name="Rectangle 8">
+              <a:extLst>
+                <a:ext uri="{FF2B5EF4-FFF2-40B4-BE49-F238E27FC236}">
+                  <a16:creationId xmlns:a16="http://schemas.microsoft.com/office/drawing/2014/main" id="{0DBACD45-B4AB-484C-8740-730045BF15A3}"/>
+                </a:ext>
+              </a:extLst>
+            </p:cNvPr>
+            <p:cNvSpPr/>
+            <p:nvPr/>
+          </p:nvSpPr>
+          <p:spPr bwMode="auto">
+            <a:xfrm>
+              <a:off x="8898114" y="2268264"/>
+              <a:ext cx="1828800" cy="1828800"/>
+            </a:xfrm>
+            <a:prstGeom prst="rect">
+              <a:avLst/>
+            </a:prstGeom>
+            <a:grpFill/>
+            <a:ln>
+              <a:noFill/>
+              <a:headEnd type="none" w="med" len="med"/>
+              <a:tailEnd type="none" w="med" len="med"/>
+            </a:ln>
+            <a:effectLst/>
+          </p:spPr>
+          <p:style>
+            <a:lnRef idx="1">
+              <a:schemeClr val="accent2"/>
+            </a:lnRef>
+            <a:fillRef idx="3">
+              <a:schemeClr val="accent2"/>
+            </a:fillRef>
+            <a:effectRef idx="2">
+              <a:schemeClr val="accent2"/>
+            </a:effectRef>
+            <a:fontRef idx="minor">
+              <a:schemeClr val="lt1"/>
+            </a:fontRef>
+          </p:style>
+          <p:txBody>
+            <a:bodyPr rot="0" spcFirstLastPara="0" vertOverflow="overflow" horzOverflow="overflow" vert="horz" wrap="square" lIns="182880" tIns="146304" rIns="182880" bIns="146304" numCol="1" spcCol="0" rtlCol="0" fromWordArt="0" anchor="t" anchorCtr="0" forceAA="0" compatLnSpc="1">
+              <a:prstTxWarp prst="textNoShape">
+                <a:avLst/>
+              </a:prstTxWarp>
+              <a:noAutofit/>
+            </a:bodyPr>
+            <a:lstStyle/>
+            <a:p>
+              <a:pPr algn="l" defTabSz="932472" fontAlgn="base">
+                <a:spcBef>
+                  <a:spcPct val="0"/>
+                </a:spcBef>
+                <a:spcAft>
+                  <a:spcPct val="0"/>
+                </a:spcAft>
+              </a:pPr>
+              <a:endParaRPr lang="en-US" sz="2000" err="1">
+                <a:gradFill>
+                  <a:gsLst>
+                    <a:gs pos="0">
+                      <a:srgbClr val="FFFFFF"/>
+                    </a:gs>
+                    <a:gs pos="100000">
+                      <a:srgbClr val="FFFFFF"/>
+                    </a:gs>
+                  </a:gsLst>
+                  <a:lin ang="5400000" scaled="0"/>
+                </a:gradFill>
+                <a:ea typeface="Segoe UI" pitchFamily="34" charset="0"/>
+                <a:cs typeface="Segoe UI" pitchFamily="34" charset="0"/>
+              </a:endParaRPr>
+            </a:p>
+          </p:txBody>
+        </p:sp>
+        <p:sp>
+          <p:nvSpPr>
+            <p:cNvPr id="54" name="Product_ECDC" title="Icon of a box">
+              <a:extLst>
+                <a:ext uri="{FF2B5EF4-FFF2-40B4-BE49-F238E27FC236}">
+                  <a16:creationId xmlns:a16="http://schemas.microsoft.com/office/drawing/2014/main" id="{DB2184FE-3EBE-F79C-A7F4-26AE552C8A88}"/>
+                </a:ext>
+              </a:extLst>
+            </p:cNvPr>
+            <p:cNvSpPr>
+              <a:spLocks noChangeAspect="1" noEditPoints="1"/>
+            </p:cNvSpPr>
+            <p:nvPr/>
+          </p:nvSpPr>
+          <p:spPr bwMode="auto">
+            <a:xfrm>
+              <a:off x="9406126" y="2725464"/>
+              <a:ext cx="812777" cy="914400"/>
+            </a:xfrm>
+            <a:custGeom>
+              <a:avLst/>
+              <a:gdLst>
+                <a:gd name="T0" fmla="*/ 3623 w 3623"/>
+                <a:gd name="T1" fmla="*/ 906 h 4076"/>
+                <a:gd name="T2" fmla="*/ 1812 w 3623"/>
+                <a:gd name="T3" fmla="*/ 1812 h 4076"/>
+                <a:gd name="T4" fmla="*/ 0 w 3623"/>
+                <a:gd name="T5" fmla="*/ 906 h 4076"/>
+                <a:gd name="T6" fmla="*/ 906 w 3623"/>
+                <a:gd name="T7" fmla="*/ 453 h 4076"/>
+                <a:gd name="T8" fmla="*/ 2699 w 3623"/>
+                <a:gd name="T9" fmla="*/ 1358 h 4076"/>
+                <a:gd name="T10" fmla="*/ 3623 w 3623"/>
+                <a:gd name="T11" fmla="*/ 906 h 4076"/>
+                <a:gd name="T12" fmla="*/ 1812 w 3623"/>
+                <a:gd name="T13" fmla="*/ 0 h 4076"/>
+                <a:gd name="T14" fmla="*/ 0 w 3623"/>
+                <a:gd name="T15" fmla="*/ 906 h 4076"/>
+                <a:gd name="T16" fmla="*/ 0 w 3623"/>
+                <a:gd name="T17" fmla="*/ 3171 h 4076"/>
+                <a:gd name="T18" fmla="*/ 1812 w 3623"/>
+                <a:gd name="T19" fmla="*/ 4076 h 4076"/>
+                <a:gd name="T20" fmla="*/ 3623 w 3623"/>
+                <a:gd name="T21" fmla="*/ 3171 h 4076"/>
+                <a:gd name="T22" fmla="*/ 3623 w 3623"/>
+                <a:gd name="T23" fmla="*/ 906 h 4076"/>
+                <a:gd name="T24" fmla="*/ 1812 w 3623"/>
+                <a:gd name="T25" fmla="*/ 1812 h 4076"/>
+                <a:gd name="T26" fmla="*/ 1812 w 3623"/>
+                <a:gd name="T27" fmla="*/ 4076 h 4076"/>
+              </a:gdLst>
+              <a:ahLst/>
+              <a:cxnLst>
+                <a:cxn ang="0">
+                  <a:pos x="T0" y="T1"/>
+                </a:cxn>
+                <a:cxn ang="0">
+                  <a:pos x="T2" y="T3"/>
+                </a:cxn>
+                <a:cxn ang="0">
+                  <a:pos x="T4" y="T5"/>
+                </a:cxn>
+                <a:cxn ang="0">
+                  <a:pos x="T6" y="T7"/>
+                </a:cxn>
+                <a:cxn ang="0">
+                  <a:pos x="T8" y="T9"/>
+                </a:cxn>
+                <a:cxn ang="0">
+                  <a:pos x="T10" y="T11"/>
+                </a:cxn>
+                <a:cxn ang="0">
+                  <a:pos x="T12" y="T13"/>
+                </a:cxn>
+                <a:cxn ang="0">
+                  <a:pos x="T14" y="T15"/>
+                </a:cxn>
+                <a:cxn ang="0">
+                  <a:pos x="T16" y="T17"/>
+                </a:cxn>
+                <a:cxn ang="0">
+                  <a:pos x="T18" y="T19"/>
+                </a:cxn>
+                <a:cxn ang="0">
+                  <a:pos x="T20" y="T21"/>
+                </a:cxn>
+                <a:cxn ang="0">
+                  <a:pos x="T22" y="T23"/>
+                </a:cxn>
+                <a:cxn ang="0">
+                  <a:pos x="T24" y="T25"/>
+                </a:cxn>
+                <a:cxn ang="0">
+                  <a:pos x="T26" y="T27"/>
+                </a:cxn>
+              </a:cxnLst>
+              <a:rect l="0" t="0" r="r" b="b"/>
+              <a:pathLst>
+                <a:path w="3623" h="4076">
+                  <a:moveTo>
+                    <a:pt x="3623" y="906"/>
+                  </a:moveTo>
+                  <a:lnTo>
+                    <a:pt x="1812" y="1812"/>
+                  </a:lnTo>
+                  <a:lnTo>
+                    <a:pt x="0" y="906"/>
+                  </a:lnTo>
+                  <a:moveTo>
+                    <a:pt x="906" y="453"/>
+                  </a:moveTo>
+                  <a:lnTo>
+                    <a:pt x="2699" y="1358"/>
+                  </a:lnTo>
+                  <a:moveTo>
+                    <a:pt x="3623" y="906"/>
+                  </a:moveTo>
+                  <a:lnTo>
+                    <a:pt x="1812" y="0"/>
+                  </a:lnTo>
+                  <a:lnTo>
+                    <a:pt x="0" y="906"/>
+                  </a:lnTo>
+                  <a:lnTo>
+                    <a:pt x="0" y="3171"/>
+                  </a:lnTo>
+                  <a:lnTo>
+                    <a:pt x="1812" y="4076"/>
+                  </a:lnTo>
+                  <a:lnTo>
+                    <a:pt x="3623" y="3171"/>
+                  </a:lnTo>
+                  <a:lnTo>
+                    <a:pt x="3623" y="906"/>
+                  </a:lnTo>
+                  <a:moveTo>
+                    <a:pt x="1812" y="1812"/>
+                  </a:moveTo>
+                  <a:lnTo>
+                    <a:pt x="1812" y="4076"/>
+                  </a:lnTo>
+                </a:path>
+              </a:pathLst>
+            </a:custGeom>
+            <a:grpFill/>
+            <a:ln w="15875" cap="sq">
+              <a:solidFill>
+                <a:schemeClr val="tx1"/>
+              </a:solidFill>
+              <a:prstDash val="solid"/>
+              <a:miter lim="800000"/>
+              <a:headEnd/>
+              <a:tailEnd/>
+            </a:ln>
+          </p:spPr>
+          <p:txBody>
+            <a:bodyPr vert="horz" wrap="square" lIns="91440" tIns="45720" rIns="91440" bIns="45720" numCol="1" anchor="t" anchorCtr="0" compatLnSpc="1">
+              <a:prstTxWarp prst="textNoShape">
+                <a:avLst/>
+              </a:prstTxWarp>
+            </a:bodyPr>
+            <a:lstStyle/>
+            <a:p>
+              <a:endParaRPr lang="en-US"/>
+            </a:p>
+          </p:txBody>
+        </p:sp>
+        <p:sp>
+          <p:nvSpPr>
+            <p:cNvPr id="55" name="TextBox 9">
+              <a:extLst>
+                <a:ext uri="{FF2B5EF4-FFF2-40B4-BE49-F238E27FC236}">
+                  <a16:creationId xmlns:a16="http://schemas.microsoft.com/office/drawing/2014/main" id="{F9189AA2-9DAF-63B8-CD6B-A28FFD076C44}"/>
+                </a:ext>
+              </a:extLst>
+            </p:cNvPr>
+            <p:cNvSpPr txBox="1"/>
+            <p:nvPr/>
+          </p:nvSpPr>
+          <p:spPr>
+            <a:xfrm>
+              <a:off x="8898114" y="3714575"/>
+              <a:ext cx="1828799" cy="246221"/>
+            </a:xfrm>
+            <a:prstGeom prst="rect">
+              <a:avLst/>
+            </a:prstGeom>
+            <a:grpFill/>
+          </p:spPr>
+          <p:txBody>
+            <a:bodyPr wrap="square" lIns="0" tIns="0" rIns="0" bIns="0" rtlCol="0">
+              <a:spAutoFit/>
+            </a:bodyPr>
+            <a:lstStyle/>
+            <a:p>
+              <a:pPr algn="ctr"/>
+              <a:r>
+                <a:rPr lang="en-US" sz="1600">
+                  <a:gradFill>
+                    <a:gsLst>
+                      <a:gs pos="2917">
+                        <a:schemeClr val="tx1"/>
+                      </a:gs>
+                      <a:gs pos="30000">
+                        <a:schemeClr val="tx1"/>
+                      </a:gs>
+                    </a:gsLst>
+                    <a:lin ang="5400000" scaled="0"/>
+                  </a:gradFill>
+                </a:rPr>
+                <a:t>Product</a:t>
+              </a:r>
+            </a:p>
+          </p:txBody>
+        </p:sp>
+      </p:grpSp>
+      <p:grpSp>
+        <p:nvGrpSpPr>
+          <p:cNvPr id="4" name="Group 14">
+            <a:extLst>
+              <a:ext uri="{FF2B5EF4-FFF2-40B4-BE49-F238E27FC236}">
+                <a16:creationId xmlns:a16="http://schemas.microsoft.com/office/drawing/2014/main" id="{B190FEBC-92CA-0336-A71E-39ACF2165A5F}"/>
+              </a:ext>
+            </a:extLst>
+          </p:cNvPr>
+          <p:cNvGrpSpPr/>
+          <p:nvPr/>
+        </p:nvGrpSpPr>
+        <p:grpSpPr>
+          <a:xfrm>
+            <a:off x="3717648" y="4190552"/>
+            <a:ext cx="1511405" cy="1511405"/>
+            <a:chOff x="6889932" y="2302567"/>
+            <a:chExt cx="1828800" cy="1828800"/>
+          </a:xfrm>
+          <a:noFill/>
+        </p:grpSpPr>
+        <p:sp>
+          <p:nvSpPr>
+            <p:cNvPr id="50" name="Rectangle 11">
+              <a:extLst>
+                <a:ext uri="{FF2B5EF4-FFF2-40B4-BE49-F238E27FC236}">
+                  <a16:creationId xmlns:a16="http://schemas.microsoft.com/office/drawing/2014/main" id="{5D36D7AE-6B4B-2A65-6320-586D1E056286}"/>
+                </a:ext>
+              </a:extLst>
+            </p:cNvPr>
+            <p:cNvSpPr/>
+            <p:nvPr/>
+          </p:nvSpPr>
+          <p:spPr bwMode="auto">
+            <a:xfrm>
+              <a:off x="6889932" y="2302567"/>
+              <a:ext cx="1828800" cy="1828800"/>
+            </a:xfrm>
+            <a:prstGeom prst="rect">
+              <a:avLst/>
+            </a:prstGeom>
+            <a:grpFill/>
+            <a:ln>
+              <a:noFill/>
+              <a:headEnd type="none" w="med" len="med"/>
+              <a:tailEnd type="none" w="med" len="med"/>
+            </a:ln>
+            <a:effectLst/>
+          </p:spPr>
+          <p:style>
+            <a:lnRef idx="1">
+              <a:schemeClr val="accent2"/>
+            </a:lnRef>
+            <a:fillRef idx="3">
+              <a:schemeClr val="accent2"/>
+            </a:fillRef>
+            <a:effectRef idx="2">
+              <a:schemeClr val="accent2"/>
+            </a:effectRef>
+            <a:fontRef idx="minor">
+              <a:schemeClr val="lt1"/>
+            </a:fontRef>
+          </p:style>
+          <p:txBody>
+            <a:bodyPr rot="0" spcFirstLastPara="0" vertOverflow="overflow" horzOverflow="overflow" vert="horz" wrap="square" lIns="182880" tIns="146304" rIns="182880" bIns="146304" numCol="1" spcCol="0" rtlCol="0" fromWordArt="0" anchor="t" anchorCtr="0" forceAA="0" compatLnSpc="1">
+              <a:prstTxWarp prst="textNoShape">
+                <a:avLst/>
+              </a:prstTxWarp>
+              <a:noAutofit/>
+            </a:bodyPr>
+            <a:lstStyle/>
+            <a:p>
+              <a:pPr algn="l" defTabSz="932472" fontAlgn="base">
+                <a:spcBef>
+                  <a:spcPct val="0"/>
+                </a:spcBef>
+                <a:spcAft>
+                  <a:spcPct val="0"/>
+                </a:spcAft>
+              </a:pPr>
+              <a:endParaRPr lang="en-US" sz="2000" err="1">
+                <a:gradFill>
+                  <a:gsLst>
+                    <a:gs pos="0">
+                      <a:srgbClr val="FFFFFF"/>
+                    </a:gs>
+                    <a:gs pos="100000">
+                      <a:srgbClr val="FFFFFF"/>
+                    </a:gs>
+                  </a:gsLst>
+                  <a:lin ang="5400000" scaled="0"/>
+                </a:gradFill>
+                <a:ea typeface="Segoe UI" pitchFamily="34" charset="0"/>
+                <a:cs typeface="Segoe UI" pitchFamily="34" charset="0"/>
+              </a:endParaRPr>
+            </a:p>
+          </p:txBody>
+        </p:sp>
+        <p:sp>
+          <p:nvSpPr>
+            <p:cNvPr id="51" name="people_12" title="Icon of three people">
+              <a:extLst>
+                <a:ext uri="{FF2B5EF4-FFF2-40B4-BE49-F238E27FC236}">
+                  <a16:creationId xmlns:a16="http://schemas.microsoft.com/office/drawing/2014/main" id="{72D79EC3-4151-CD7B-69CF-4345177242DE}"/>
+                </a:ext>
+              </a:extLst>
+            </p:cNvPr>
+            <p:cNvSpPr>
+              <a:spLocks noChangeAspect="1" noEditPoints="1"/>
+            </p:cNvSpPr>
+            <p:nvPr/>
+          </p:nvSpPr>
+          <p:spPr bwMode="auto">
+            <a:xfrm>
+              <a:off x="7268451" y="2725464"/>
+              <a:ext cx="1071760" cy="914400"/>
+            </a:xfrm>
+            <a:custGeom>
+              <a:avLst/>
+              <a:gdLst>
+                <a:gd name="T0" fmla="*/ 110 w 349"/>
+                <a:gd name="T1" fmla="*/ 142 h 296"/>
+                <a:gd name="T2" fmla="*/ 174 w 349"/>
+                <a:gd name="T3" fmla="*/ 78 h 296"/>
+                <a:gd name="T4" fmla="*/ 238 w 349"/>
+                <a:gd name="T5" fmla="*/ 142 h 296"/>
+                <a:gd name="T6" fmla="*/ 174 w 349"/>
+                <a:gd name="T7" fmla="*/ 206 h 296"/>
+                <a:gd name="T8" fmla="*/ 110 w 349"/>
+                <a:gd name="T9" fmla="*/ 142 h 296"/>
+                <a:gd name="T10" fmla="*/ 264 w 349"/>
+                <a:gd name="T11" fmla="*/ 296 h 296"/>
+                <a:gd name="T12" fmla="*/ 174 w 349"/>
+                <a:gd name="T13" fmla="*/ 207 h 296"/>
+                <a:gd name="T14" fmla="*/ 85 w 349"/>
+                <a:gd name="T15" fmla="*/ 296 h 296"/>
+                <a:gd name="T16" fmla="*/ 56 w 349"/>
+                <a:gd name="T17" fmla="*/ 80 h 296"/>
+                <a:gd name="T18" fmla="*/ 96 w 349"/>
+                <a:gd name="T19" fmla="*/ 40 h 296"/>
+                <a:gd name="T20" fmla="*/ 56 w 349"/>
+                <a:gd name="T21" fmla="*/ 0 h 296"/>
+                <a:gd name="T22" fmla="*/ 16 w 349"/>
+                <a:gd name="T23" fmla="*/ 40 h 296"/>
+                <a:gd name="T24" fmla="*/ 56 w 349"/>
+                <a:gd name="T25" fmla="*/ 80 h 296"/>
+                <a:gd name="T26" fmla="*/ 111 w 349"/>
+                <a:gd name="T27" fmla="*/ 136 h 296"/>
+                <a:gd name="T28" fmla="*/ 56 w 349"/>
+                <a:gd name="T29" fmla="*/ 81 h 296"/>
+                <a:gd name="T30" fmla="*/ 0 w 349"/>
+                <a:gd name="T31" fmla="*/ 136 h 296"/>
+                <a:gd name="T32" fmla="*/ 293 w 349"/>
+                <a:gd name="T33" fmla="*/ 80 h 296"/>
+                <a:gd name="T34" fmla="*/ 333 w 349"/>
+                <a:gd name="T35" fmla="*/ 40 h 296"/>
+                <a:gd name="T36" fmla="*/ 293 w 349"/>
+                <a:gd name="T37" fmla="*/ 0 h 296"/>
+                <a:gd name="T38" fmla="*/ 253 w 349"/>
+                <a:gd name="T39" fmla="*/ 40 h 296"/>
+                <a:gd name="T40" fmla="*/ 293 w 349"/>
+                <a:gd name="T41" fmla="*/ 80 h 296"/>
+                <a:gd name="T42" fmla="*/ 349 w 349"/>
+                <a:gd name="T43" fmla="*/ 136 h 296"/>
+                <a:gd name="T44" fmla="*/ 293 w 349"/>
+                <a:gd name="T45" fmla="*/ 81 h 296"/>
+                <a:gd name="T46" fmla="*/ 237 w 349"/>
+                <a:gd name="T47" fmla="*/ 136 h 296"/>
+              </a:gdLst>
+              <a:ahLst/>
+              <a:cxnLst>
+                <a:cxn ang="0">
+                  <a:pos x="T0" y="T1"/>
+                </a:cxn>
+                <a:cxn ang="0">
+                  <a:pos x="T2" y="T3"/>
+                </a:cxn>
+                <a:cxn ang="0">
+                  <a:pos x="T4" y="T5"/>
+                </a:cxn>
+                <a:cxn ang="0">
+                  <a:pos x="T6" y="T7"/>
+                </a:cxn>
+                <a:cxn ang="0">
+                  <a:pos x="T8" y="T9"/>
+                </a:cxn>
+                <a:cxn ang="0">
+                  <a:pos x="T10" y="T11"/>
+                </a:cxn>
+                <a:cxn ang="0">
+                  <a:pos x="T12" y="T13"/>
+                </a:cxn>
+                <a:cxn ang="0">
+                  <a:pos x="T14" y="T15"/>
+                </a:cxn>
+                <a:cxn ang="0">
+                  <a:pos x="T16" y="T17"/>
+                </a:cxn>
+                <a:cxn ang="0">
+                  <a:pos x="T18" y="T19"/>
+                </a:cxn>
+                <a:cxn ang="0">
+                  <a:pos x="T20" y="T21"/>
+                </a:cxn>
+                <a:cxn ang="0">
+                  <a:pos x="T22" y="T23"/>
+                </a:cxn>
+                <a:cxn ang="0">
+                  <a:pos x="T24" y="T25"/>
+                </a:cxn>
+                <a:cxn ang="0">
+                  <a:pos x="T26" y="T27"/>
+                </a:cxn>
+                <a:cxn ang="0">
+                  <a:pos x="T28" y="T29"/>
+                </a:cxn>
+                <a:cxn ang="0">
+                  <a:pos x="T30" y="T31"/>
+                </a:cxn>
+                <a:cxn ang="0">
+                  <a:pos x="T32" y="T33"/>
+                </a:cxn>
+                <a:cxn ang="0">
+                  <a:pos x="T34" y="T35"/>
+                </a:cxn>
+                <a:cxn ang="0">
+                  <a:pos x="T36" y="T37"/>
+                </a:cxn>
+                <a:cxn ang="0">
+                  <a:pos x="T38" y="T39"/>
+                </a:cxn>
+                <a:cxn ang="0">
+                  <a:pos x="T40" y="T41"/>
+                </a:cxn>
+                <a:cxn ang="0">
+                  <a:pos x="T42" y="T43"/>
+                </a:cxn>
+                <a:cxn ang="0">
+                  <a:pos x="T44" y="T45"/>
+                </a:cxn>
+                <a:cxn ang="0">
+                  <a:pos x="T46" y="T47"/>
+                </a:cxn>
+              </a:cxnLst>
+              <a:rect l="0" t="0" r="r" b="b"/>
+              <a:pathLst>
+                <a:path w="349" h="296">
+                  <a:moveTo>
+                    <a:pt x="110" y="142"/>
+                  </a:moveTo>
+                  <a:cubicBezTo>
+                    <a:pt x="110" y="107"/>
+                    <a:pt x="139" y="78"/>
+                    <a:pt x="174" y="78"/>
+                  </a:cubicBezTo>
+                  <a:cubicBezTo>
+                    <a:pt x="210" y="78"/>
+                    <a:pt x="238" y="107"/>
+                    <a:pt x="238" y="142"/>
+                  </a:cubicBezTo>
+                  <a:cubicBezTo>
+                    <a:pt x="238" y="177"/>
+                    <a:pt x="210" y="206"/>
+                    <a:pt x="174" y="206"/>
+                  </a:cubicBezTo>
+                  <a:cubicBezTo>
+                    <a:pt x="139" y="206"/>
+                    <a:pt x="110" y="177"/>
+                    <a:pt x="110" y="142"/>
+                  </a:cubicBezTo>
+                  <a:close/>
+                  <a:moveTo>
+                    <a:pt x="264" y="296"/>
+                  </a:moveTo>
+                  <a:cubicBezTo>
+                    <a:pt x="264" y="247"/>
+                    <a:pt x="224" y="207"/>
+                    <a:pt x="174" y="207"/>
+                  </a:cubicBezTo>
+                  <a:cubicBezTo>
+                    <a:pt x="125" y="207"/>
+                    <a:pt x="85" y="247"/>
+                    <a:pt x="85" y="296"/>
+                  </a:cubicBezTo>
+                  <a:moveTo>
+                    <a:pt x="56" y="80"/>
+                  </a:moveTo>
+                  <a:cubicBezTo>
+                    <a:pt x="78" y="80"/>
+                    <a:pt x="96" y="62"/>
+                    <a:pt x="96" y="40"/>
+                  </a:cubicBezTo>
+                  <a:cubicBezTo>
+                    <a:pt x="96" y="18"/>
+                    <a:pt x="78" y="0"/>
+                    <a:pt x="56" y="0"/>
+                  </a:cubicBezTo>
+                  <a:cubicBezTo>
+                    <a:pt x="34" y="0"/>
+                    <a:pt x="16" y="18"/>
+                    <a:pt x="16" y="40"/>
+                  </a:cubicBezTo>
+                  <a:cubicBezTo>
+                    <a:pt x="16" y="62"/>
+                    <a:pt x="34" y="80"/>
+                    <a:pt x="56" y="80"/>
+                  </a:cubicBezTo>
+                  <a:close/>
+                  <a:moveTo>
+                    <a:pt x="111" y="136"/>
+                  </a:moveTo>
+                  <a:cubicBezTo>
+                    <a:pt x="111" y="106"/>
+                    <a:pt x="86" y="81"/>
+                    <a:pt x="56" y="81"/>
+                  </a:cubicBezTo>
+                  <a:cubicBezTo>
+                    <a:pt x="25" y="81"/>
+                    <a:pt x="0" y="106"/>
+                    <a:pt x="0" y="136"/>
+                  </a:cubicBezTo>
+                  <a:moveTo>
+                    <a:pt x="293" y="80"/>
+                  </a:moveTo>
+                  <a:cubicBezTo>
+                    <a:pt x="315" y="80"/>
+                    <a:pt x="333" y="62"/>
+                    <a:pt x="333" y="40"/>
+                  </a:cubicBezTo>
+                  <a:cubicBezTo>
+                    <a:pt x="333" y="18"/>
+                    <a:pt x="315" y="0"/>
+                    <a:pt x="293" y="0"/>
+                  </a:cubicBezTo>
+                  <a:cubicBezTo>
+                    <a:pt x="271" y="0"/>
+                    <a:pt x="253" y="18"/>
+                    <a:pt x="253" y="40"/>
+                  </a:cubicBezTo>
+                  <a:cubicBezTo>
+                    <a:pt x="253" y="62"/>
+                    <a:pt x="271" y="80"/>
+                    <a:pt x="293" y="80"/>
+                  </a:cubicBezTo>
+                  <a:close/>
+                  <a:moveTo>
+                    <a:pt x="349" y="136"/>
+                  </a:moveTo>
+                  <a:cubicBezTo>
+                    <a:pt x="349" y="106"/>
+                    <a:pt x="324" y="81"/>
+                    <a:pt x="293" y="81"/>
+                  </a:cubicBezTo>
+                  <a:cubicBezTo>
+                    <a:pt x="262" y="81"/>
+                    <a:pt x="237" y="106"/>
+                    <a:pt x="237" y="136"/>
+                  </a:cubicBezTo>
+                </a:path>
+              </a:pathLst>
+            </a:custGeom>
+            <a:grpFill/>
+            <a:ln w="15875" cap="sq">
+              <a:solidFill>
+                <a:schemeClr val="tx1"/>
+              </a:solidFill>
+              <a:prstDash val="solid"/>
+              <a:miter lim="800000"/>
+              <a:headEnd/>
+              <a:tailEnd/>
+            </a:ln>
+          </p:spPr>
+          <p:txBody>
+            <a:bodyPr vert="horz" wrap="square" lIns="91440" tIns="45720" rIns="91440" bIns="45720" numCol="1" anchor="t" anchorCtr="0" compatLnSpc="1">
+              <a:prstTxWarp prst="textNoShape">
+                <a:avLst/>
+              </a:prstTxWarp>
+            </a:bodyPr>
+            <a:lstStyle/>
+            <a:p>
+              <a:endParaRPr lang="en-US"/>
+            </a:p>
+          </p:txBody>
+        </p:sp>
+        <p:sp>
+          <p:nvSpPr>
+            <p:cNvPr id="52" name="TextBox 12">
+              <a:extLst>
+                <a:ext uri="{FF2B5EF4-FFF2-40B4-BE49-F238E27FC236}">
+                  <a16:creationId xmlns:a16="http://schemas.microsoft.com/office/drawing/2014/main" id="{AD459B29-A0FE-7468-033F-05CA14C9AB31}"/>
+                </a:ext>
+              </a:extLst>
+            </p:cNvPr>
+            <p:cNvSpPr txBox="1"/>
+            <p:nvPr/>
+          </p:nvSpPr>
+          <p:spPr>
+            <a:xfrm>
+              <a:off x="6889932" y="3748878"/>
+              <a:ext cx="1828799" cy="246221"/>
+            </a:xfrm>
+            <a:prstGeom prst="rect">
+              <a:avLst/>
+            </a:prstGeom>
+            <a:grpFill/>
+          </p:spPr>
+          <p:txBody>
+            <a:bodyPr wrap="square" lIns="0" tIns="0" rIns="0" bIns="0" rtlCol="0">
+              <a:spAutoFit/>
+            </a:bodyPr>
+            <a:lstStyle/>
+            <a:p>
+              <a:pPr algn="ctr"/>
+              <a:r>
+                <a:rPr lang="en-US" sz="1600">
+                  <a:gradFill>
+                    <a:gsLst>
+                      <a:gs pos="2917">
+                        <a:schemeClr val="tx1"/>
+                      </a:gs>
+                      <a:gs pos="30000">
+                        <a:schemeClr val="tx1"/>
+                      </a:gs>
+                    </a:gsLst>
+                    <a:lin ang="5400000" scaled="0"/>
+                  </a:gradFill>
+                </a:rPr>
+                <a:t>Group</a:t>
+              </a:r>
+            </a:p>
+          </p:txBody>
+        </p:sp>
+      </p:grpSp>
+      <p:grpSp>
+        <p:nvGrpSpPr>
+          <p:cNvPr id="5" name="Group 20">
+            <a:extLst>
+              <a:ext uri="{FF2B5EF4-FFF2-40B4-BE49-F238E27FC236}">
+                <a16:creationId xmlns:a16="http://schemas.microsoft.com/office/drawing/2014/main" id="{F806481C-B983-F5B7-611D-62944FCB92DA}"/>
+              </a:ext>
+            </a:extLst>
+          </p:cNvPr>
+          <p:cNvGrpSpPr/>
+          <p:nvPr/>
+        </p:nvGrpSpPr>
+        <p:grpSpPr>
+          <a:xfrm>
+            <a:off x="1140850" y="1926934"/>
+            <a:ext cx="1511405" cy="1511405"/>
+            <a:chOff x="1891849" y="2302567"/>
+            <a:chExt cx="1828800" cy="1828800"/>
+          </a:xfrm>
+          <a:noFill/>
+        </p:grpSpPr>
+        <p:sp>
+          <p:nvSpPr>
+            <p:cNvPr id="47" name="Rectangle 18">
+              <a:extLst>
+                <a:ext uri="{FF2B5EF4-FFF2-40B4-BE49-F238E27FC236}">
+                  <a16:creationId xmlns:a16="http://schemas.microsoft.com/office/drawing/2014/main" id="{721B6115-C6B2-01A9-6401-72959DECEA1D}"/>
+                </a:ext>
+              </a:extLst>
+            </p:cNvPr>
+            <p:cNvSpPr/>
+            <p:nvPr/>
+          </p:nvSpPr>
+          <p:spPr bwMode="auto">
+            <a:xfrm>
+              <a:off x="1891849" y="2302567"/>
+              <a:ext cx="1828800" cy="1828800"/>
+            </a:xfrm>
+            <a:prstGeom prst="rect">
+              <a:avLst/>
+            </a:prstGeom>
+            <a:grpFill/>
+            <a:ln>
+              <a:noFill/>
+              <a:headEnd type="none" w="med" len="med"/>
+              <a:tailEnd type="none" w="med" len="med"/>
+            </a:ln>
+            <a:effectLst/>
+          </p:spPr>
+          <p:style>
+            <a:lnRef idx="1">
+              <a:schemeClr val="accent2"/>
+            </a:lnRef>
+            <a:fillRef idx="3">
+              <a:schemeClr val="accent2"/>
+            </a:fillRef>
+            <a:effectRef idx="2">
+              <a:schemeClr val="accent2"/>
+            </a:effectRef>
+            <a:fontRef idx="minor">
+              <a:schemeClr val="lt1"/>
+            </a:fontRef>
+          </p:style>
+          <p:txBody>
+            <a:bodyPr rot="0" spcFirstLastPara="0" vertOverflow="overflow" horzOverflow="overflow" vert="horz" wrap="square" lIns="182880" tIns="146304" rIns="182880" bIns="146304" numCol="1" spcCol="0" rtlCol="0" fromWordArt="0" anchor="t" anchorCtr="0" forceAA="0" compatLnSpc="1">
+              <a:prstTxWarp prst="textNoShape">
+                <a:avLst/>
+              </a:prstTxWarp>
+              <a:noAutofit/>
+            </a:bodyPr>
+            <a:lstStyle/>
+            <a:p>
+              <a:pPr algn="l" defTabSz="932472" fontAlgn="base">
+                <a:spcBef>
+                  <a:spcPct val="0"/>
+                </a:spcBef>
+                <a:spcAft>
+                  <a:spcPct val="0"/>
+                </a:spcAft>
+              </a:pPr>
+              <a:endParaRPr lang="en-US" sz="2000" err="1">
+                <a:gradFill>
+                  <a:gsLst>
+                    <a:gs pos="0">
+                      <a:srgbClr val="FFFFFF"/>
+                    </a:gs>
+                    <a:gs pos="100000">
+                      <a:srgbClr val="FFFFFF"/>
+                    </a:gs>
+                  </a:gsLst>
+                  <a:lin ang="5400000" scaled="0"/>
+                </a:gradFill>
+                <a:ea typeface="Segoe UI" pitchFamily="34" charset="0"/>
+                <a:cs typeface="Segoe UI" pitchFamily="34" charset="0"/>
+              </a:endParaRPr>
+            </a:p>
+          </p:txBody>
+        </p:sp>
+        <p:sp>
+          <p:nvSpPr>
+            <p:cNvPr id="48" name="people_4" title="Icon of a person">
+              <a:extLst>
+                <a:ext uri="{FF2B5EF4-FFF2-40B4-BE49-F238E27FC236}">
+                  <a16:creationId xmlns:a16="http://schemas.microsoft.com/office/drawing/2014/main" id="{C882E519-B775-4CB2-76F9-38D16B8D9475}"/>
+                </a:ext>
+              </a:extLst>
+            </p:cNvPr>
+            <p:cNvSpPr>
+              <a:spLocks noChangeAspect="1" noEditPoints="1"/>
+            </p:cNvSpPr>
+            <p:nvPr/>
+          </p:nvSpPr>
+          <p:spPr bwMode="auto">
+            <a:xfrm>
+              <a:off x="2397296" y="2725464"/>
+              <a:ext cx="817903" cy="914400"/>
+            </a:xfrm>
+            <a:custGeom>
+              <a:avLst/>
+              <a:gdLst>
+                <a:gd name="T0" fmla="*/ 48 w 246"/>
+                <a:gd name="T1" fmla="*/ 76 h 275"/>
+                <a:gd name="T2" fmla="*/ 124 w 246"/>
+                <a:gd name="T3" fmla="*/ 0 h 275"/>
+                <a:gd name="T4" fmla="*/ 201 w 246"/>
+                <a:gd name="T5" fmla="*/ 76 h 275"/>
+                <a:gd name="T6" fmla="*/ 124 w 246"/>
+                <a:gd name="T7" fmla="*/ 152 h 275"/>
+                <a:gd name="T8" fmla="*/ 48 w 246"/>
+                <a:gd name="T9" fmla="*/ 76 h 275"/>
+                <a:gd name="T10" fmla="*/ 246 w 246"/>
+                <a:gd name="T11" fmla="*/ 275 h 275"/>
+                <a:gd name="T12" fmla="*/ 123 w 246"/>
+                <a:gd name="T13" fmla="*/ 152 h 275"/>
+                <a:gd name="T14" fmla="*/ 0 w 246"/>
+                <a:gd name="T15" fmla="*/ 275 h 275"/>
+              </a:gdLst>
+              <a:ahLst/>
+              <a:cxnLst>
+                <a:cxn ang="0">
+                  <a:pos x="T0" y="T1"/>
+                </a:cxn>
+                <a:cxn ang="0">
+                  <a:pos x="T2" y="T3"/>
+                </a:cxn>
+                <a:cxn ang="0">
+                  <a:pos x="T4" y="T5"/>
+                </a:cxn>
+                <a:cxn ang="0">
+                  <a:pos x="T6" y="T7"/>
+                </a:cxn>
+                <a:cxn ang="0">
+                  <a:pos x="T8" y="T9"/>
+                </a:cxn>
+                <a:cxn ang="0">
+                  <a:pos x="T10" y="T11"/>
+                </a:cxn>
+                <a:cxn ang="0">
+                  <a:pos x="T12" y="T13"/>
+                </a:cxn>
+                <a:cxn ang="0">
+                  <a:pos x="T14" y="T15"/>
+                </a:cxn>
+              </a:cxnLst>
+              <a:rect l="0" t="0" r="r" b="b"/>
+              <a:pathLst>
+                <a:path w="246" h="275">
+                  <a:moveTo>
+                    <a:pt x="48" y="76"/>
+                  </a:moveTo>
+                  <a:cubicBezTo>
+                    <a:pt x="48" y="34"/>
+                    <a:pt x="82" y="0"/>
+                    <a:pt x="124" y="0"/>
+                  </a:cubicBezTo>
+                  <a:cubicBezTo>
+                    <a:pt x="166" y="0"/>
+                    <a:pt x="201" y="34"/>
+                    <a:pt x="201" y="76"/>
+                  </a:cubicBezTo>
+                  <a:cubicBezTo>
+                    <a:pt x="201" y="118"/>
+                    <a:pt x="166" y="152"/>
+                    <a:pt x="124" y="152"/>
+                  </a:cubicBezTo>
+                  <a:cubicBezTo>
+                    <a:pt x="82" y="152"/>
+                    <a:pt x="48" y="118"/>
+                    <a:pt x="48" y="76"/>
+                  </a:cubicBezTo>
+                  <a:close/>
+                  <a:moveTo>
+                    <a:pt x="246" y="275"/>
+                  </a:moveTo>
+                  <a:cubicBezTo>
+                    <a:pt x="246" y="207"/>
+                    <a:pt x="191" y="152"/>
+                    <a:pt x="123" y="152"/>
+                  </a:cubicBezTo>
+                  <a:cubicBezTo>
+                    <a:pt x="55" y="152"/>
+                    <a:pt x="0" y="207"/>
+                    <a:pt x="0" y="275"/>
+                  </a:cubicBezTo>
+                </a:path>
+              </a:pathLst>
+            </a:custGeom>
+            <a:grpFill/>
+            <a:ln w="15875" cap="sq">
+              <a:solidFill>
+                <a:schemeClr val="tx1"/>
+              </a:solidFill>
+              <a:prstDash val="solid"/>
+              <a:miter lim="800000"/>
+              <a:headEnd/>
+              <a:tailEnd/>
+            </a:ln>
+          </p:spPr>
+          <p:txBody>
+            <a:bodyPr vert="horz" wrap="square" lIns="91440" tIns="45720" rIns="91440" bIns="45720" numCol="1" anchor="t" anchorCtr="0" compatLnSpc="1">
+              <a:prstTxWarp prst="textNoShape">
+                <a:avLst/>
+              </a:prstTxWarp>
+            </a:bodyPr>
+            <a:lstStyle/>
+            <a:p>
+              <a:endParaRPr lang="en-US"/>
+            </a:p>
+          </p:txBody>
+        </p:sp>
+        <p:sp>
+          <p:nvSpPr>
+            <p:cNvPr id="49" name="TextBox 19">
+              <a:extLst>
+                <a:ext uri="{FF2B5EF4-FFF2-40B4-BE49-F238E27FC236}">
+                  <a16:creationId xmlns:a16="http://schemas.microsoft.com/office/drawing/2014/main" id="{2380C9CF-8390-7190-C5E9-B71311410665}"/>
+                </a:ext>
+              </a:extLst>
+            </p:cNvPr>
+            <p:cNvSpPr txBox="1"/>
+            <p:nvPr/>
+          </p:nvSpPr>
+          <p:spPr>
+            <a:xfrm>
+              <a:off x="1891849" y="3748878"/>
+              <a:ext cx="1828799" cy="246221"/>
+            </a:xfrm>
+            <a:prstGeom prst="rect">
+              <a:avLst/>
+            </a:prstGeom>
+            <a:grpFill/>
+          </p:spPr>
+          <p:txBody>
+            <a:bodyPr wrap="square" lIns="0" tIns="0" rIns="0" bIns="0" rtlCol="0">
+              <a:spAutoFit/>
+            </a:bodyPr>
+            <a:lstStyle/>
+            <a:p>
+              <a:pPr algn="ctr"/>
+              <a:r>
+                <a:rPr lang="en-US" sz="1600">
+                  <a:gradFill>
+                    <a:gsLst>
+                      <a:gs pos="2917">
+                        <a:schemeClr val="tx1"/>
+                      </a:gs>
+                      <a:gs pos="30000">
+                        <a:schemeClr val="tx1"/>
+                      </a:gs>
+                    </a:gsLst>
+                    <a:lin ang="5400000" scaled="0"/>
+                  </a:gradFill>
+                </a:rPr>
+                <a:t>User</a:t>
+              </a:r>
+            </a:p>
+          </p:txBody>
+        </p:sp>
+      </p:grpSp>
+      <p:sp>
+        <p:nvSpPr>
+          <p:cNvPr id="6" name="Lock" title="Icon of a padlock">
+            <a:extLst>
+              <a:ext uri="{FF2B5EF4-FFF2-40B4-BE49-F238E27FC236}">
+                <a16:creationId xmlns:a16="http://schemas.microsoft.com/office/drawing/2014/main" id="{2B178317-AB28-017B-6E20-608B5D62C9FF}"/>
+              </a:ext>
+            </a:extLst>
+          </p:cNvPr>
+          <p:cNvSpPr>
+            <a:spLocks noChangeAspect="1" noEditPoints="1"/>
+          </p:cNvSpPr>
+          <p:nvPr/>
+        </p:nvSpPr>
+        <p:spPr bwMode="auto">
+          <a:xfrm>
+            <a:off x="7455307" y="2012241"/>
+            <a:ext cx="215751" cy="301544"/>
+          </a:xfrm>
+          <a:custGeom>
+            <a:avLst/>
+            <a:gdLst>
+              <a:gd name="T0" fmla="*/ 239 w 239"/>
+              <a:gd name="T1" fmla="*/ 335 h 335"/>
+              <a:gd name="T2" fmla="*/ 0 w 239"/>
+              <a:gd name="T3" fmla="*/ 335 h 335"/>
+              <a:gd name="T4" fmla="*/ 0 w 239"/>
+              <a:gd name="T5" fmla="*/ 157 h 335"/>
+              <a:gd name="T6" fmla="*/ 239 w 239"/>
+              <a:gd name="T7" fmla="*/ 157 h 335"/>
+              <a:gd name="T8" fmla="*/ 239 w 239"/>
+              <a:gd name="T9" fmla="*/ 335 h 335"/>
+              <a:gd name="T10" fmla="*/ 196 w 239"/>
+              <a:gd name="T11" fmla="*/ 157 h 335"/>
+              <a:gd name="T12" fmla="*/ 196 w 239"/>
+              <a:gd name="T13" fmla="*/ 75 h 335"/>
+              <a:gd name="T14" fmla="*/ 121 w 239"/>
+              <a:gd name="T15" fmla="*/ 0 h 335"/>
+              <a:gd name="T16" fmla="*/ 46 w 239"/>
+              <a:gd name="T17" fmla="*/ 75 h 335"/>
+              <a:gd name="T18" fmla="*/ 46 w 239"/>
+              <a:gd name="T19" fmla="*/ 157 h 335"/>
+            </a:gdLst>
+            <a:ahLst/>
+            <a:cxnLst>
+              <a:cxn ang="0">
+                <a:pos x="T0" y="T1"/>
+              </a:cxn>
+              <a:cxn ang="0">
+                <a:pos x="T2" y="T3"/>
+              </a:cxn>
+              <a:cxn ang="0">
+                <a:pos x="T4" y="T5"/>
+              </a:cxn>
+              <a:cxn ang="0">
+                <a:pos x="T6" y="T7"/>
+              </a:cxn>
+              <a:cxn ang="0">
+                <a:pos x="T8" y="T9"/>
+              </a:cxn>
+              <a:cxn ang="0">
+                <a:pos x="T10" y="T11"/>
+              </a:cxn>
+              <a:cxn ang="0">
+                <a:pos x="T12" y="T13"/>
+              </a:cxn>
+              <a:cxn ang="0">
+                <a:pos x="T14" y="T15"/>
+              </a:cxn>
+              <a:cxn ang="0">
+                <a:pos x="T16" y="T17"/>
+              </a:cxn>
+              <a:cxn ang="0">
+                <a:pos x="T18" y="T19"/>
+              </a:cxn>
+            </a:cxnLst>
+            <a:rect l="0" t="0" r="r" b="b"/>
+            <a:pathLst>
+              <a:path w="239" h="335">
+                <a:moveTo>
+                  <a:pt x="239" y="335"/>
+                </a:moveTo>
+                <a:cubicBezTo>
+                  <a:pt x="0" y="335"/>
+                  <a:pt x="0" y="335"/>
+                  <a:pt x="0" y="335"/>
+                </a:cubicBezTo>
+                <a:cubicBezTo>
+                  <a:pt x="0" y="157"/>
+                  <a:pt x="0" y="157"/>
+                  <a:pt x="0" y="157"/>
+                </a:cubicBezTo>
+                <a:cubicBezTo>
+                  <a:pt x="239" y="157"/>
+                  <a:pt x="239" y="157"/>
+                  <a:pt x="239" y="157"/>
+                </a:cubicBezTo>
+                <a:lnTo>
+                  <a:pt x="239" y="335"/>
+                </a:lnTo>
+                <a:close/>
+                <a:moveTo>
+                  <a:pt x="196" y="157"/>
+                </a:moveTo>
+                <a:cubicBezTo>
+                  <a:pt x="196" y="75"/>
+                  <a:pt x="196" y="75"/>
+                  <a:pt x="196" y="75"/>
+                </a:cubicBezTo>
+                <a:cubicBezTo>
+                  <a:pt x="196" y="34"/>
+                  <a:pt x="163" y="0"/>
+                  <a:pt x="121" y="0"/>
+                </a:cubicBezTo>
+                <a:cubicBezTo>
+                  <a:pt x="79" y="0"/>
+                  <a:pt x="46" y="34"/>
+                  <a:pt x="46" y="75"/>
+                </a:cubicBezTo>
+                <a:cubicBezTo>
+                  <a:pt x="46" y="157"/>
+                  <a:pt x="46" y="157"/>
+                  <a:pt x="46" y="157"/>
+                </a:cubicBezTo>
+              </a:path>
+            </a:pathLst>
+          </a:custGeom>
+          <a:noFill/>
+          <a:ln w="15875" cap="sq">
+            <a:solidFill>
+              <a:schemeClr val="bg2">
+                <a:lumMod val="75000"/>
+              </a:schemeClr>
+            </a:solidFill>
+            <a:prstDash val="solid"/>
+            <a:miter lim="800000"/>
+            <a:headEnd/>
+            <a:tailEnd/>
+          </a:ln>
+          <a:extLst>
+            <a:ext uri="{909E8E84-426E-40DD-AFC4-6F175D3DCCD1}">
+              <a14:hiddenFill xmlns:a14="http://schemas.microsoft.com/office/drawing/2010/main">
+                <a:solidFill>
+                  <a:srgbClr val="FFFFFF"/>
+                </a:solidFill>
+              </a14:hiddenFill>
+            </a:ext>
+          </a:extLst>
+        </p:spPr>
+        <p:txBody>
+          <a:bodyPr vert="horz" wrap="square" lIns="91440" tIns="45720" rIns="91440" bIns="45720" numCol="1" anchor="t" anchorCtr="0" compatLnSpc="1">
+            <a:prstTxWarp prst="textNoShape">
+              <a:avLst/>
+            </a:prstTxWarp>
+          </a:bodyPr>
+          <a:lstStyle/>
+          <a:p>
+            <a:endParaRPr lang="en-US"/>
+          </a:p>
+        </p:txBody>
+      </p:sp>
+      <p:sp>
+        <p:nvSpPr>
+          <p:cNvPr id="7" name="Lock" title="Icon of a padlock">
+            <a:extLst>
+              <a:ext uri="{FF2B5EF4-FFF2-40B4-BE49-F238E27FC236}">
+                <a16:creationId xmlns:a16="http://schemas.microsoft.com/office/drawing/2014/main" id="{72827766-2CE5-4E90-6F52-B7DF84684DE6}"/>
+              </a:ext>
+            </a:extLst>
+          </p:cNvPr>
+          <p:cNvSpPr>
+            <a:spLocks noChangeAspect="1" noEditPoints="1"/>
+          </p:cNvSpPr>
+          <p:nvPr/>
+        </p:nvSpPr>
+        <p:spPr bwMode="auto">
+          <a:xfrm>
+            <a:off x="7455307" y="2016159"/>
+            <a:ext cx="215751" cy="301544"/>
+          </a:xfrm>
+          <a:custGeom>
+            <a:avLst/>
+            <a:gdLst>
+              <a:gd name="T0" fmla="*/ 239 w 239"/>
+              <a:gd name="T1" fmla="*/ 335 h 335"/>
+              <a:gd name="T2" fmla="*/ 0 w 239"/>
+              <a:gd name="T3" fmla="*/ 335 h 335"/>
+              <a:gd name="T4" fmla="*/ 0 w 239"/>
+              <a:gd name="T5" fmla="*/ 157 h 335"/>
+              <a:gd name="T6" fmla="*/ 239 w 239"/>
+              <a:gd name="T7" fmla="*/ 157 h 335"/>
+              <a:gd name="T8" fmla="*/ 239 w 239"/>
+              <a:gd name="T9" fmla="*/ 335 h 335"/>
+              <a:gd name="T10" fmla="*/ 196 w 239"/>
+              <a:gd name="T11" fmla="*/ 157 h 335"/>
+              <a:gd name="T12" fmla="*/ 196 w 239"/>
+              <a:gd name="T13" fmla="*/ 75 h 335"/>
+              <a:gd name="T14" fmla="*/ 121 w 239"/>
+              <a:gd name="T15" fmla="*/ 0 h 335"/>
+              <a:gd name="T16" fmla="*/ 46 w 239"/>
+              <a:gd name="T17" fmla="*/ 75 h 335"/>
+              <a:gd name="T18" fmla="*/ 46 w 239"/>
+              <a:gd name="T19" fmla="*/ 157 h 335"/>
+            </a:gdLst>
+            <a:ahLst/>
+            <a:cxnLst>
+              <a:cxn ang="0">
+                <a:pos x="T0" y="T1"/>
+              </a:cxn>
+              <a:cxn ang="0">
+                <a:pos x="T2" y="T3"/>
+              </a:cxn>
+              <a:cxn ang="0">
+                <a:pos x="T4" y="T5"/>
+              </a:cxn>
+              <a:cxn ang="0">
+                <a:pos x="T6" y="T7"/>
+              </a:cxn>
+              <a:cxn ang="0">
+                <a:pos x="T8" y="T9"/>
+              </a:cxn>
+              <a:cxn ang="0">
+                <a:pos x="T10" y="T11"/>
+              </a:cxn>
+              <a:cxn ang="0">
+                <a:pos x="T12" y="T13"/>
+              </a:cxn>
+              <a:cxn ang="0">
+                <a:pos x="T14" y="T15"/>
+              </a:cxn>
+              <a:cxn ang="0">
+                <a:pos x="T16" y="T17"/>
+              </a:cxn>
+              <a:cxn ang="0">
+                <a:pos x="T18" y="T19"/>
+              </a:cxn>
+            </a:cxnLst>
+            <a:rect l="0" t="0" r="r" b="b"/>
+            <a:pathLst>
+              <a:path w="239" h="335">
+                <a:moveTo>
+                  <a:pt x="239" y="335"/>
+                </a:moveTo>
+                <a:cubicBezTo>
+                  <a:pt x="0" y="335"/>
+                  <a:pt x="0" y="335"/>
+                  <a:pt x="0" y="335"/>
+                </a:cubicBezTo>
+                <a:cubicBezTo>
+                  <a:pt x="0" y="157"/>
+                  <a:pt x="0" y="157"/>
+                  <a:pt x="0" y="157"/>
+                </a:cubicBezTo>
+                <a:cubicBezTo>
+                  <a:pt x="239" y="157"/>
+                  <a:pt x="239" y="157"/>
+                  <a:pt x="239" y="157"/>
+                </a:cubicBezTo>
+                <a:lnTo>
+                  <a:pt x="239" y="335"/>
+                </a:lnTo>
+                <a:close/>
+                <a:moveTo>
+                  <a:pt x="196" y="157"/>
+                </a:moveTo>
+                <a:cubicBezTo>
+                  <a:pt x="196" y="75"/>
+                  <a:pt x="196" y="75"/>
+                  <a:pt x="196" y="75"/>
+                </a:cubicBezTo>
+                <a:cubicBezTo>
+                  <a:pt x="196" y="34"/>
+                  <a:pt x="163" y="0"/>
+                  <a:pt x="121" y="0"/>
+                </a:cubicBezTo>
+                <a:cubicBezTo>
+                  <a:pt x="79" y="0"/>
+                  <a:pt x="46" y="34"/>
+                  <a:pt x="46" y="75"/>
+                </a:cubicBezTo>
+                <a:cubicBezTo>
+                  <a:pt x="46" y="157"/>
+                  <a:pt x="46" y="157"/>
+                  <a:pt x="46" y="157"/>
+                </a:cubicBezTo>
+              </a:path>
+            </a:pathLst>
+          </a:custGeom>
+          <a:noFill/>
+          <a:ln w="15875" cap="sq">
+            <a:solidFill>
+              <a:schemeClr val="tx1"/>
+            </a:solidFill>
+            <a:prstDash val="solid"/>
+            <a:miter lim="800000"/>
+            <a:headEnd/>
+            <a:tailEnd/>
+          </a:ln>
+          <a:extLst>
+            <a:ext uri="{909E8E84-426E-40DD-AFC4-6F175D3DCCD1}">
+              <a14:hiddenFill xmlns:a14="http://schemas.microsoft.com/office/drawing/2010/main">
+                <a:solidFill>
+                  <a:srgbClr val="FFFFFF"/>
+                </a:solidFill>
+              </a14:hiddenFill>
+            </a:ext>
+          </a:extLst>
+        </p:spPr>
+        <p:txBody>
+          <a:bodyPr vert="horz" wrap="square" lIns="91440" tIns="45720" rIns="91440" bIns="45720" numCol="1" anchor="t" anchorCtr="0" compatLnSpc="1">
+            <a:prstTxWarp prst="textNoShape">
+              <a:avLst/>
+            </a:prstTxWarp>
+          </a:bodyPr>
+          <a:lstStyle/>
+          <a:p>
+            <a:endParaRPr lang="en-US"/>
+          </a:p>
+        </p:txBody>
+      </p:sp>
+      <p:grpSp>
+        <p:nvGrpSpPr>
+          <p:cNvPr id="8" name="Group 17">
+            <a:extLst>
+              <a:ext uri="{FF2B5EF4-FFF2-40B4-BE49-F238E27FC236}">
+                <a16:creationId xmlns:a16="http://schemas.microsoft.com/office/drawing/2014/main" id="{F6AD5A06-E698-0B3E-E76C-3DDE1466AC53}"/>
+              </a:ext>
+            </a:extLst>
+          </p:cNvPr>
+          <p:cNvGrpSpPr/>
+          <p:nvPr/>
+        </p:nvGrpSpPr>
+        <p:grpSpPr>
+          <a:xfrm>
+            <a:off x="3717648" y="1920598"/>
+            <a:ext cx="1511405" cy="1511405"/>
+            <a:chOff x="4435560" y="2302567"/>
+            <a:chExt cx="1828800" cy="1828800"/>
+          </a:xfrm>
+          <a:noFill/>
+        </p:grpSpPr>
+        <p:sp>
+          <p:nvSpPr>
+            <p:cNvPr id="42" name="Rectangle 15">
+              <a:extLst>
+                <a:ext uri="{FF2B5EF4-FFF2-40B4-BE49-F238E27FC236}">
+                  <a16:creationId xmlns:a16="http://schemas.microsoft.com/office/drawing/2014/main" id="{65412699-6511-1E60-4BCD-BAC781C5A5D5}"/>
+                </a:ext>
+              </a:extLst>
+            </p:cNvPr>
+            <p:cNvSpPr/>
+            <p:nvPr/>
+          </p:nvSpPr>
+          <p:spPr bwMode="auto">
+            <a:xfrm>
+              <a:off x="4435560" y="2302567"/>
+              <a:ext cx="1828800" cy="1828800"/>
+            </a:xfrm>
+            <a:prstGeom prst="rect">
+              <a:avLst/>
+            </a:prstGeom>
+            <a:grpFill/>
+            <a:ln>
+              <a:noFill/>
+              <a:headEnd type="none" w="med" len="med"/>
+              <a:tailEnd type="none" w="med" len="med"/>
+            </a:ln>
+            <a:effectLst/>
+          </p:spPr>
+          <p:style>
+            <a:lnRef idx="1">
+              <a:schemeClr val="accent2"/>
+            </a:lnRef>
+            <a:fillRef idx="3">
+              <a:schemeClr val="accent2"/>
+            </a:fillRef>
+            <a:effectRef idx="2">
+              <a:schemeClr val="accent2"/>
+            </a:effectRef>
+            <a:fontRef idx="minor">
+              <a:schemeClr val="lt1"/>
+            </a:fontRef>
+          </p:style>
+          <p:txBody>
+            <a:bodyPr rot="0" spcFirstLastPara="0" vertOverflow="overflow" horzOverflow="overflow" vert="horz" wrap="square" lIns="182880" tIns="146304" rIns="182880" bIns="146304" numCol="1" spcCol="0" rtlCol="0" fromWordArt="0" anchor="t" anchorCtr="0" forceAA="0" compatLnSpc="1">
+              <a:prstTxWarp prst="textNoShape">
+                <a:avLst/>
+              </a:prstTxWarp>
+              <a:noAutofit/>
+            </a:bodyPr>
+            <a:lstStyle/>
+            <a:p>
+              <a:pPr algn="l" defTabSz="932472" fontAlgn="base">
+                <a:spcBef>
+                  <a:spcPct val="0"/>
+                </a:spcBef>
+                <a:spcAft>
+                  <a:spcPct val="0"/>
+                </a:spcAft>
+              </a:pPr>
+              <a:endParaRPr lang="en-US" sz="2000" err="1">
+                <a:gradFill>
+                  <a:gsLst>
+                    <a:gs pos="0">
+                      <a:srgbClr val="FFFFFF"/>
+                    </a:gs>
+                    <a:gs pos="100000">
+                      <a:srgbClr val="FFFFFF"/>
+                    </a:gs>
+                  </a:gsLst>
+                  <a:lin ang="5400000" scaled="0"/>
+                </a:gradFill>
+                <a:ea typeface="Segoe UI" pitchFamily="34" charset="0"/>
+                <a:cs typeface="Segoe UI" pitchFamily="34" charset="0"/>
+              </a:endParaRPr>
+            </a:p>
+          </p:txBody>
+        </p:sp>
+        <p:sp>
+          <p:nvSpPr>
+            <p:cNvPr id="43" name="key" title="Icon of a key">
+              <a:extLst>
+                <a:ext uri="{FF2B5EF4-FFF2-40B4-BE49-F238E27FC236}">
+                  <a16:creationId xmlns:a16="http://schemas.microsoft.com/office/drawing/2014/main" id="{F1916C52-AC32-D231-3EA2-3E88F69B0905}"/>
+                </a:ext>
+              </a:extLst>
+            </p:cNvPr>
+            <p:cNvSpPr>
+              <a:spLocks noChangeAspect="1" noEditPoints="1"/>
+            </p:cNvSpPr>
+            <p:nvPr/>
+          </p:nvSpPr>
+          <p:spPr bwMode="auto">
+            <a:xfrm>
+              <a:off x="5492229" y="2386911"/>
+              <a:ext cx="367646" cy="365760"/>
+            </a:xfrm>
+            <a:custGeom>
+              <a:avLst/>
+              <a:gdLst>
+                <a:gd name="T0" fmla="*/ 175 w 330"/>
+                <a:gd name="T1" fmla="*/ 198 h 328"/>
+                <a:gd name="T2" fmla="*/ 109 w 330"/>
+                <a:gd name="T3" fmla="*/ 220 h 328"/>
+                <a:gd name="T4" fmla="*/ 0 w 330"/>
+                <a:gd name="T5" fmla="*/ 110 h 328"/>
+                <a:gd name="T6" fmla="*/ 109 w 330"/>
+                <a:gd name="T7" fmla="*/ 0 h 328"/>
+                <a:gd name="T8" fmla="*/ 219 w 330"/>
+                <a:gd name="T9" fmla="*/ 110 h 328"/>
+                <a:gd name="T10" fmla="*/ 214 w 330"/>
+                <a:gd name="T11" fmla="*/ 143 h 328"/>
+                <a:gd name="T12" fmla="*/ 330 w 330"/>
+                <a:gd name="T13" fmla="*/ 258 h 328"/>
+                <a:gd name="T14" fmla="*/ 330 w 330"/>
+                <a:gd name="T15" fmla="*/ 328 h 328"/>
+                <a:gd name="T16" fmla="*/ 264 w 330"/>
+                <a:gd name="T17" fmla="*/ 328 h 328"/>
+                <a:gd name="T18" fmla="*/ 264 w 330"/>
+                <a:gd name="T19" fmla="*/ 283 h 328"/>
+                <a:gd name="T20" fmla="*/ 221 w 330"/>
+                <a:gd name="T21" fmla="*/ 283 h 328"/>
+                <a:gd name="T22" fmla="*/ 221 w 330"/>
+                <a:gd name="T23" fmla="*/ 239 h 328"/>
+                <a:gd name="T24" fmla="*/ 175 w 330"/>
+                <a:gd name="T25" fmla="*/ 239 h 328"/>
+                <a:gd name="T26" fmla="*/ 175 w 330"/>
+                <a:gd name="T27" fmla="*/ 198 h 328"/>
+                <a:gd name="T28" fmla="*/ 76 w 330"/>
+                <a:gd name="T29" fmla="*/ 91 h 328"/>
+                <a:gd name="T30" fmla="*/ 91 w 330"/>
+                <a:gd name="T31" fmla="*/ 76 h 328"/>
+                <a:gd name="T32" fmla="*/ 76 w 330"/>
+                <a:gd name="T33" fmla="*/ 60 h 328"/>
+                <a:gd name="T34" fmla="*/ 60 w 330"/>
+                <a:gd name="T35" fmla="*/ 76 h 328"/>
+                <a:gd name="T36" fmla="*/ 76 w 330"/>
+                <a:gd name="T37" fmla="*/ 91 h 328"/>
+              </a:gdLst>
+              <a:ahLst/>
+              <a:cxnLst>
+                <a:cxn ang="0">
+                  <a:pos x="T0" y="T1"/>
+                </a:cxn>
+                <a:cxn ang="0">
+                  <a:pos x="T2" y="T3"/>
+                </a:cxn>
+                <a:cxn ang="0">
+                  <a:pos x="T4" y="T5"/>
+                </a:cxn>
+                <a:cxn ang="0">
+                  <a:pos x="T6" y="T7"/>
+                </a:cxn>
+                <a:cxn ang="0">
+                  <a:pos x="T8" y="T9"/>
+                </a:cxn>
+                <a:cxn ang="0">
+                  <a:pos x="T10" y="T11"/>
+                </a:cxn>
+                <a:cxn ang="0">
+                  <a:pos x="T12" y="T13"/>
+                </a:cxn>
+                <a:cxn ang="0">
+                  <a:pos x="T14" y="T15"/>
+                </a:cxn>
+                <a:cxn ang="0">
+                  <a:pos x="T16" y="T17"/>
+                </a:cxn>
+                <a:cxn ang="0">
+                  <a:pos x="T18" y="T19"/>
+                </a:cxn>
+                <a:cxn ang="0">
+                  <a:pos x="T20" y="T21"/>
+                </a:cxn>
+                <a:cxn ang="0">
+                  <a:pos x="T22" y="T23"/>
+                </a:cxn>
+                <a:cxn ang="0">
+                  <a:pos x="T24" y="T25"/>
+                </a:cxn>
+                <a:cxn ang="0">
+                  <a:pos x="T26" y="T27"/>
+                </a:cxn>
+                <a:cxn ang="0">
+                  <a:pos x="T28" y="T29"/>
+                </a:cxn>
+                <a:cxn ang="0">
+                  <a:pos x="T30" y="T31"/>
+                </a:cxn>
+                <a:cxn ang="0">
+                  <a:pos x="T32" y="T33"/>
+                </a:cxn>
+                <a:cxn ang="0">
+                  <a:pos x="T34" y="T35"/>
+                </a:cxn>
+                <a:cxn ang="0">
+                  <a:pos x="T36" y="T37"/>
+                </a:cxn>
+              </a:cxnLst>
+              <a:rect l="0" t="0" r="r" b="b"/>
+              <a:pathLst>
+                <a:path w="330" h="328">
+                  <a:moveTo>
+                    <a:pt x="175" y="198"/>
+                  </a:moveTo>
+                  <a:cubicBezTo>
+                    <a:pt x="157" y="212"/>
+                    <a:pt x="134" y="220"/>
+                    <a:pt x="109" y="220"/>
+                  </a:cubicBezTo>
+                  <a:cubicBezTo>
+                    <a:pt x="49" y="220"/>
+                    <a:pt x="0" y="171"/>
+                    <a:pt x="0" y="110"/>
+                  </a:cubicBezTo>
+                  <a:cubicBezTo>
+                    <a:pt x="0" y="49"/>
+                    <a:pt x="49" y="0"/>
+                    <a:pt x="109" y="0"/>
+                  </a:cubicBezTo>
+                  <a:cubicBezTo>
+                    <a:pt x="170" y="0"/>
+                    <a:pt x="219" y="49"/>
+                    <a:pt x="219" y="110"/>
+                  </a:cubicBezTo>
+                  <a:cubicBezTo>
+                    <a:pt x="219" y="122"/>
+                    <a:pt x="217" y="133"/>
+                    <a:pt x="214" y="143"/>
+                  </a:cubicBezTo>
+                  <a:cubicBezTo>
+                    <a:pt x="330" y="258"/>
+                    <a:pt x="330" y="258"/>
+                    <a:pt x="330" y="258"/>
+                  </a:cubicBezTo>
+                  <a:cubicBezTo>
+                    <a:pt x="330" y="328"/>
+                    <a:pt x="330" y="328"/>
+                    <a:pt x="330" y="328"/>
+                  </a:cubicBezTo>
+                  <a:cubicBezTo>
+                    <a:pt x="264" y="328"/>
+                    <a:pt x="264" y="328"/>
+                    <a:pt x="264" y="328"/>
+                  </a:cubicBezTo>
+                  <a:cubicBezTo>
+                    <a:pt x="264" y="283"/>
+                    <a:pt x="264" y="283"/>
+                    <a:pt x="264" y="283"/>
+                  </a:cubicBezTo>
+                  <a:cubicBezTo>
+                    <a:pt x="221" y="283"/>
+                    <a:pt x="221" y="283"/>
+                    <a:pt x="221" y="283"/>
+                  </a:cubicBezTo>
+                  <a:cubicBezTo>
+                    <a:pt x="221" y="239"/>
+                    <a:pt x="221" y="239"/>
+                    <a:pt x="221" y="239"/>
+                  </a:cubicBezTo>
+                  <a:cubicBezTo>
+                    <a:pt x="175" y="239"/>
+                    <a:pt x="175" y="239"/>
+                    <a:pt x="175" y="239"/>
+                  </a:cubicBezTo>
+                  <a:lnTo>
+                    <a:pt x="175" y="198"/>
+                  </a:lnTo>
+                  <a:close/>
+                  <a:moveTo>
+                    <a:pt x="76" y="91"/>
+                  </a:moveTo>
+                  <a:cubicBezTo>
+                    <a:pt x="84" y="91"/>
+                    <a:pt x="91" y="84"/>
+                    <a:pt x="91" y="76"/>
+                  </a:cubicBezTo>
+                  <a:cubicBezTo>
+                    <a:pt x="91" y="67"/>
+                    <a:pt x="84" y="60"/>
+                    <a:pt x="76" y="60"/>
+                  </a:cubicBezTo>
+                  <a:cubicBezTo>
+                    <a:pt x="67" y="60"/>
+                    <a:pt x="60" y="67"/>
+                    <a:pt x="60" y="76"/>
+                  </a:cubicBezTo>
+                  <a:cubicBezTo>
+                    <a:pt x="60" y="84"/>
+                    <a:pt x="67" y="91"/>
+                    <a:pt x="76" y="91"/>
+                  </a:cubicBezTo>
+                  <a:close/>
+                </a:path>
+              </a:pathLst>
+            </a:custGeom>
+            <a:grpFill/>
+            <a:ln w="15875" cap="sq">
+              <a:solidFill>
+                <a:schemeClr val="tx1"/>
+              </a:solidFill>
+              <a:prstDash val="solid"/>
+              <a:miter lim="800000"/>
+              <a:headEnd/>
+              <a:tailEnd/>
+            </a:ln>
+          </p:spPr>
+          <p:txBody>
+            <a:bodyPr vert="horz" wrap="square" lIns="91440" tIns="45720" rIns="91440" bIns="45720" numCol="1" anchor="t" anchorCtr="0" compatLnSpc="1">
+              <a:prstTxWarp prst="textNoShape">
+                <a:avLst/>
+              </a:prstTxWarp>
+            </a:bodyPr>
+            <a:lstStyle/>
+            <a:p>
+              <a:endParaRPr lang="en-US"/>
+            </a:p>
+          </p:txBody>
+        </p:sp>
+        <p:sp>
+          <p:nvSpPr>
+            <p:cNvPr id="44" name="Commitments_EC4D" title="Icon of a handshake">
+              <a:extLst>
+                <a:ext uri="{FF2B5EF4-FFF2-40B4-BE49-F238E27FC236}">
+                  <a16:creationId xmlns:a16="http://schemas.microsoft.com/office/drawing/2014/main" id="{650A0E9F-027A-E6E4-A7A5-BBB648A7FEE7}"/>
+                </a:ext>
+              </a:extLst>
+            </p:cNvPr>
+            <p:cNvSpPr>
+              <a:spLocks noChangeAspect="1" noEditPoints="1"/>
+            </p:cNvSpPr>
+            <p:nvPr/>
+          </p:nvSpPr>
+          <p:spPr bwMode="auto">
+            <a:xfrm>
+              <a:off x="4862344" y="2725464"/>
+              <a:ext cx="975229" cy="914400"/>
+            </a:xfrm>
+            <a:custGeom>
+              <a:avLst/>
+              <a:gdLst>
+                <a:gd name="T0" fmla="*/ 56 w 3762"/>
+                <a:gd name="T1" fmla="*/ 1280 h 3526"/>
+                <a:gd name="T2" fmla="*/ 1246 w 3762"/>
+                <a:gd name="T3" fmla="*/ 30 h 3526"/>
+                <a:gd name="T4" fmla="*/ 1589 w 3762"/>
+                <a:gd name="T5" fmla="*/ 313 h 3526"/>
+                <a:gd name="T6" fmla="*/ 104 w 3762"/>
+                <a:gd name="T7" fmla="*/ 2297 h 3526"/>
+                <a:gd name="T8" fmla="*/ 698 w 3762"/>
+                <a:gd name="T9" fmla="*/ 2078 h 3526"/>
+                <a:gd name="T10" fmla="*/ 323 w 3762"/>
+                <a:gd name="T11" fmla="*/ 1703 h 3526"/>
+                <a:gd name="T12" fmla="*/ 2479 w 3762"/>
+                <a:gd name="T13" fmla="*/ 2578 h 3526"/>
+                <a:gd name="T14" fmla="*/ 3073 w 3762"/>
+                <a:gd name="T15" fmla="*/ 2797 h 3526"/>
+                <a:gd name="T16" fmla="*/ 2854 w 3762"/>
+                <a:gd name="T17" fmla="*/ 2203 h 3526"/>
+                <a:gd name="T18" fmla="*/ 1823 w 3762"/>
+                <a:gd name="T19" fmla="*/ 3422 h 3526"/>
+                <a:gd name="T20" fmla="*/ 2198 w 3762"/>
+                <a:gd name="T21" fmla="*/ 3047 h 3526"/>
+                <a:gd name="T22" fmla="*/ 2698 w 3762"/>
+                <a:gd name="T23" fmla="*/ 3172 h 3526"/>
+                <a:gd name="T24" fmla="*/ 2479 w 3762"/>
+                <a:gd name="T25" fmla="*/ 2578 h 3526"/>
+                <a:gd name="T26" fmla="*/ 479 w 3762"/>
+                <a:gd name="T27" fmla="*/ 2672 h 3526"/>
+                <a:gd name="T28" fmla="*/ 1073 w 3762"/>
+                <a:gd name="T29" fmla="*/ 2453 h 3526"/>
+                <a:gd name="T30" fmla="*/ 698 w 3762"/>
+                <a:gd name="T31" fmla="*/ 2078 h 3526"/>
+                <a:gd name="T32" fmla="*/ 854 w 3762"/>
+                <a:gd name="T33" fmla="*/ 2672 h 3526"/>
+                <a:gd name="T34" fmla="*/ 1229 w 3762"/>
+                <a:gd name="T35" fmla="*/ 3047 h 3526"/>
+                <a:gd name="T36" fmla="*/ 1448 w 3762"/>
+                <a:gd name="T37" fmla="*/ 2453 h 3526"/>
+                <a:gd name="T38" fmla="*/ 854 w 3762"/>
+                <a:gd name="T39" fmla="*/ 2672 h 3526"/>
+                <a:gd name="T40" fmla="*/ 1229 w 3762"/>
+                <a:gd name="T41" fmla="*/ 3422 h 3526"/>
+                <a:gd name="T42" fmla="*/ 1823 w 3762"/>
+                <a:gd name="T43" fmla="*/ 3203 h 3526"/>
+                <a:gd name="T44" fmla="*/ 1448 w 3762"/>
+                <a:gd name="T45" fmla="*/ 2828 h 3526"/>
+                <a:gd name="T46" fmla="*/ 3214 w 3762"/>
+                <a:gd name="T47" fmla="*/ 1813 h 3526"/>
+                <a:gd name="T48" fmla="*/ 3746 w 3762"/>
+                <a:gd name="T49" fmla="*/ 1220 h 3526"/>
+                <a:gd name="T50" fmla="*/ 2526 w 3762"/>
+                <a:gd name="T51" fmla="*/ 0 h 3526"/>
+                <a:gd name="T52" fmla="*/ 1412 w 3762"/>
+                <a:gd name="T53" fmla="*/ 385 h 3526"/>
+                <a:gd name="T54" fmla="*/ 1026 w 3762"/>
+                <a:gd name="T55" fmla="*/ 1250 h 3526"/>
+                <a:gd name="T56" fmla="*/ 1276 w 3762"/>
+                <a:gd name="T57" fmla="*/ 1500 h 3526"/>
+                <a:gd name="T58" fmla="*/ 2026 w 3762"/>
+                <a:gd name="T59" fmla="*/ 750 h 3526"/>
+                <a:gd name="T60" fmla="*/ 3448 w 3762"/>
+                <a:gd name="T61" fmla="*/ 2047 h 3526"/>
+                <a:gd name="T62" fmla="*/ 3071 w 3762"/>
+                <a:gd name="T63" fmla="*/ 2420 h 3526"/>
+              </a:gdLst>
+              <a:ahLst/>
+              <a:cxnLst>
+                <a:cxn ang="0">
+                  <a:pos x="T0" y="T1"/>
+                </a:cxn>
+                <a:cxn ang="0">
+                  <a:pos x="T2" y="T3"/>
+                </a:cxn>
+                <a:cxn ang="0">
+                  <a:pos x="T4" y="T5"/>
+                </a:cxn>
+                <a:cxn ang="0">
+                  <a:pos x="T6" y="T7"/>
+                </a:cxn>
+                <a:cxn ang="0">
+                  <a:pos x="T8" y="T9"/>
+                </a:cxn>
+                <a:cxn ang="0">
+                  <a:pos x="T10" y="T11"/>
+                </a:cxn>
+                <a:cxn ang="0">
+                  <a:pos x="T12" y="T13"/>
+                </a:cxn>
+                <a:cxn ang="0">
+                  <a:pos x="T14" y="T15"/>
+                </a:cxn>
+                <a:cxn ang="0">
+                  <a:pos x="T16" y="T17"/>
+                </a:cxn>
+                <a:cxn ang="0">
+                  <a:pos x="T18" y="T19"/>
+                </a:cxn>
+                <a:cxn ang="0">
+                  <a:pos x="T20" y="T21"/>
+                </a:cxn>
+                <a:cxn ang="0">
+                  <a:pos x="T22" y="T23"/>
+                </a:cxn>
+                <a:cxn ang="0">
+                  <a:pos x="T24" y="T25"/>
+                </a:cxn>
+                <a:cxn ang="0">
+                  <a:pos x="T26" y="T27"/>
+                </a:cxn>
+                <a:cxn ang="0">
+                  <a:pos x="T28" y="T29"/>
+                </a:cxn>
+                <a:cxn ang="0">
+                  <a:pos x="T30" y="T31"/>
+                </a:cxn>
+                <a:cxn ang="0">
+                  <a:pos x="T32" y="T33"/>
+                </a:cxn>
+                <a:cxn ang="0">
+                  <a:pos x="T34" y="T35"/>
+                </a:cxn>
+                <a:cxn ang="0">
+                  <a:pos x="T36" y="T37"/>
+                </a:cxn>
+                <a:cxn ang="0">
+                  <a:pos x="T38" y="T39"/>
+                </a:cxn>
+                <a:cxn ang="0">
+                  <a:pos x="T40" y="T41"/>
+                </a:cxn>
+                <a:cxn ang="0">
+                  <a:pos x="T42" y="T43"/>
+                </a:cxn>
+                <a:cxn ang="0">
+                  <a:pos x="T44" y="T45"/>
+                </a:cxn>
+                <a:cxn ang="0">
+                  <a:pos x="T46" y="T47"/>
+                </a:cxn>
+                <a:cxn ang="0">
+                  <a:pos x="T48" y="T49"/>
+                </a:cxn>
+                <a:cxn ang="0">
+                  <a:pos x="T50" y="T51"/>
+                </a:cxn>
+                <a:cxn ang="0">
+                  <a:pos x="T52" y="T53"/>
+                </a:cxn>
+                <a:cxn ang="0">
+                  <a:pos x="T54" y="T55"/>
+                </a:cxn>
+                <a:cxn ang="0">
+                  <a:pos x="T56" y="T57"/>
+                </a:cxn>
+                <a:cxn ang="0">
+                  <a:pos x="T58" y="T59"/>
+                </a:cxn>
+                <a:cxn ang="0">
+                  <a:pos x="T60" y="T61"/>
+                </a:cxn>
+                <a:cxn ang="0">
+                  <a:pos x="T62" y="T63"/>
+                </a:cxn>
+              </a:cxnLst>
+              <a:rect l="0" t="0" r="r" b="b"/>
+              <a:pathLst>
+                <a:path w="3762" h="3526">
+                  <a:moveTo>
+                    <a:pt x="401" y="1625"/>
+                  </a:moveTo>
+                  <a:cubicBezTo>
+                    <a:pt x="56" y="1280"/>
+                    <a:pt x="56" y="1280"/>
+                    <a:pt x="56" y="1280"/>
+                  </a:cubicBezTo>
+                  <a:cubicBezTo>
+                    <a:pt x="40" y="1264"/>
+                    <a:pt x="40" y="1236"/>
+                    <a:pt x="56" y="1220"/>
+                  </a:cubicBezTo>
+                  <a:cubicBezTo>
+                    <a:pt x="1246" y="30"/>
+                    <a:pt x="1246" y="30"/>
+                    <a:pt x="1246" y="30"/>
+                  </a:cubicBezTo>
+                  <a:cubicBezTo>
+                    <a:pt x="1262" y="14"/>
+                    <a:pt x="1290" y="14"/>
+                    <a:pt x="1306" y="30"/>
+                  </a:cubicBezTo>
+                  <a:cubicBezTo>
+                    <a:pt x="1589" y="313"/>
+                    <a:pt x="1589" y="313"/>
+                    <a:pt x="1589" y="313"/>
+                  </a:cubicBezTo>
+                  <a:moveTo>
+                    <a:pt x="104" y="1922"/>
+                  </a:moveTo>
+                  <a:cubicBezTo>
+                    <a:pt x="0" y="2026"/>
+                    <a:pt x="0" y="2194"/>
+                    <a:pt x="104" y="2297"/>
+                  </a:cubicBezTo>
+                  <a:cubicBezTo>
+                    <a:pt x="207" y="2401"/>
+                    <a:pt x="375" y="2401"/>
+                    <a:pt x="479" y="2297"/>
+                  </a:cubicBezTo>
+                  <a:cubicBezTo>
+                    <a:pt x="698" y="2078"/>
+                    <a:pt x="698" y="2078"/>
+                    <a:pt x="698" y="2078"/>
+                  </a:cubicBezTo>
+                  <a:cubicBezTo>
+                    <a:pt x="802" y="1974"/>
+                    <a:pt x="802" y="1806"/>
+                    <a:pt x="698" y="1703"/>
+                  </a:cubicBezTo>
+                  <a:cubicBezTo>
+                    <a:pt x="595" y="1599"/>
+                    <a:pt x="427" y="1599"/>
+                    <a:pt x="323" y="1703"/>
+                  </a:cubicBezTo>
+                  <a:lnTo>
+                    <a:pt x="104" y="1922"/>
+                  </a:lnTo>
+                  <a:close/>
+                  <a:moveTo>
+                    <a:pt x="2479" y="2578"/>
+                  </a:moveTo>
+                  <a:cubicBezTo>
+                    <a:pt x="2698" y="2797"/>
+                    <a:pt x="2698" y="2797"/>
+                    <a:pt x="2698" y="2797"/>
+                  </a:cubicBezTo>
+                  <a:cubicBezTo>
+                    <a:pt x="2802" y="2901"/>
+                    <a:pt x="2970" y="2901"/>
+                    <a:pt x="3073" y="2797"/>
+                  </a:cubicBezTo>
+                  <a:cubicBezTo>
+                    <a:pt x="3177" y="2694"/>
+                    <a:pt x="3177" y="2526"/>
+                    <a:pt x="3073" y="2422"/>
+                  </a:cubicBezTo>
+                  <a:cubicBezTo>
+                    <a:pt x="2854" y="2203"/>
+                    <a:pt x="2854" y="2203"/>
+                    <a:pt x="2854" y="2203"/>
+                  </a:cubicBezTo>
+                  <a:moveTo>
+                    <a:pt x="1714" y="3313"/>
+                  </a:moveTo>
+                  <a:cubicBezTo>
+                    <a:pt x="1823" y="3422"/>
+                    <a:pt x="1823" y="3422"/>
+                    <a:pt x="1823" y="3422"/>
+                  </a:cubicBezTo>
+                  <a:cubicBezTo>
+                    <a:pt x="1927" y="3526"/>
+                    <a:pt x="2095" y="3526"/>
+                    <a:pt x="2198" y="3422"/>
+                  </a:cubicBezTo>
+                  <a:cubicBezTo>
+                    <a:pt x="2302" y="3319"/>
+                    <a:pt x="2302" y="3151"/>
+                    <a:pt x="2198" y="3047"/>
+                  </a:cubicBezTo>
+                  <a:cubicBezTo>
+                    <a:pt x="2323" y="3172"/>
+                    <a:pt x="2323" y="3172"/>
+                    <a:pt x="2323" y="3172"/>
+                  </a:cubicBezTo>
+                  <a:cubicBezTo>
+                    <a:pt x="2427" y="3276"/>
+                    <a:pt x="2595" y="3276"/>
+                    <a:pt x="2698" y="3172"/>
+                  </a:cubicBezTo>
+                  <a:cubicBezTo>
+                    <a:pt x="2802" y="3069"/>
+                    <a:pt x="2802" y="2901"/>
+                    <a:pt x="2698" y="2797"/>
+                  </a:cubicBezTo>
+                  <a:cubicBezTo>
+                    <a:pt x="2479" y="2578"/>
+                    <a:pt x="2479" y="2578"/>
+                    <a:pt x="2479" y="2578"/>
+                  </a:cubicBezTo>
+                  <a:moveTo>
+                    <a:pt x="479" y="2297"/>
+                  </a:moveTo>
+                  <a:cubicBezTo>
+                    <a:pt x="375" y="2401"/>
+                    <a:pt x="375" y="2569"/>
+                    <a:pt x="479" y="2672"/>
+                  </a:cubicBezTo>
+                  <a:cubicBezTo>
+                    <a:pt x="582" y="2776"/>
+                    <a:pt x="750" y="2776"/>
+                    <a:pt x="854" y="2672"/>
+                  </a:cubicBezTo>
+                  <a:cubicBezTo>
+                    <a:pt x="1073" y="2453"/>
+                    <a:pt x="1073" y="2453"/>
+                    <a:pt x="1073" y="2453"/>
+                  </a:cubicBezTo>
+                  <a:cubicBezTo>
+                    <a:pt x="1177" y="2349"/>
+                    <a:pt x="1177" y="2181"/>
+                    <a:pt x="1073" y="2078"/>
+                  </a:cubicBezTo>
+                  <a:cubicBezTo>
+                    <a:pt x="970" y="1974"/>
+                    <a:pt x="802" y="1974"/>
+                    <a:pt x="698" y="2078"/>
+                  </a:cubicBezTo>
+                  <a:lnTo>
+                    <a:pt x="479" y="2297"/>
+                  </a:lnTo>
+                  <a:close/>
+                  <a:moveTo>
+                    <a:pt x="854" y="2672"/>
+                  </a:moveTo>
+                  <a:cubicBezTo>
+                    <a:pt x="750" y="2776"/>
+                    <a:pt x="750" y="2944"/>
+                    <a:pt x="854" y="3047"/>
+                  </a:cubicBezTo>
+                  <a:cubicBezTo>
+                    <a:pt x="957" y="3151"/>
+                    <a:pt x="1125" y="3151"/>
+                    <a:pt x="1229" y="3047"/>
+                  </a:cubicBezTo>
+                  <a:cubicBezTo>
+                    <a:pt x="1448" y="2828"/>
+                    <a:pt x="1448" y="2828"/>
+                    <a:pt x="1448" y="2828"/>
+                  </a:cubicBezTo>
+                  <a:cubicBezTo>
+                    <a:pt x="1552" y="2724"/>
+                    <a:pt x="1552" y="2556"/>
+                    <a:pt x="1448" y="2453"/>
+                  </a:cubicBezTo>
+                  <a:cubicBezTo>
+                    <a:pt x="1345" y="2349"/>
+                    <a:pt x="1177" y="2349"/>
+                    <a:pt x="1073" y="2453"/>
+                  </a:cubicBezTo>
+                  <a:lnTo>
+                    <a:pt x="854" y="2672"/>
+                  </a:lnTo>
+                  <a:close/>
+                  <a:moveTo>
+                    <a:pt x="1229" y="3047"/>
+                  </a:moveTo>
+                  <a:cubicBezTo>
+                    <a:pt x="1125" y="3151"/>
+                    <a:pt x="1125" y="3319"/>
+                    <a:pt x="1229" y="3422"/>
+                  </a:cubicBezTo>
+                  <a:cubicBezTo>
+                    <a:pt x="1332" y="3526"/>
+                    <a:pt x="1500" y="3526"/>
+                    <a:pt x="1604" y="3422"/>
+                  </a:cubicBezTo>
+                  <a:cubicBezTo>
+                    <a:pt x="1823" y="3203"/>
+                    <a:pt x="1823" y="3203"/>
+                    <a:pt x="1823" y="3203"/>
+                  </a:cubicBezTo>
+                  <a:cubicBezTo>
+                    <a:pt x="1927" y="3099"/>
+                    <a:pt x="1927" y="2931"/>
+                    <a:pt x="1823" y="2828"/>
+                  </a:cubicBezTo>
+                  <a:cubicBezTo>
+                    <a:pt x="1720" y="2724"/>
+                    <a:pt x="1552" y="2724"/>
+                    <a:pt x="1448" y="2828"/>
+                  </a:cubicBezTo>
+                  <a:lnTo>
+                    <a:pt x="1229" y="3047"/>
+                  </a:lnTo>
+                  <a:close/>
+                  <a:moveTo>
+                    <a:pt x="3214" y="1813"/>
+                  </a:moveTo>
+                  <a:cubicBezTo>
+                    <a:pt x="3746" y="1280"/>
+                    <a:pt x="3746" y="1280"/>
+                    <a:pt x="3746" y="1280"/>
+                  </a:cubicBezTo>
+                  <a:cubicBezTo>
+                    <a:pt x="3762" y="1264"/>
+                    <a:pt x="3762" y="1236"/>
+                    <a:pt x="3746" y="1220"/>
+                  </a:cubicBezTo>
+                  <a:cubicBezTo>
+                    <a:pt x="2526" y="0"/>
+                    <a:pt x="2526" y="0"/>
+                    <a:pt x="2526" y="0"/>
+                  </a:cubicBezTo>
+                  <a:cubicBezTo>
+                    <a:pt x="2526" y="0"/>
+                    <a:pt x="2526" y="0"/>
+                    <a:pt x="2526" y="0"/>
+                  </a:cubicBezTo>
+                  <a:cubicBezTo>
+                    <a:pt x="1436" y="363"/>
+                    <a:pt x="1436" y="363"/>
+                    <a:pt x="1436" y="363"/>
+                  </a:cubicBezTo>
+                  <a:cubicBezTo>
+                    <a:pt x="1426" y="367"/>
+                    <a:pt x="1417" y="375"/>
+                    <a:pt x="1412" y="385"/>
+                  </a:cubicBezTo>
+                  <a:cubicBezTo>
+                    <a:pt x="1057" y="1094"/>
+                    <a:pt x="1057" y="1094"/>
+                    <a:pt x="1057" y="1094"/>
+                  </a:cubicBezTo>
+                  <a:cubicBezTo>
+                    <a:pt x="1037" y="1142"/>
+                    <a:pt x="1026" y="1195"/>
+                    <a:pt x="1026" y="1250"/>
+                  </a:cubicBezTo>
+                  <a:cubicBezTo>
+                    <a:pt x="1026" y="1319"/>
+                    <a:pt x="1054" y="1382"/>
+                    <a:pt x="1099" y="1427"/>
+                  </a:cubicBezTo>
+                  <a:cubicBezTo>
+                    <a:pt x="1144" y="1472"/>
+                    <a:pt x="1207" y="1500"/>
+                    <a:pt x="1276" y="1500"/>
+                  </a:cubicBezTo>
+                  <a:cubicBezTo>
+                    <a:pt x="1483" y="1500"/>
+                    <a:pt x="1651" y="1332"/>
+                    <a:pt x="1651" y="1125"/>
+                  </a:cubicBezTo>
+                  <a:cubicBezTo>
+                    <a:pt x="1651" y="918"/>
+                    <a:pt x="1819" y="750"/>
+                    <a:pt x="2026" y="750"/>
+                  </a:cubicBezTo>
+                  <a:cubicBezTo>
+                    <a:pt x="2094" y="750"/>
+                    <a:pt x="2162" y="771"/>
+                    <a:pt x="2214" y="813"/>
+                  </a:cubicBezTo>
+                  <a:cubicBezTo>
+                    <a:pt x="3448" y="2047"/>
+                    <a:pt x="3448" y="2047"/>
+                    <a:pt x="3448" y="2047"/>
+                  </a:cubicBezTo>
+                  <a:cubicBezTo>
+                    <a:pt x="3553" y="2152"/>
+                    <a:pt x="3552" y="2321"/>
+                    <a:pt x="3446" y="2425"/>
+                  </a:cubicBezTo>
+                  <a:cubicBezTo>
+                    <a:pt x="3341" y="2527"/>
+                    <a:pt x="3174" y="2523"/>
+                    <a:pt x="3071" y="2420"/>
+                  </a:cubicBezTo>
+                  <a:cubicBezTo>
+                    <a:pt x="2854" y="2203"/>
+                    <a:pt x="2854" y="2203"/>
+                    <a:pt x="2854" y="2203"/>
+                  </a:cubicBezTo>
+                </a:path>
+              </a:pathLst>
+            </a:custGeom>
+            <a:grpFill/>
+            <a:ln w="15875" cap="sq">
+              <a:solidFill>
+                <a:schemeClr val="tx1"/>
+              </a:solidFill>
+              <a:prstDash val="solid"/>
+              <a:miter lim="800000"/>
+              <a:headEnd/>
+              <a:tailEnd/>
+            </a:ln>
+          </p:spPr>
+          <p:txBody>
+            <a:bodyPr vert="horz" wrap="square" lIns="91440" tIns="45720" rIns="91440" bIns="45720" numCol="1" anchor="t" anchorCtr="0" compatLnSpc="1">
+              <a:prstTxWarp prst="textNoShape">
+                <a:avLst/>
+              </a:prstTxWarp>
+            </a:bodyPr>
+            <a:lstStyle/>
+            <a:p>
+              <a:endParaRPr lang="en-US">
+                <a:gradFill>
+                  <a:gsLst>
+                    <a:gs pos="0">
+                      <a:srgbClr val="505050"/>
+                    </a:gs>
+                    <a:gs pos="100000">
+                      <a:srgbClr val="505050"/>
+                    </a:gs>
+                  </a:gsLst>
+                  <a:lin ang="5400000" scaled="1"/>
+                </a:gradFill>
+              </a:endParaRPr>
+            </a:p>
+          </p:txBody>
+        </p:sp>
+        <p:sp>
+          <p:nvSpPr>
+            <p:cNvPr id="45" name="key" title="Icon of a key">
+              <a:extLst>
+                <a:ext uri="{FF2B5EF4-FFF2-40B4-BE49-F238E27FC236}">
+                  <a16:creationId xmlns:a16="http://schemas.microsoft.com/office/drawing/2014/main" id="{4A768999-49C6-6ABF-09A9-0B4FEFBA5EE0}"/>
+                </a:ext>
+              </a:extLst>
+            </p:cNvPr>
+            <p:cNvSpPr>
+              <a:spLocks noChangeAspect="1" noEditPoints="1"/>
+            </p:cNvSpPr>
+            <p:nvPr/>
+          </p:nvSpPr>
+          <p:spPr bwMode="auto">
+            <a:xfrm>
+              <a:off x="5805015" y="2364589"/>
+              <a:ext cx="367646" cy="365760"/>
+            </a:xfrm>
+            <a:custGeom>
+              <a:avLst/>
+              <a:gdLst>
+                <a:gd name="T0" fmla="*/ 175 w 330"/>
+                <a:gd name="T1" fmla="*/ 198 h 328"/>
+                <a:gd name="T2" fmla="*/ 109 w 330"/>
+                <a:gd name="T3" fmla="*/ 220 h 328"/>
+                <a:gd name="T4" fmla="*/ 0 w 330"/>
+                <a:gd name="T5" fmla="*/ 110 h 328"/>
+                <a:gd name="T6" fmla="*/ 109 w 330"/>
+                <a:gd name="T7" fmla="*/ 0 h 328"/>
+                <a:gd name="T8" fmla="*/ 219 w 330"/>
+                <a:gd name="T9" fmla="*/ 110 h 328"/>
+                <a:gd name="T10" fmla="*/ 214 w 330"/>
+                <a:gd name="T11" fmla="*/ 143 h 328"/>
+                <a:gd name="T12" fmla="*/ 330 w 330"/>
+                <a:gd name="T13" fmla="*/ 258 h 328"/>
+                <a:gd name="T14" fmla="*/ 330 w 330"/>
+                <a:gd name="T15" fmla="*/ 328 h 328"/>
+                <a:gd name="T16" fmla="*/ 264 w 330"/>
+                <a:gd name="T17" fmla="*/ 328 h 328"/>
+                <a:gd name="T18" fmla="*/ 264 w 330"/>
+                <a:gd name="T19" fmla="*/ 283 h 328"/>
+                <a:gd name="T20" fmla="*/ 221 w 330"/>
+                <a:gd name="T21" fmla="*/ 283 h 328"/>
+                <a:gd name="T22" fmla="*/ 221 w 330"/>
+                <a:gd name="T23" fmla="*/ 239 h 328"/>
+                <a:gd name="T24" fmla="*/ 175 w 330"/>
+                <a:gd name="T25" fmla="*/ 239 h 328"/>
+                <a:gd name="T26" fmla="*/ 175 w 330"/>
+                <a:gd name="T27" fmla="*/ 198 h 328"/>
+                <a:gd name="T28" fmla="*/ 76 w 330"/>
+                <a:gd name="T29" fmla="*/ 91 h 328"/>
+                <a:gd name="T30" fmla="*/ 91 w 330"/>
+                <a:gd name="T31" fmla="*/ 76 h 328"/>
+                <a:gd name="T32" fmla="*/ 76 w 330"/>
+                <a:gd name="T33" fmla="*/ 60 h 328"/>
+                <a:gd name="T34" fmla="*/ 60 w 330"/>
+                <a:gd name="T35" fmla="*/ 76 h 328"/>
+                <a:gd name="T36" fmla="*/ 76 w 330"/>
+                <a:gd name="T37" fmla="*/ 91 h 328"/>
+              </a:gdLst>
+              <a:ahLst/>
+              <a:cxnLst>
+                <a:cxn ang="0">
+                  <a:pos x="T0" y="T1"/>
+                </a:cxn>
+                <a:cxn ang="0">
+                  <a:pos x="T2" y="T3"/>
+                </a:cxn>
+                <a:cxn ang="0">
+                  <a:pos x="T4" y="T5"/>
+                </a:cxn>
+                <a:cxn ang="0">
+                  <a:pos x="T6" y="T7"/>
+                </a:cxn>
+                <a:cxn ang="0">
+                  <a:pos x="T8" y="T9"/>
+                </a:cxn>
+                <a:cxn ang="0">
+                  <a:pos x="T10" y="T11"/>
+                </a:cxn>
+                <a:cxn ang="0">
+                  <a:pos x="T12" y="T13"/>
+                </a:cxn>
+                <a:cxn ang="0">
+                  <a:pos x="T14" y="T15"/>
+                </a:cxn>
+                <a:cxn ang="0">
+                  <a:pos x="T16" y="T17"/>
+                </a:cxn>
+                <a:cxn ang="0">
+                  <a:pos x="T18" y="T19"/>
+                </a:cxn>
+                <a:cxn ang="0">
+                  <a:pos x="T20" y="T21"/>
+                </a:cxn>
+                <a:cxn ang="0">
+                  <a:pos x="T22" y="T23"/>
+                </a:cxn>
+                <a:cxn ang="0">
+                  <a:pos x="T24" y="T25"/>
+                </a:cxn>
+                <a:cxn ang="0">
+                  <a:pos x="T26" y="T27"/>
+                </a:cxn>
+                <a:cxn ang="0">
+                  <a:pos x="T28" y="T29"/>
+                </a:cxn>
+                <a:cxn ang="0">
+                  <a:pos x="T30" y="T31"/>
+                </a:cxn>
+                <a:cxn ang="0">
+                  <a:pos x="T32" y="T33"/>
+                </a:cxn>
+                <a:cxn ang="0">
+                  <a:pos x="T34" y="T35"/>
+                </a:cxn>
+                <a:cxn ang="0">
+                  <a:pos x="T36" y="T37"/>
+                </a:cxn>
+              </a:cxnLst>
+              <a:rect l="0" t="0" r="r" b="b"/>
+              <a:pathLst>
+                <a:path w="330" h="328">
+                  <a:moveTo>
+                    <a:pt x="175" y="198"/>
+                  </a:moveTo>
+                  <a:cubicBezTo>
+                    <a:pt x="157" y="212"/>
+                    <a:pt x="134" y="220"/>
+                    <a:pt x="109" y="220"/>
+                  </a:cubicBezTo>
+                  <a:cubicBezTo>
+                    <a:pt x="49" y="220"/>
+                    <a:pt x="0" y="171"/>
+                    <a:pt x="0" y="110"/>
+                  </a:cubicBezTo>
+                  <a:cubicBezTo>
+                    <a:pt x="0" y="49"/>
+                    <a:pt x="49" y="0"/>
+                    <a:pt x="109" y="0"/>
+                  </a:cubicBezTo>
+                  <a:cubicBezTo>
+                    <a:pt x="170" y="0"/>
+                    <a:pt x="219" y="49"/>
+                    <a:pt x="219" y="110"/>
+                  </a:cubicBezTo>
+                  <a:cubicBezTo>
+                    <a:pt x="219" y="122"/>
+                    <a:pt x="217" y="133"/>
+                    <a:pt x="214" y="143"/>
+                  </a:cubicBezTo>
+                  <a:cubicBezTo>
+                    <a:pt x="330" y="258"/>
+                    <a:pt x="330" y="258"/>
+                    <a:pt x="330" y="258"/>
+                  </a:cubicBezTo>
+                  <a:cubicBezTo>
+                    <a:pt x="330" y="328"/>
+                    <a:pt x="330" y="328"/>
+                    <a:pt x="330" y="328"/>
+                  </a:cubicBezTo>
+                  <a:cubicBezTo>
+                    <a:pt x="264" y="328"/>
+                    <a:pt x="264" y="328"/>
+                    <a:pt x="264" y="328"/>
+                  </a:cubicBezTo>
+                  <a:cubicBezTo>
+                    <a:pt x="264" y="283"/>
+                    <a:pt x="264" y="283"/>
+                    <a:pt x="264" y="283"/>
+                  </a:cubicBezTo>
+                  <a:cubicBezTo>
+                    <a:pt x="221" y="283"/>
+                    <a:pt x="221" y="283"/>
+                    <a:pt x="221" y="283"/>
+                  </a:cubicBezTo>
+                  <a:cubicBezTo>
+                    <a:pt x="221" y="239"/>
+                    <a:pt x="221" y="239"/>
+                    <a:pt x="221" y="239"/>
+                  </a:cubicBezTo>
+                  <a:cubicBezTo>
+                    <a:pt x="175" y="239"/>
+                    <a:pt x="175" y="239"/>
+                    <a:pt x="175" y="239"/>
+                  </a:cubicBezTo>
+                  <a:lnTo>
+                    <a:pt x="175" y="198"/>
+                  </a:lnTo>
+                  <a:close/>
+                  <a:moveTo>
+                    <a:pt x="76" y="91"/>
+                  </a:moveTo>
+                  <a:cubicBezTo>
+                    <a:pt x="84" y="91"/>
+                    <a:pt x="91" y="84"/>
+                    <a:pt x="91" y="76"/>
+                  </a:cubicBezTo>
+                  <a:cubicBezTo>
+                    <a:pt x="91" y="67"/>
+                    <a:pt x="84" y="60"/>
+                    <a:pt x="76" y="60"/>
+                  </a:cubicBezTo>
+                  <a:cubicBezTo>
+                    <a:pt x="67" y="60"/>
+                    <a:pt x="60" y="67"/>
+                    <a:pt x="60" y="76"/>
+                  </a:cubicBezTo>
+                  <a:cubicBezTo>
+                    <a:pt x="60" y="84"/>
+                    <a:pt x="67" y="91"/>
+                    <a:pt x="76" y="91"/>
+                  </a:cubicBezTo>
+                  <a:close/>
+                </a:path>
+              </a:pathLst>
+            </a:custGeom>
+            <a:grpFill/>
+            <a:ln w="15875" cap="sq">
+              <a:solidFill>
+                <a:schemeClr val="tx1"/>
+              </a:solidFill>
+              <a:prstDash val="solid"/>
+              <a:miter lim="800000"/>
+              <a:headEnd/>
+              <a:tailEnd/>
+            </a:ln>
+          </p:spPr>
+          <p:txBody>
+            <a:bodyPr vert="horz" wrap="square" lIns="91440" tIns="45720" rIns="91440" bIns="45720" numCol="1" anchor="t" anchorCtr="0" compatLnSpc="1">
+              <a:prstTxWarp prst="textNoShape">
+                <a:avLst/>
+              </a:prstTxWarp>
+            </a:bodyPr>
+            <a:lstStyle/>
+            <a:p>
+              <a:endParaRPr lang="en-US"/>
+            </a:p>
+          </p:txBody>
+        </p:sp>
+        <p:sp>
+          <p:nvSpPr>
+            <p:cNvPr id="46" name="TextBox 16">
+              <a:extLst>
+                <a:ext uri="{FF2B5EF4-FFF2-40B4-BE49-F238E27FC236}">
+                  <a16:creationId xmlns:a16="http://schemas.microsoft.com/office/drawing/2014/main" id="{9D6CDE19-1017-BD3B-717D-CE3E108C97CC}"/>
+                </a:ext>
+              </a:extLst>
+            </p:cNvPr>
+            <p:cNvSpPr txBox="1"/>
+            <p:nvPr/>
+          </p:nvSpPr>
+          <p:spPr>
+            <a:xfrm>
+              <a:off x="4435560" y="3741550"/>
+              <a:ext cx="1828799" cy="246221"/>
+            </a:xfrm>
+            <a:prstGeom prst="rect">
+              <a:avLst/>
+            </a:prstGeom>
+            <a:grpFill/>
+          </p:spPr>
+          <p:txBody>
+            <a:bodyPr wrap="square" lIns="0" tIns="0" rIns="0" bIns="0" rtlCol="0">
+              <a:spAutoFit/>
+            </a:bodyPr>
+            <a:lstStyle/>
+            <a:p>
+              <a:pPr algn="ctr"/>
+              <a:r>
+                <a:rPr lang="en-US" sz="1600">
+                  <a:gradFill>
+                    <a:gsLst>
+                      <a:gs pos="2917">
+                        <a:schemeClr val="tx1"/>
+                      </a:gs>
+                      <a:gs pos="30000">
+                        <a:schemeClr val="tx1"/>
+                      </a:gs>
+                    </a:gsLst>
+                    <a:lin ang="5400000" scaled="0"/>
+                  </a:gradFill>
+                </a:rPr>
+                <a:t>Subscription</a:t>
+              </a:r>
+            </a:p>
+          </p:txBody>
+        </p:sp>
+      </p:grpSp>
+      <p:sp>
+        <p:nvSpPr>
+          <p:cNvPr id="9" name="TextBox 34">
+            <a:extLst>
+              <a:ext uri="{FF2B5EF4-FFF2-40B4-BE49-F238E27FC236}">
+                <a16:creationId xmlns:a16="http://schemas.microsoft.com/office/drawing/2014/main" id="{7488A343-A26E-06C1-CCE7-CB156FFD5203}"/>
+              </a:ext>
+            </a:extLst>
+          </p:cNvPr>
+          <p:cNvSpPr txBox="1"/>
+          <p:nvPr/>
+        </p:nvSpPr>
+        <p:spPr>
+          <a:xfrm flipH="1">
+            <a:off x="4918277" y="5238939"/>
+            <a:ext cx="2644905" cy="356105"/>
+          </a:xfrm>
+          <a:prstGeom prst="rect">
+            <a:avLst/>
+          </a:prstGeom>
+          <a:noFill/>
+        </p:spPr>
+        <p:txBody>
+          <a:bodyPr wrap="square" lIns="0" tIns="0" rIns="0" bIns="0" rtlCol="0">
+            <a:spAutoFit/>
+          </a:bodyPr>
+          <a:lstStyle/>
+          <a:p>
+            <a:pPr algn="l"/>
+            <a:r>
+              <a:rPr lang="en-US" sz="1200" dirty="0">
+                <a:gradFill>
+                  <a:gsLst>
+                    <a:gs pos="2917">
+                      <a:schemeClr val="tx1"/>
+                    </a:gs>
+                    <a:gs pos="30000">
+                      <a:schemeClr val="tx1"/>
+                    </a:gs>
+                  </a:gsLst>
+                  <a:lin ang="5400000" scaled="0"/>
+                </a:gradFill>
+              </a:rPr>
+              <a:t>Built-in: </a:t>
+            </a:r>
+            <a:r>
+              <a:rPr lang="en-US" sz="1200" i="1" dirty="0">
+                <a:gradFill>
+                  <a:gsLst>
+                    <a:gs pos="2917">
+                      <a:schemeClr val="tx1"/>
+                    </a:gs>
+                    <a:gs pos="30000">
+                      <a:schemeClr val="tx1"/>
+                    </a:gs>
+                  </a:gsLst>
+                  <a:lin ang="5400000" scaled="0"/>
+                </a:gradFill>
+              </a:rPr>
+              <a:t>Guest, Developer, Admin</a:t>
+            </a:r>
+          </a:p>
+          <a:p>
+            <a:pPr algn="l"/>
+            <a:endParaRPr lang="en-US" sz="400" dirty="0">
+              <a:gradFill>
+                <a:gsLst>
+                  <a:gs pos="2917">
+                    <a:schemeClr val="tx1"/>
+                  </a:gs>
+                  <a:gs pos="30000">
+                    <a:schemeClr val="tx1"/>
+                  </a:gs>
+                </a:gsLst>
+                <a:lin ang="5400000" scaled="0"/>
+              </a:gradFill>
+            </a:endParaRPr>
+          </a:p>
+          <a:p>
+            <a:pPr algn="l"/>
+            <a:r>
+              <a:rPr lang="en-US" sz="1200" dirty="0">
+                <a:gradFill>
+                  <a:gsLst>
+                    <a:gs pos="2917">
+                      <a:schemeClr val="tx1"/>
+                    </a:gs>
+                    <a:gs pos="30000">
+                      <a:schemeClr val="tx1"/>
+                    </a:gs>
+                  </a:gsLst>
+                  <a:lin ang="5400000" scaled="0"/>
+                </a:gradFill>
+              </a:rPr>
+              <a:t>Custom: </a:t>
+            </a:r>
+            <a:r>
+              <a:rPr lang="en-US" sz="1200" i="1" dirty="0">
+                <a:gradFill>
+                  <a:gsLst>
+                    <a:gs pos="2917">
+                      <a:schemeClr val="tx1"/>
+                    </a:gs>
+                    <a:gs pos="30000">
+                      <a:schemeClr val="tx1"/>
+                    </a:gs>
+                  </a:gsLst>
+                  <a:lin ang="5400000" scaled="0"/>
+                </a:gradFill>
+              </a:rPr>
+              <a:t>native or Azure AD</a:t>
+            </a:r>
+          </a:p>
+        </p:txBody>
+      </p:sp>
+      <p:grpSp>
+        <p:nvGrpSpPr>
+          <p:cNvPr id="10" name="Group 28">
+            <a:extLst>
+              <a:ext uri="{FF2B5EF4-FFF2-40B4-BE49-F238E27FC236}">
+                <a16:creationId xmlns:a16="http://schemas.microsoft.com/office/drawing/2014/main" id="{5351D289-78D3-2907-A429-E4BD21A3154E}"/>
+              </a:ext>
+            </a:extLst>
+          </p:cNvPr>
+          <p:cNvGrpSpPr/>
+          <p:nvPr/>
+        </p:nvGrpSpPr>
+        <p:grpSpPr>
+          <a:xfrm>
+            <a:off x="5048435" y="2383339"/>
+            <a:ext cx="1351717" cy="383234"/>
+            <a:chOff x="5186007" y="2571306"/>
+            <a:chExt cx="1635578" cy="463713"/>
+          </a:xfrm>
+        </p:grpSpPr>
+        <p:cxnSp>
+          <p:nvCxnSpPr>
+            <p:cNvPr id="39" name="Straight Connector 33">
+              <a:extLst>
+                <a:ext uri="{FF2B5EF4-FFF2-40B4-BE49-F238E27FC236}">
+                  <a16:creationId xmlns:a16="http://schemas.microsoft.com/office/drawing/2014/main" id="{134938A6-FCA8-E1C2-710D-BB8153FFD784}"/>
+                </a:ext>
+              </a:extLst>
+            </p:cNvPr>
+            <p:cNvCxnSpPr>
+              <a:cxnSpLocks/>
+            </p:cNvCxnSpPr>
+            <p:nvPr/>
+          </p:nvCxnSpPr>
+          <p:spPr>
+            <a:xfrm>
+              <a:off x="5349455" y="2924501"/>
+              <a:ext cx="1344224" cy="0"/>
+            </a:xfrm>
+            <a:prstGeom prst="line">
+              <a:avLst/>
+            </a:prstGeom>
+            <a:noFill/>
+            <a:ln>
+              <a:solidFill>
+                <a:schemeClr val="tx1"/>
+              </a:solidFill>
+              <a:headEnd type="none" w="lg" len="med"/>
+              <a:tailEnd type="none" w="lg" len="med"/>
+            </a:ln>
+          </p:spPr>
+          <p:style>
+            <a:lnRef idx="1">
+              <a:schemeClr val="accent1"/>
+            </a:lnRef>
+            <a:fillRef idx="0">
+              <a:schemeClr val="accent1"/>
+            </a:fillRef>
+            <a:effectRef idx="0">
+              <a:schemeClr val="accent1"/>
+            </a:effectRef>
+            <a:fontRef idx="minor">
+              <a:schemeClr val="tx1"/>
+            </a:fontRef>
+          </p:style>
+        </p:cxnSp>
+        <p:sp>
+          <p:nvSpPr>
+            <p:cNvPr id="40" name="TextBox 37">
+              <a:extLst>
+                <a:ext uri="{FF2B5EF4-FFF2-40B4-BE49-F238E27FC236}">
+                  <a16:creationId xmlns:a16="http://schemas.microsoft.com/office/drawing/2014/main" id="{94EF1052-EDC3-094A-16B7-857BAACE6DF3}"/>
+                </a:ext>
+              </a:extLst>
+            </p:cNvPr>
+            <p:cNvSpPr txBox="1"/>
+            <p:nvPr/>
+          </p:nvSpPr>
+          <p:spPr>
+            <a:xfrm>
+              <a:off x="5186007" y="2571306"/>
+              <a:ext cx="427040" cy="461665"/>
+            </a:xfrm>
+            <a:prstGeom prst="rect">
+              <a:avLst/>
+            </a:prstGeom>
+            <a:noFill/>
+          </p:spPr>
+          <p:txBody>
+            <a:bodyPr wrap="none" lIns="182880" tIns="146304" rIns="182880" bIns="146304" rtlCol="0">
+              <a:spAutoFit/>
+            </a:bodyPr>
+            <a:lstStyle/>
+            <a:p>
+              <a:pPr>
+                <a:lnSpc>
+                  <a:spcPct val="90000"/>
+                </a:lnSpc>
+                <a:spcAft>
+                  <a:spcPts val="600"/>
+                </a:spcAft>
+              </a:pPr>
+              <a:r>
+                <a:rPr lang="en-US" sz="1200">
+                  <a:gradFill>
+                    <a:gsLst>
+                      <a:gs pos="2917">
+                        <a:schemeClr val="tx1"/>
+                      </a:gs>
+                      <a:gs pos="30000">
+                        <a:schemeClr val="tx1"/>
+                      </a:gs>
+                    </a:gsLst>
+                    <a:lin ang="5400000" scaled="0"/>
+                  </a:gradFill>
+                </a:rPr>
+                <a:t>1</a:t>
+              </a:r>
+            </a:p>
+          </p:txBody>
+        </p:sp>
+        <p:sp>
+          <p:nvSpPr>
+            <p:cNvPr id="41" name="TextBox 39">
+              <a:extLst>
+                <a:ext uri="{FF2B5EF4-FFF2-40B4-BE49-F238E27FC236}">
+                  <a16:creationId xmlns:a16="http://schemas.microsoft.com/office/drawing/2014/main" id="{CCFE2D87-23B5-BD4C-3EC5-E428F7E8697F}"/>
+                </a:ext>
+              </a:extLst>
+            </p:cNvPr>
+            <p:cNvSpPr txBox="1"/>
+            <p:nvPr/>
+          </p:nvSpPr>
+          <p:spPr>
+            <a:xfrm>
+              <a:off x="6394545" y="2573354"/>
+              <a:ext cx="427040" cy="461665"/>
+            </a:xfrm>
+            <a:prstGeom prst="rect">
+              <a:avLst/>
+            </a:prstGeom>
+            <a:noFill/>
+          </p:spPr>
+          <p:txBody>
+            <a:bodyPr wrap="none" lIns="182880" tIns="146304" rIns="182880" bIns="146304" rtlCol="0">
+              <a:spAutoFit/>
+            </a:bodyPr>
+            <a:lstStyle/>
+            <a:p>
+              <a:pPr>
+                <a:lnSpc>
+                  <a:spcPct val="90000"/>
+                </a:lnSpc>
+                <a:spcAft>
+                  <a:spcPts val="600"/>
+                </a:spcAft>
+              </a:pPr>
+              <a:r>
+                <a:rPr lang="en-US" sz="1200">
+                  <a:gradFill>
+                    <a:gsLst>
+                      <a:gs pos="2917">
+                        <a:schemeClr val="tx1"/>
+                      </a:gs>
+                      <a:gs pos="30000">
+                        <a:schemeClr val="tx1"/>
+                      </a:gs>
+                    </a:gsLst>
+                    <a:lin ang="5400000" scaled="0"/>
+                  </a:gradFill>
+                </a:rPr>
+                <a:t>1</a:t>
+              </a:r>
+            </a:p>
+          </p:txBody>
+        </p:sp>
+      </p:grpSp>
+      <p:grpSp>
+        <p:nvGrpSpPr>
+          <p:cNvPr id="11" name="Group 13">
+            <a:extLst>
+              <a:ext uri="{FF2B5EF4-FFF2-40B4-BE49-F238E27FC236}">
+                <a16:creationId xmlns:a16="http://schemas.microsoft.com/office/drawing/2014/main" id="{07643ECC-DC41-16EF-04C6-900D6A7243E8}"/>
+              </a:ext>
+            </a:extLst>
+          </p:cNvPr>
+          <p:cNvGrpSpPr/>
+          <p:nvPr/>
+        </p:nvGrpSpPr>
+        <p:grpSpPr>
+          <a:xfrm>
+            <a:off x="1870205" y="3323641"/>
+            <a:ext cx="1924122" cy="1684244"/>
+            <a:chOff x="1340348" y="3709072"/>
+            <a:chExt cx="2328188" cy="2037935"/>
+          </a:xfrm>
+        </p:grpSpPr>
+        <p:cxnSp>
+          <p:nvCxnSpPr>
+            <p:cNvPr id="36" name="Elbow Connector 27">
+              <a:extLst>
+                <a:ext uri="{FF2B5EF4-FFF2-40B4-BE49-F238E27FC236}">
+                  <a16:creationId xmlns:a16="http://schemas.microsoft.com/office/drawing/2014/main" id="{225510D1-D739-B45A-D3A0-E68D1A8CEBF0}"/>
+                </a:ext>
+              </a:extLst>
+            </p:cNvPr>
+            <p:cNvCxnSpPr>
+              <a:stCxn id="47" idx="2"/>
+              <a:endCxn id="50" idx="1"/>
+            </p:cNvCxnSpPr>
+            <p:nvPr/>
+          </p:nvCxnSpPr>
+          <p:spPr>
+            <a:xfrm rot="16200000" flipH="1">
+              <a:off x="1561702" y="3658382"/>
+              <a:ext cx="1824578" cy="2203525"/>
+            </a:xfrm>
+            <a:prstGeom prst="bentConnector2">
+              <a:avLst/>
+            </a:prstGeom>
+            <a:ln>
+              <a:solidFill>
+                <a:schemeClr val="tx1"/>
+              </a:solidFill>
+              <a:headEnd type="none" w="lg" len="med"/>
+              <a:tailEnd type="none" w="lg" len="med"/>
+            </a:ln>
+          </p:spPr>
+          <p:style>
+            <a:lnRef idx="1">
+              <a:schemeClr val="accent1"/>
+            </a:lnRef>
+            <a:fillRef idx="0">
+              <a:schemeClr val="accent1"/>
+            </a:fillRef>
+            <a:effectRef idx="0">
+              <a:schemeClr val="accent1"/>
+            </a:effectRef>
+            <a:fontRef idx="minor">
+              <a:schemeClr val="tx1"/>
+            </a:fontRef>
+          </p:style>
+        </p:cxnSp>
+        <p:sp>
+          <p:nvSpPr>
+            <p:cNvPr id="37" name="TextBox 40">
+              <a:extLst>
+                <a:ext uri="{FF2B5EF4-FFF2-40B4-BE49-F238E27FC236}">
+                  <a16:creationId xmlns:a16="http://schemas.microsoft.com/office/drawing/2014/main" id="{0D26D049-9AAF-1B6A-FE20-9371B0DACFBB}"/>
+                </a:ext>
+              </a:extLst>
+            </p:cNvPr>
+            <p:cNvSpPr txBox="1"/>
+            <p:nvPr/>
+          </p:nvSpPr>
+          <p:spPr>
+            <a:xfrm>
+              <a:off x="1340348" y="3709072"/>
+              <a:ext cx="733214" cy="461665"/>
+            </a:xfrm>
+            <a:prstGeom prst="rect">
+              <a:avLst/>
+            </a:prstGeom>
+            <a:noFill/>
+          </p:spPr>
+          <p:txBody>
+            <a:bodyPr wrap="none" lIns="182880" tIns="146304" rIns="182880" bIns="146304" rtlCol="0">
+              <a:spAutoFit/>
+            </a:bodyPr>
+            <a:lstStyle/>
+            <a:p>
+              <a:pPr>
+                <a:lnSpc>
+                  <a:spcPct val="90000"/>
+                </a:lnSpc>
+                <a:spcAft>
+                  <a:spcPts val="600"/>
+                </a:spcAft>
+              </a:pPr>
+              <a:r>
+                <a:rPr lang="en-US" sz="1200">
+                  <a:gradFill>
+                    <a:gsLst>
+                      <a:gs pos="2917">
+                        <a:schemeClr val="tx1"/>
+                      </a:gs>
+                      <a:gs pos="30000">
+                        <a:schemeClr val="tx1"/>
+                      </a:gs>
+                    </a:gsLst>
+                    <a:lin ang="5400000" scaled="0"/>
+                  </a:gradFill>
+                </a:rPr>
+                <a:t>many</a:t>
+              </a:r>
+            </a:p>
+          </p:txBody>
+        </p:sp>
+        <p:sp>
+          <p:nvSpPr>
+            <p:cNvPr id="38" name="TextBox 41">
+              <a:extLst>
+                <a:ext uri="{FF2B5EF4-FFF2-40B4-BE49-F238E27FC236}">
+                  <a16:creationId xmlns:a16="http://schemas.microsoft.com/office/drawing/2014/main" id="{4D350D7F-BFD6-F914-7059-1625C53FE385}"/>
+                </a:ext>
+              </a:extLst>
+            </p:cNvPr>
+            <p:cNvSpPr txBox="1"/>
+            <p:nvPr/>
+          </p:nvSpPr>
+          <p:spPr>
+            <a:xfrm>
+              <a:off x="2935322" y="5285342"/>
+              <a:ext cx="733214" cy="461665"/>
+            </a:xfrm>
+            <a:prstGeom prst="rect">
+              <a:avLst/>
+            </a:prstGeom>
+            <a:noFill/>
+          </p:spPr>
+          <p:txBody>
+            <a:bodyPr wrap="none" lIns="182880" tIns="146304" rIns="182880" bIns="146304" rtlCol="0">
+              <a:spAutoFit/>
+            </a:bodyPr>
+            <a:lstStyle/>
+            <a:p>
+              <a:pPr>
+                <a:lnSpc>
+                  <a:spcPct val="90000"/>
+                </a:lnSpc>
+                <a:spcAft>
+                  <a:spcPts val="600"/>
+                </a:spcAft>
+              </a:pPr>
+              <a:r>
+                <a:rPr lang="en-US" sz="1200">
+                  <a:gradFill>
+                    <a:gsLst>
+                      <a:gs pos="2917">
+                        <a:schemeClr val="tx1"/>
+                      </a:gs>
+                      <a:gs pos="30000">
+                        <a:schemeClr val="tx1"/>
+                      </a:gs>
+                    </a:gsLst>
+                    <a:lin ang="5400000" scaled="0"/>
+                  </a:gradFill>
+                </a:rPr>
+                <a:t>many</a:t>
+              </a:r>
+            </a:p>
+          </p:txBody>
+        </p:sp>
+      </p:grpSp>
+      <p:grpSp>
+        <p:nvGrpSpPr>
+          <p:cNvPr id="12" name="Group 38">
+            <a:extLst>
+              <a:ext uri="{FF2B5EF4-FFF2-40B4-BE49-F238E27FC236}">
+                <a16:creationId xmlns:a16="http://schemas.microsoft.com/office/drawing/2014/main" id="{0CCFCAF9-7669-EA2E-F80A-EBF74D3C6EA5}"/>
+              </a:ext>
+            </a:extLst>
+          </p:cNvPr>
+          <p:cNvGrpSpPr/>
+          <p:nvPr/>
+        </p:nvGrpSpPr>
+        <p:grpSpPr>
+          <a:xfrm>
+            <a:off x="5129653" y="3334539"/>
+            <a:ext cx="1945777" cy="1672002"/>
+            <a:chOff x="5284281" y="3722258"/>
+            <a:chExt cx="2354390" cy="2023122"/>
+          </a:xfrm>
+        </p:grpSpPr>
+        <p:cxnSp>
+          <p:nvCxnSpPr>
+            <p:cNvPr id="33" name="Elbow Connector 29">
+              <a:extLst>
+                <a:ext uri="{FF2B5EF4-FFF2-40B4-BE49-F238E27FC236}">
+                  <a16:creationId xmlns:a16="http://schemas.microsoft.com/office/drawing/2014/main" id="{49460AE0-EB44-CD59-0961-0F30324E4C20}"/>
+                </a:ext>
+              </a:extLst>
+            </p:cNvPr>
+            <p:cNvCxnSpPr>
+              <a:stCxn id="50" idx="3"/>
+              <a:endCxn id="53" idx="2"/>
+            </p:cNvCxnSpPr>
+            <p:nvPr/>
+          </p:nvCxnSpPr>
+          <p:spPr>
+            <a:xfrm flipV="1">
+              <a:off x="5404554" y="3847856"/>
+              <a:ext cx="2185284" cy="1824578"/>
+            </a:xfrm>
+            <a:prstGeom prst="bentConnector2">
+              <a:avLst/>
+            </a:prstGeom>
+            <a:ln>
+              <a:solidFill>
+                <a:schemeClr val="tx1"/>
+              </a:solidFill>
+              <a:headEnd type="none" w="lg" len="med"/>
+              <a:tailEnd type="none" w="lg" len="med"/>
+            </a:ln>
+          </p:spPr>
+          <p:style>
+            <a:lnRef idx="1">
+              <a:schemeClr val="accent1"/>
+            </a:lnRef>
+            <a:fillRef idx="0">
+              <a:schemeClr val="accent1"/>
+            </a:fillRef>
+            <a:effectRef idx="0">
+              <a:schemeClr val="accent1"/>
+            </a:effectRef>
+            <a:fontRef idx="minor">
+              <a:schemeClr val="tx1"/>
+            </a:fontRef>
+          </p:style>
+        </p:cxnSp>
+        <p:sp>
+          <p:nvSpPr>
+            <p:cNvPr id="34" name="TextBox 42">
+              <a:extLst>
+                <a:ext uri="{FF2B5EF4-FFF2-40B4-BE49-F238E27FC236}">
+                  <a16:creationId xmlns:a16="http://schemas.microsoft.com/office/drawing/2014/main" id="{9F3D7361-5CD3-0E8F-7F49-C4F1EB9C825C}"/>
+                </a:ext>
+              </a:extLst>
+            </p:cNvPr>
+            <p:cNvSpPr txBox="1"/>
+            <p:nvPr/>
+          </p:nvSpPr>
+          <p:spPr>
+            <a:xfrm>
+              <a:off x="5284281" y="5283715"/>
+              <a:ext cx="733214" cy="461665"/>
+            </a:xfrm>
+            <a:prstGeom prst="rect">
+              <a:avLst/>
+            </a:prstGeom>
+            <a:noFill/>
+          </p:spPr>
+          <p:txBody>
+            <a:bodyPr wrap="none" lIns="182880" tIns="146304" rIns="182880" bIns="146304" rtlCol="0">
+              <a:spAutoFit/>
+            </a:bodyPr>
+            <a:lstStyle/>
+            <a:p>
+              <a:pPr>
+                <a:lnSpc>
+                  <a:spcPct val="90000"/>
+                </a:lnSpc>
+                <a:spcAft>
+                  <a:spcPts val="600"/>
+                </a:spcAft>
+              </a:pPr>
+              <a:r>
+                <a:rPr lang="en-US" sz="1200">
+                  <a:gradFill>
+                    <a:gsLst>
+                      <a:gs pos="2917">
+                        <a:schemeClr val="tx1"/>
+                      </a:gs>
+                      <a:gs pos="30000">
+                        <a:schemeClr val="tx1"/>
+                      </a:gs>
+                    </a:gsLst>
+                    <a:lin ang="5400000" scaled="0"/>
+                  </a:gradFill>
+                </a:rPr>
+                <a:t>many</a:t>
+              </a:r>
+            </a:p>
+          </p:txBody>
+        </p:sp>
+        <p:sp>
+          <p:nvSpPr>
+            <p:cNvPr id="35" name="TextBox 43">
+              <a:extLst>
+                <a:ext uri="{FF2B5EF4-FFF2-40B4-BE49-F238E27FC236}">
+                  <a16:creationId xmlns:a16="http://schemas.microsoft.com/office/drawing/2014/main" id="{4670AD6D-374B-A3FE-91B3-833AC4720177}"/>
+                </a:ext>
+              </a:extLst>
+            </p:cNvPr>
+            <p:cNvSpPr txBox="1"/>
+            <p:nvPr/>
+          </p:nvSpPr>
+          <p:spPr>
+            <a:xfrm>
+              <a:off x="6905457" y="3722258"/>
+              <a:ext cx="733214" cy="461665"/>
+            </a:xfrm>
+            <a:prstGeom prst="rect">
+              <a:avLst/>
+            </a:prstGeom>
+            <a:noFill/>
+          </p:spPr>
+          <p:txBody>
+            <a:bodyPr wrap="none" lIns="182880" tIns="146304" rIns="182880" bIns="146304" rtlCol="0">
+              <a:spAutoFit/>
+            </a:bodyPr>
+            <a:lstStyle/>
+            <a:p>
+              <a:pPr>
+                <a:lnSpc>
+                  <a:spcPct val="90000"/>
+                </a:lnSpc>
+                <a:spcAft>
+                  <a:spcPts val="600"/>
+                </a:spcAft>
+              </a:pPr>
+              <a:r>
+                <a:rPr lang="en-US" sz="1200">
+                  <a:gradFill>
+                    <a:gsLst>
+                      <a:gs pos="2917">
+                        <a:schemeClr val="tx1"/>
+                      </a:gs>
+                      <a:gs pos="30000">
+                        <a:schemeClr val="tx1"/>
+                      </a:gs>
+                    </a:gsLst>
+                    <a:lin ang="5400000" scaled="0"/>
+                  </a:gradFill>
+                </a:rPr>
+                <a:t>many</a:t>
+              </a:r>
+            </a:p>
+          </p:txBody>
+        </p:sp>
+      </p:grpSp>
+      <p:grpSp>
+        <p:nvGrpSpPr>
+          <p:cNvPr id="13" name="Group 56">
+            <a:extLst>
+              <a:ext uri="{FF2B5EF4-FFF2-40B4-BE49-F238E27FC236}">
+                <a16:creationId xmlns:a16="http://schemas.microsoft.com/office/drawing/2014/main" id="{D1F9F113-106E-59D1-C45B-6AF8FAF4F45E}"/>
+              </a:ext>
+            </a:extLst>
+          </p:cNvPr>
+          <p:cNvGrpSpPr/>
+          <p:nvPr/>
+        </p:nvGrpSpPr>
+        <p:grpSpPr>
+          <a:xfrm>
+            <a:off x="8925619" y="1919533"/>
+            <a:ext cx="1511405" cy="1511405"/>
+            <a:chOff x="9877399" y="1209975"/>
+            <a:chExt cx="1828800" cy="1828800"/>
+          </a:xfrm>
+          <a:noFill/>
+        </p:grpSpPr>
+        <p:sp>
+          <p:nvSpPr>
+            <p:cNvPr id="30" name="Rectangle 50">
+              <a:extLst>
+                <a:ext uri="{FF2B5EF4-FFF2-40B4-BE49-F238E27FC236}">
+                  <a16:creationId xmlns:a16="http://schemas.microsoft.com/office/drawing/2014/main" id="{34B10EA7-0EAF-FFDB-A737-D44E8839F27B}"/>
+                </a:ext>
+              </a:extLst>
+            </p:cNvPr>
+            <p:cNvSpPr/>
+            <p:nvPr/>
+          </p:nvSpPr>
+          <p:spPr bwMode="auto">
+            <a:xfrm>
+              <a:off x="9877399" y="1209975"/>
+              <a:ext cx="1828800" cy="1828800"/>
+            </a:xfrm>
+            <a:prstGeom prst="rect">
+              <a:avLst/>
+            </a:prstGeom>
+            <a:grpFill/>
+            <a:ln>
+              <a:noFill/>
+              <a:headEnd type="none" w="med" len="med"/>
+              <a:tailEnd type="none" w="med" len="med"/>
+            </a:ln>
+            <a:effectLst/>
+          </p:spPr>
+          <p:style>
+            <a:lnRef idx="1">
+              <a:schemeClr val="accent2"/>
+            </a:lnRef>
+            <a:fillRef idx="3">
+              <a:schemeClr val="accent2"/>
+            </a:fillRef>
+            <a:effectRef idx="2">
+              <a:schemeClr val="accent2"/>
+            </a:effectRef>
+            <a:fontRef idx="minor">
+              <a:schemeClr val="lt1"/>
+            </a:fontRef>
+          </p:style>
+          <p:txBody>
+            <a:bodyPr rot="0" spcFirstLastPara="0" vertOverflow="overflow" horzOverflow="overflow" vert="horz" wrap="square" lIns="182880" tIns="146304" rIns="182880" bIns="146304" numCol="1" spcCol="0" rtlCol="0" fromWordArt="0" anchor="t" anchorCtr="0" forceAA="0" compatLnSpc="1">
+              <a:prstTxWarp prst="textNoShape">
+                <a:avLst/>
+              </a:prstTxWarp>
+              <a:noAutofit/>
+            </a:bodyPr>
+            <a:lstStyle/>
+            <a:p>
+              <a:pPr algn="l" defTabSz="932472" fontAlgn="base">
+                <a:spcBef>
+                  <a:spcPct val="0"/>
+                </a:spcBef>
+                <a:spcAft>
+                  <a:spcPct val="0"/>
+                </a:spcAft>
+              </a:pPr>
+              <a:endParaRPr lang="en-US" sz="2000">
+                <a:gradFill>
+                  <a:gsLst>
+                    <a:gs pos="0">
+                      <a:srgbClr val="FFFFFF"/>
+                    </a:gs>
+                    <a:gs pos="100000">
+                      <a:srgbClr val="FFFFFF"/>
+                    </a:gs>
+                  </a:gsLst>
+                  <a:lin ang="5400000" scaled="0"/>
+                </a:gradFill>
+                <a:ea typeface="Segoe UI" pitchFamily="34" charset="0"/>
+                <a:cs typeface="Segoe UI" pitchFamily="34" charset="0"/>
+              </a:endParaRPr>
+            </a:p>
+          </p:txBody>
+        </p:sp>
+        <p:sp>
+          <p:nvSpPr>
+            <p:cNvPr id="31" name="TextBox 52">
+              <a:extLst>
+                <a:ext uri="{FF2B5EF4-FFF2-40B4-BE49-F238E27FC236}">
+                  <a16:creationId xmlns:a16="http://schemas.microsoft.com/office/drawing/2014/main" id="{DE0ED651-C79C-7076-C37F-D8C5ED387CA4}"/>
+                </a:ext>
+              </a:extLst>
+            </p:cNvPr>
+            <p:cNvSpPr txBox="1"/>
+            <p:nvPr/>
+          </p:nvSpPr>
+          <p:spPr>
+            <a:xfrm>
+              <a:off x="9877399" y="2656286"/>
+              <a:ext cx="1828799" cy="246221"/>
+            </a:xfrm>
+            <a:prstGeom prst="rect">
+              <a:avLst/>
+            </a:prstGeom>
+            <a:grpFill/>
+          </p:spPr>
+          <p:txBody>
+            <a:bodyPr wrap="square" lIns="0" tIns="0" rIns="0" bIns="0" rtlCol="0">
+              <a:spAutoFit/>
+            </a:bodyPr>
+            <a:lstStyle/>
+            <a:p>
+              <a:pPr algn="ctr"/>
+              <a:r>
+                <a:rPr lang="en-US" sz="1600">
+                  <a:gradFill>
+                    <a:gsLst>
+                      <a:gs pos="2917">
+                        <a:schemeClr val="tx1"/>
+                      </a:gs>
+                      <a:gs pos="30000">
+                        <a:schemeClr val="tx1"/>
+                      </a:gs>
+                    </a:gsLst>
+                    <a:lin ang="5400000" scaled="0"/>
+                  </a:gradFill>
+                </a:rPr>
+                <a:t>API</a:t>
+              </a:r>
+            </a:p>
+          </p:txBody>
+        </p:sp>
+        <p:sp>
+          <p:nvSpPr>
+            <p:cNvPr id="32" name="plug" title="Icon of a power plug showing an A to B connection">
+              <a:extLst>
+                <a:ext uri="{FF2B5EF4-FFF2-40B4-BE49-F238E27FC236}">
+                  <a16:creationId xmlns:a16="http://schemas.microsoft.com/office/drawing/2014/main" id="{B9E03DAE-16A6-26AE-7A0C-AA5E5549EB28}"/>
+                </a:ext>
+              </a:extLst>
+            </p:cNvPr>
+            <p:cNvSpPr>
+              <a:spLocks noChangeAspect="1" noEditPoints="1"/>
+            </p:cNvSpPr>
+            <p:nvPr/>
+          </p:nvSpPr>
+          <p:spPr bwMode="auto">
+            <a:xfrm>
+              <a:off x="10343641" y="1714040"/>
+              <a:ext cx="899405" cy="852532"/>
+            </a:xfrm>
+            <a:custGeom>
+              <a:avLst/>
+              <a:gdLst>
+                <a:gd name="T0" fmla="*/ 169 w 346"/>
+                <a:gd name="T1" fmla="*/ 90 h 328"/>
+                <a:gd name="T2" fmla="*/ 199 w 346"/>
+                <a:gd name="T3" fmla="*/ 61 h 328"/>
+                <a:gd name="T4" fmla="*/ 279 w 346"/>
+                <a:gd name="T5" fmla="*/ 63 h 328"/>
+                <a:gd name="T6" fmla="*/ 279 w 346"/>
+                <a:gd name="T7" fmla="*/ 63 h 328"/>
+                <a:gd name="T8" fmla="*/ 277 w 346"/>
+                <a:gd name="T9" fmla="*/ 143 h 328"/>
+                <a:gd name="T10" fmla="*/ 247 w 346"/>
+                <a:gd name="T11" fmla="*/ 172 h 328"/>
+                <a:gd name="T12" fmla="*/ 169 w 346"/>
+                <a:gd name="T13" fmla="*/ 90 h 328"/>
+                <a:gd name="T14" fmla="*/ 279 w 346"/>
+                <a:gd name="T15" fmla="*/ 63 h 328"/>
+                <a:gd name="T16" fmla="*/ 346 w 346"/>
+                <a:gd name="T17" fmla="*/ 0 h 328"/>
+                <a:gd name="T18" fmla="*/ 99 w 346"/>
+                <a:gd name="T19" fmla="*/ 156 h 328"/>
+                <a:gd name="T20" fmla="*/ 69 w 346"/>
+                <a:gd name="T21" fmla="*/ 185 h 328"/>
+                <a:gd name="T22" fmla="*/ 67 w 346"/>
+                <a:gd name="T23" fmla="*/ 265 h 328"/>
+                <a:gd name="T24" fmla="*/ 67 w 346"/>
+                <a:gd name="T25" fmla="*/ 265 h 328"/>
+                <a:gd name="T26" fmla="*/ 147 w 346"/>
+                <a:gd name="T27" fmla="*/ 267 h 328"/>
+                <a:gd name="T28" fmla="*/ 177 w 346"/>
+                <a:gd name="T29" fmla="*/ 238 h 328"/>
+                <a:gd name="T30" fmla="*/ 99 w 346"/>
+                <a:gd name="T31" fmla="*/ 156 h 328"/>
+                <a:gd name="T32" fmla="*/ 67 w 346"/>
+                <a:gd name="T33" fmla="*/ 265 h 328"/>
+                <a:gd name="T34" fmla="*/ 0 w 346"/>
+                <a:gd name="T35" fmla="*/ 328 h 328"/>
+                <a:gd name="T36" fmla="*/ 157 w 346"/>
+                <a:gd name="T37" fmla="*/ 143 h 328"/>
+                <a:gd name="T38" fmla="*/ 120 w 346"/>
+                <a:gd name="T39" fmla="*/ 178 h 328"/>
+                <a:gd name="T40" fmla="*/ 193 w 346"/>
+                <a:gd name="T41" fmla="*/ 181 h 328"/>
+                <a:gd name="T42" fmla="*/ 156 w 346"/>
+                <a:gd name="T43" fmla="*/ 216 h 328"/>
+              </a:gdLst>
+              <a:ahLst/>
+              <a:cxnLst>
+                <a:cxn ang="0">
+                  <a:pos x="T0" y="T1"/>
+                </a:cxn>
+                <a:cxn ang="0">
+                  <a:pos x="T2" y="T3"/>
+                </a:cxn>
+                <a:cxn ang="0">
+                  <a:pos x="T4" y="T5"/>
+                </a:cxn>
+                <a:cxn ang="0">
+                  <a:pos x="T6" y="T7"/>
+                </a:cxn>
+                <a:cxn ang="0">
+                  <a:pos x="T8" y="T9"/>
+                </a:cxn>
+                <a:cxn ang="0">
+                  <a:pos x="T10" y="T11"/>
+                </a:cxn>
+                <a:cxn ang="0">
+                  <a:pos x="T12" y="T13"/>
+                </a:cxn>
+                <a:cxn ang="0">
+                  <a:pos x="T14" y="T15"/>
+                </a:cxn>
+                <a:cxn ang="0">
+                  <a:pos x="T16" y="T17"/>
+                </a:cxn>
+                <a:cxn ang="0">
+                  <a:pos x="T18" y="T19"/>
+                </a:cxn>
+                <a:cxn ang="0">
+                  <a:pos x="T20" y="T21"/>
+                </a:cxn>
+                <a:cxn ang="0">
+                  <a:pos x="T22" y="T23"/>
+                </a:cxn>
+                <a:cxn ang="0">
+                  <a:pos x="T24" y="T25"/>
+                </a:cxn>
+                <a:cxn ang="0">
+                  <a:pos x="T26" y="T27"/>
+                </a:cxn>
+                <a:cxn ang="0">
+                  <a:pos x="T28" y="T29"/>
+                </a:cxn>
+                <a:cxn ang="0">
+                  <a:pos x="T30" y="T31"/>
+                </a:cxn>
+                <a:cxn ang="0">
+                  <a:pos x="T32" y="T33"/>
+                </a:cxn>
+                <a:cxn ang="0">
+                  <a:pos x="T34" y="T35"/>
+                </a:cxn>
+                <a:cxn ang="0">
+                  <a:pos x="T36" y="T37"/>
+                </a:cxn>
+                <a:cxn ang="0">
+                  <a:pos x="T38" y="T39"/>
+                </a:cxn>
+                <a:cxn ang="0">
+                  <a:pos x="T40" y="T41"/>
+                </a:cxn>
+                <a:cxn ang="0">
+                  <a:pos x="T42" y="T43"/>
+                </a:cxn>
+              </a:cxnLst>
+              <a:rect l="0" t="0" r="r" b="b"/>
+              <a:pathLst>
+                <a:path w="346" h="328">
+                  <a:moveTo>
+                    <a:pt x="169" y="90"/>
+                  </a:moveTo>
+                  <a:cubicBezTo>
+                    <a:pt x="199" y="61"/>
+                    <a:pt x="199" y="61"/>
+                    <a:pt x="199" y="61"/>
+                  </a:cubicBezTo>
+                  <a:cubicBezTo>
+                    <a:pt x="222" y="40"/>
+                    <a:pt x="258" y="41"/>
+                    <a:pt x="279" y="63"/>
+                  </a:cubicBezTo>
+                  <a:cubicBezTo>
+                    <a:pt x="279" y="63"/>
+                    <a:pt x="279" y="63"/>
+                    <a:pt x="279" y="63"/>
+                  </a:cubicBezTo>
+                  <a:cubicBezTo>
+                    <a:pt x="300" y="86"/>
+                    <a:pt x="300" y="122"/>
+                    <a:pt x="277" y="143"/>
+                  </a:cubicBezTo>
+                  <a:cubicBezTo>
+                    <a:pt x="247" y="172"/>
+                    <a:pt x="247" y="172"/>
+                    <a:pt x="247" y="172"/>
+                  </a:cubicBezTo>
+                  <a:lnTo>
+                    <a:pt x="169" y="90"/>
+                  </a:lnTo>
+                  <a:close/>
+                  <a:moveTo>
+                    <a:pt x="279" y="63"/>
+                  </a:moveTo>
+                  <a:cubicBezTo>
+                    <a:pt x="346" y="0"/>
+                    <a:pt x="346" y="0"/>
+                    <a:pt x="346" y="0"/>
+                  </a:cubicBezTo>
+                  <a:moveTo>
+                    <a:pt x="99" y="156"/>
+                  </a:moveTo>
+                  <a:cubicBezTo>
+                    <a:pt x="69" y="185"/>
+                    <a:pt x="69" y="185"/>
+                    <a:pt x="69" y="185"/>
+                  </a:cubicBezTo>
+                  <a:cubicBezTo>
+                    <a:pt x="46" y="206"/>
+                    <a:pt x="46" y="242"/>
+                    <a:pt x="67" y="265"/>
+                  </a:cubicBezTo>
+                  <a:cubicBezTo>
+                    <a:pt x="67" y="265"/>
+                    <a:pt x="67" y="265"/>
+                    <a:pt x="67" y="265"/>
+                  </a:cubicBezTo>
+                  <a:cubicBezTo>
+                    <a:pt x="88" y="287"/>
+                    <a:pt x="124" y="288"/>
+                    <a:pt x="147" y="267"/>
+                  </a:cubicBezTo>
+                  <a:cubicBezTo>
+                    <a:pt x="177" y="238"/>
+                    <a:pt x="177" y="238"/>
+                    <a:pt x="177" y="238"/>
+                  </a:cubicBezTo>
+                  <a:lnTo>
+                    <a:pt x="99" y="156"/>
+                  </a:lnTo>
+                  <a:close/>
+                  <a:moveTo>
+                    <a:pt x="67" y="265"/>
+                  </a:moveTo>
+                  <a:cubicBezTo>
+                    <a:pt x="0" y="328"/>
+                    <a:pt x="0" y="328"/>
+                    <a:pt x="0" y="328"/>
+                  </a:cubicBezTo>
+                  <a:moveTo>
+                    <a:pt x="157" y="143"/>
+                  </a:moveTo>
+                  <a:cubicBezTo>
+                    <a:pt x="120" y="178"/>
+                    <a:pt x="120" y="178"/>
+                    <a:pt x="120" y="178"/>
+                  </a:cubicBezTo>
+                  <a:moveTo>
+                    <a:pt x="193" y="181"/>
+                  </a:moveTo>
+                  <a:cubicBezTo>
+                    <a:pt x="156" y="216"/>
+                    <a:pt x="156" y="216"/>
+                    <a:pt x="156" y="216"/>
+                  </a:cubicBezTo>
+                </a:path>
+              </a:pathLst>
+            </a:custGeom>
+            <a:grpFill/>
+            <a:ln w="15875" cap="sq">
+              <a:solidFill>
+                <a:schemeClr val="tx1"/>
+              </a:solidFill>
+              <a:prstDash val="solid"/>
+              <a:miter lim="800000"/>
+              <a:headEnd/>
+              <a:tailEnd/>
+            </a:ln>
+          </p:spPr>
+          <p:txBody>
+            <a:bodyPr vert="horz" wrap="square" lIns="91440" tIns="45720" rIns="91440" bIns="45720" numCol="1" anchor="t" anchorCtr="0" compatLnSpc="1">
+              <a:prstTxWarp prst="textNoShape">
+                <a:avLst/>
+              </a:prstTxWarp>
+            </a:bodyPr>
+            <a:lstStyle/>
+            <a:p>
+              <a:endParaRPr lang="en-US" sz="900">
+                <a:gradFill>
+                  <a:gsLst>
+                    <a:gs pos="0">
+                      <a:srgbClr val="505050"/>
+                    </a:gs>
+                    <a:gs pos="100000">
+                      <a:srgbClr val="505050"/>
+                    </a:gs>
+                  </a:gsLst>
+                  <a:lin ang="5400000" scaled="1"/>
+                </a:gradFill>
+              </a:endParaRPr>
+            </a:p>
+          </p:txBody>
+        </p:sp>
+      </p:grpSp>
+      <p:grpSp>
+        <p:nvGrpSpPr>
+          <p:cNvPr id="14" name="Group 22">
+            <a:extLst>
+              <a:ext uri="{FF2B5EF4-FFF2-40B4-BE49-F238E27FC236}">
+                <a16:creationId xmlns:a16="http://schemas.microsoft.com/office/drawing/2014/main" id="{BD2CFB9A-2833-E0D0-8B4C-F621B5B767DB}"/>
+              </a:ext>
+            </a:extLst>
+          </p:cNvPr>
+          <p:cNvGrpSpPr/>
+          <p:nvPr/>
+        </p:nvGrpSpPr>
+        <p:grpSpPr>
+          <a:xfrm>
+            <a:off x="7663358" y="2383339"/>
+            <a:ext cx="1374046" cy="381541"/>
+            <a:chOff x="8350063" y="2571306"/>
+            <a:chExt cx="1662596" cy="461665"/>
+          </a:xfrm>
+        </p:grpSpPr>
+        <p:cxnSp>
+          <p:nvCxnSpPr>
+            <p:cNvPr id="27" name="Straight Connector 57">
+              <a:extLst>
+                <a:ext uri="{FF2B5EF4-FFF2-40B4-BE49-F238E27FC236}">
+                  <a16:creationId xmlns:a16="http://schemas.microsoft.com/office/drawing/2014/main" id="{1C06A1B7-1E10-4F44-C909-7DB8F816956C}"/>
+                </a:ext>
+              </a:extLst>
+            </p:cNvPr>
+            <p:cNvCxnSpPr>
+              <a:cxnSpLocks/>
+              <a:stCxn id="53" idx="3"/>
+              <a:endCxn id="30" idx="1"/>
+            </p:cNvCxnSpPr>
+            <p:nvPr/>
+          </p:nvCxnSpPr>
+          <p:spPr>
+            <a:xfrm flipV="1">
+              <a:off x="8504238" y="2924501"/>
+              <a:ext cx="1373161" cy="8955"/>
+            </a:xfrm>
+            <a:prstGeom prst="line">
+              <a:avLst/>
+            </a:prstGeom>
+            <a:ln>
+              <a:solidFill>
+                <a:schemeClr val="tx1"/>
+              </a:solidFill>
+              <a:headEnd type="none" w="lg" len="med"/>
+              <a:tailEnd type="none" w="lg" len="med"/>
+            </a:ln>
+          </p:spPr>
+          <p:style>
+            <a:lnRef idx="1">
+              <a:schemeClr val="accent1"/>
+            </a:lnRef>
+            <a:fillRef idx="0">
+              <a:schemeClr val="accent1"/>
+            </a:fillRef>
+            <a:effectRef idx="0">
+              <a:schemeClr val="accent1"/>
+            </a:effectRef>
+            <a:fontRef idx="minor">
+              <a:schemeClr val="tx1"/>
+            </a:fontRef>
+          </p:style>
+        </p:cxnSp>
+        <p:sp>
+          <p:nvSpPr>
+            <p:cNvPr id="28" name="TextBox 60">
+              <a:extLst>
+                <a:ext uri="{FF2B5EF4-FFF2-40B4-BE49-F238E27FC236}">
+                  <a16:creationId xmlns:a16="http://schemas.microsoft.com/office/drawing/2014/main" id="{0B300501-5E30-CFFE-4D23-C319E00AA5ED}"/>
+                </a:ext>
+              </a:extLst>
+            </p:cNvPr>
+            <p:cNvSpPr txBox="1"/>
+            <p:nvPr/>
+          </p:nvSpPr>
+          <p:spPr>
+            <a:xfrm>
+              <a:off x="8350063" y="2571306"/>
+              <a:ext cx="733214" cy="461665"/>
+            </a:xfrm>
+            <a:prstGeom prst="rect">
+              <a:avLst/>
+            </a:prstGeom>
+            <a:noFill/>
+          </p:spPr>
+          <p:txBody>
+            <a:bodyPr wrap="none" lIns="182880" tIns="146304" rIns="182880" bIns="146304" rtlCol="0">
+              <a:spAutoFit/>
+            </a:bodyPr>
+            <a:lstStyle/>
+            <a:p>
+              <a:pPr>
+                <a:lnSpc>
+                  <a:spcPct val="90000"/>
+                </a:lnSpc>
+                <a:spcAft>
+                  <a:spcPts val="600"/>
+                </a:spcAft>
+              </a:pPr>
+              <a:r>
+                <a:rPr lang="en-US" sz="1200">
+                  <a:gradFill>
+                    <a:gsLst>
+                      <a:gs pos="2917">
+                        <a:schemeClr val="tx1"/>
+                      </a:gs>
+                      <a:gs pos="30000">
+                        <a:schemeClr val="tx1"/>
+                      </a:gs>
+                    </a:gsLst>
+                    <a:lin ang="5400000" scaled="0"/>
+                  </a:gradFill>
+                </a:rPr>
+                <a:t>many</a:t>
+              </a:r>
+            </a:p>
+          </p:txBody>
+        </p:sp>
+        <p:sp>
+          <p:nvSpPr>
+            <p:cNvPr id="29" name="TextBox 61">
+              <a:extLst>
+                <a:ext uri="{FF2B5EF4-FFF2-40B4-BE49-F238E27FC236}">
+                  <a16:creationId xmlns:a16="http://schemas.microsoft.com/office/drawing/2014/main" id="{DFC035F8-89A3-93A0-3DF8-791852CFD75A}"/>
+                </a:ext>
+              </a:extLst>
+            </p:cNvPr>
+            <p:cNvSpPr txBox="1"/>
+            <p:nvPr/>
+          </p:nvSpPr>
+          <p:spPr>
+            <a:xfrm>
+              <a:off x="9279445" y="2571306"/>
+              <a:ext cx="733214" cy="461665"/>
+            </a:xfrm>
+            <a:prstGeom prst="rect">
+              <a:avLst/>
+            </a:prstGeom>
+            <a:noFill/>
+          </p:spPr>
+          <p:txBody>
+            <a:bodyPr wrap="none" lIns="182880" tIns="146304" rIns="182880" bIns="146304" rtlCol="0">
+              <a:spAutoFit/>
+            </a:bodyPr>
+            <a:lstStyle/>
+            <a:p>
+              <a:pPr>
+                <a:lnSpc>
+                  <a:spcPct val="90000"/>
+                </a:lnSpc>
+                <a:spcAft>
+                  <a:spcPts val="600"/>
+                </a:spcAft>
+              </a:pPr>
+              <a:r>
+                <a:rPr lang="en-US" sz="1200">
+                  <a:gradFill>
+                    <a:gsLst>
+                      <a:gs pos="2917">
+                        <a:schemeClr val="tx1"/>
+                      </a:gs>
+                      <a:gs pos="30000">
+                        <a:schemeClr val="tx1"/>
+                      </a:gs>
+                    </a:gsLst>
+                    <a:lin ang="5400000" scaled="0"/>
+                  </a:gradFill>
+                </a:rPr>
+                <a:t>many</a:t>
+              </a:r>
+            </a:p>
+          </p:txBody>
+        </p:sp>
+      </p:grpSp>
+      <p:grpSp>
+        <p:nvGrpSpPr>
+          <p:cNvPr id="15" name="Group 44">
+            <a:extLst>
+              <a:ext uri="{FF2B5EF4-FFF2-40B4-BE49-F238E27FC236}">
+                <a16:creationId xmlns:a16="http://schemas.microsoft.com/office/drawing/2014/main" id="{22FE7C30-A1E3-CF86-E60B-837EBC8876E0}"/>
+              </a:ext>
+            </a:extLst>
+          </p:cNvPr>
+          <p:cNvGrpSpPr/>
+          <p:nvPr/>
+        </p:nvGrpSpPr>
+        <p:grpSpPr>
+          <a:xfrm>
+            <a:off x="4384450" y="1427167"/>
+            <a:ext cx="5261026" cy="1110308"/>
+            <a:chOff x="4382585" y="1414338"/>
+            <a:chExt cx="6365841" cy="1343473"/>
+          </a:xfrm>
+        </p:grpSpPr>
+        <p:cxnSp>
+          <p:nvCxnSpPr>
+            <p:cNvPr id="24" name="Elbow Connector 30">
+              <a:extLst>
+                <a:ext uri="{FF2B5EF4-FFF2-40B4-BE49-F238E27FC236}">
+                  <a16:creationId xmlns:a16="http://schemas.microsoft.com/office/drawing/2014/main" id="{5D21D28E-59E8-7496-18F0-C94D69BCF674}"/>
+                </a:ext>
+              </a:extLst>
+            </p:cNvPr>
+            <p:cNvCxnSpPr>
+              <a:cxnSpLocks/>
+              <a:stCxn id="42" idx="0"/>
+            </p:cNvCxnSpPr>
+            <p:nvPr/>
+          </p:nvCxnSpPr>
+          <p:spPr>
+            <a:xfrm rot="16200000" flipH="1">
+              <a:off x="7201104" y="-699562"/>
+              <a:ext cx="746423" cy="6168324"/>
+            </a:xfrm>
+            <a:prstGeom prst="bentConnector4">
+              <a:avLst>
+                <a:gd name="adj1" fmla="val -30626"/>
+                <a:gd name="adj2" fmla="val 100031"/>
+              </a:avLst>
+            </a:prstGeom>
+            <a:ln>
+              <a:solidFill>
+                <a:schemeClr val="tx1"/>
+              </a:solidFill>
+              <a:headEnd type="none" w="lg" len="med"/>
+              <a:tailEnd type="none" w="lg" len="med"/>
+            </a:ln>
+          </p:spPr>
+          <p:style>
+            <a:lnRef idx="1">
+              <a:schemeClr val="accent1"/>
+            </a:lnRef>
+            <a:fillRef idx="0">
+              <a:schemeClr val="accent1"/>
+            </a:fillRef>
+            <a:effectRef idx="0">
+              <a:schemeClr val="accent1"/>
+            </a:effectRef>
+            <a:fontRef idx="minor">
+              <a:schemeClr val="tx1"/>
+            </a:fontRef>
+          </p:style>
+        </p:cxnSp>
+        <p:sp>
+          <p:nvSpPr>
+            <p:cNvPr id="25" name="TextBox 58">
+              <a:extLst>
+                <a:ext uri="{FF2B5EF4-FFF2-40B4-BE49-F238E27FC236}">
+                  <a16:creationId xmlns:a16="http://schemas.microsoft.com/office/drawing/2014/main" id="{F9EDAA68-D053-F6C3-B763-07F51CE0EB3A}"/>
+                </a:ext>
+              </a:extLst>
+            </p:cNvPr>
+            <p:cNvSpPr txBox="1"/>
+            <p:nvPr/>
+          </p:nvSpPr>
+          <p:spPr>
+            <a:xfrm>
+              <a:off x="4382585" y="1422619"/>
+              <a:ext cx="452688" cy="461665"/>
+            </a:xfrm>
+            <a:prstGeom prst="rect">
+              <a:avLst/>
+            </a:prstGeom>
+            <a:noFill/>
+          </p:spPr>
+          <p:txBody>
+            <a:bodyPr wrap="none" lIns="182880" tIns="146304" rIns="182880" bIns="146304" rtlCol="0">
+              <a:spAutoFit/>
+            </a:bodyPr>
+            <a:lstStyle/>
+            <a:p>
+              <a:pPr>
+                <a:lnSpc>
+                  <a:spcPct val="90000"/>
+                </a:lnSpc>
+                <a:spcAft>
+                  <a:spcPts val="600"/>
+                </a:spcAft>
+              </a:pPr>
+              <a:r>
+                <a:rPr lang="en-US" sz="1200">
+                  <a:gradFill>
+                    <a:gsLst>
+                      <a:gs pos="2917">
+                        <a:schemeClr val="tx1"/>
+                      </a:gs>
+                      <a:gs pos="30000">
+                        <a:schemeClr val="tx1"/>
+                      </a:gs>
+                    </a:gsLst>
+                    <a:lin ang="5400000" scaled="0"/>
+                  </a:gradFill>
+                </a:rPr>
+                <a:t>1</a:t>
+              </a:r>
+            </a:p>
+          </p:txBody>
+        </p:sp>
+        <p:sp>
+          <p:nvSpPr>
+            <p:cNvPr id="26" name="TextBox 59">
+              <a:extLst>
+                <a:ext uri="{FF2B5EF4-FFF2-40B4-BE49-F238E27FC236}">
+                  <a16:creationId xmlns:a16="http://schemas.microsoft.com/office/drawing/2014/main" id="{9CF2320C-2641-F6D4-F1F3-659CEB7B155F}"/>
+                </a:ext>
+              </a:extLst>
+            </p:cNvPr>
+            <p:cNvSpPr txBox="1"/>
+            <p:nvPr/>
+          </p:nvSpPr>
+          <p:spPr>
+            <a:xfrm>
+              <a:off x="10295738" y="1414338"/>
+              <a:ext cx="452688" cy="461665"/>
+            </a:xfrm>
+            <a:prstGeom prst="rect">
+              <a:avLst/>
+            </a:prstGeom>
+            <a:noFill/>
+          </p:spPr>
+          <p:txBody>
+            <a:bodyPr wrap="none" lIns="182880" tIns="146304" rIns="182880" bIns="146304" rtlCol="0">
+              <a:spAutoFit/>
+            </a:bodyPr>
+            <a:lstStyle/>
+            <a:p>
+              <a:pPr>
+                <a:lnSpc>
+                  <a:spcPct val="90000"/>
+                </a:lnSpc>
+                <a:spcAft>
+                  <a:spcPts val="600"/>
+                </a:spcAft>
+              </a:pPr>
+              <a:r>
+                <a:rPr lang="en-US" sz="1200">
+                  <a:gradFill>
+                    <a:gsLst>
+                      <a:gs pos="2917">
+                        <a:schemeClr val="tx1"/>
+                      </a:gs>
+                      <a:gs pos="30000">
+                        <a:schemeClr val="tx1"/>
+                      </a:gs>
+                    </a:gsLst>
+                    <a:lin ang="5400000" scaled="0"/>
+                  </a:gradFill>
+                </a:rPr>
+                <a:t>1</a:t>
+              </a:r>
+            </a:p>
+          </p:txBody>
+        </p:sp>
+      </p:grpSp>
+      <p:grpSp>
+        <p:nvGrpSpPr>
+          <p:cNvPr id="16" name="Group 32">
+            <a:extLst>
+              <a:ext uri="{FF2B5EF4-FFF2-40B4-BE49-F238E27FC236}">
+                <a16:creationId xmlns:a16="http://schemas.microsoft.com/office/drawing/2014/main" id="{3CB30E39-C9D6-D9C2-888D-40B3DE56F7B9}"/>
+              </a:ext>
+            </a:extLst>
+          </p:cNvPr>
+          <p:cNvGrpSpPr/>
+          <p:nvPr/>
+        </p:nvGrpSpPr>
+        <p:grpSpPr>
+          <a:xfrm>
+            <a:off x="2543735" y="2384194"/>
+            <a:ext cx="1267343" cy="382379"/>
+            <a:chOff x="2155320" y="2572341"/>
+            <a:chExt cx="1533485" cy="462678"/>
+          </a:xfrm>
+        </p:grpSpPr>
+        <p:cxnSp>
+          <p:nvCxnSpPr>
+            <p:cNvPr id="21" name="Straight Connector 31">
+              <a:extLst>
+                <a:ext uri="{FF2B5EF4-FFF2-40B4-BE49-F238E27FC236}">
+                  <a16:creationId xmlns:a16="http://schemas.microsoft.com/office/drawing/2014/main" id="{093B881C-3B3B-E1C4-4E37-9CE89A247D24}"/>
+                </a:ext>
+              </a:extLst>
+            </p:cNvPr>
+            <p:cNvCxnSpPr>
+              <a:cxnSpLocks/>
+              <a:stCxn id="47" idx="3"/>
+              <a:endCxn id="42" idx="1"/>
+            </p:cNvCxnSpPr>
+            <p:nvPr/>
+          </p:nvCxnSpPr>
+          <p:spPr>
+            <a:xfrm>
+              <a:off x="2286629" y="2919168"/>
+              <a:ext cx="1289125" cy="6621"/>
+            </a:xfrm>
+            <a:prstGeom prst="line">
+              <a:avLst/>
+            </a:prstGeom>
+            <a:noFill/>
+            <a:ln>
+              <a:solidFill>
+                <a:schemeClr val="tx1"/>
+              </a:solidFill>
+              <a:headEnd type="none" w="lg" len="med"/>
+              <a:tailEnd type="none" w="lg" len="med"/>
+            </a:ln>
+          </p:spPr>
+          <p:style>
+            <a:lnRef idx="1">
+              <a:schemeClr val="accent1"/>
+            </a:lnRef>
+            <a:fillRef idx="0">
+              <a:schemeClr val="accent1"/>
+            </a:fillRef>
+            <a:effectRef idx="0">
+              <a:schemeClr val="accent1"/>
+            </a:effectRef>
+            <a:fontRef idx="minor">
+              <a:schemeClr val="tx1"/>
+            </a:fontRef>
+          </p:style>
+        </p:cxnSp>
+        <p:sp>
+          <p:nvSpPr>
+            <p:cNvPr id="22" name="TextBox 35">
+              <a:extLst>
+                <a:ext uri="{FF2B5EF4-FFF2-40B4-BE49-F238E27FC236}">
+                  <a16:creationId xmlns:a16="http://schemas.microsoft.com/office/drawing/2014/main" id="{32533BE0-6FEA-5780-6D3E-0A48F911254E}"/>
+                </a:ext>
+              </a:extLst>
+            </p:cNvPr>
+            <p:cNvSpPr txBox="1"/>
+            <p:nvPr/>
+          </p:nvSpPr>
+          <p:spPr>
+            <a:xfrm>
+              <a:off x="2955591" y="2573354"/>
+              <a:ext cx="733214" cy="461665"/>
+            </a:xfrm>
+            <a:prstGeom prst="rect">
+              <a:avLst/>
+            </a:prstGeom>
+            <a:noFill/>
+          </p:spPr>
+          <p:txBody>
+            <a:bodyPr wrap="none" lIns="182880" tIns="146304" rIns="182880" bIns="146304" rtlCol="0">
+              <a:spAutoFit/>
+            </a:bodyPr>
+            <a:lstStyle/>
+            <a:p>
+              <a:pPr>
+                <a:lnSpc>
+                  <a:spcPct val="90000"/>
+                </a:lnSpc>
+                <a:spcAft>
+                  <a:spcPts val="600"/>
+                </a:spcAft>
+              </a:pPr>
+              <a:r>
+                <a:rPr lang="en-US" sz="1200">
+                  <a:gradFill>
+                    <a:gsLst>
+                      <a:gs pos="2917">
+                        <a:schemeClr val="tx1"/>
+                      </a:gs>
+                      <a:gs pos="30000">
+                        <a:schemeClr val="tx1"/>
+                      </a:gs>
+                    </a:gsLst>
+                    <a:lin ang="5400000" scaled="0"/>
+                  </a:gradFill>
+                </a:rPr>
+                <a:t>many</a:t>
+              </a:r>
+            </a:p>
+          </p:txBody>
+        </p:sp>
+        <p:sp>
+          <p:nvSpPr>
+            <p:cNvPr id="23" name="TextBox 66">
+              <a:extLst>
+                <a:ext uri="{FF2B5EF4-FFF2-40B4-BE49-F238E27FC236}">
+                  <a16:creationId xmlns:a16="http://schemas.microsoft.com/office/drawing/2014/main" id="{3E1A51AE-47B3-FD0B-DEDF-AECAC5D8F692}"/>
+                </a:ext>
+              </a:extLst>
+            </p:cNvPr>
+            <p:cNvSpPr txBox="1"/>
+            <p:nvPr/>
+          </p:nvSpPr>
+          <p:spPr>
+            <a:xfrm>
+              <a:off x="2155320" y="2572341"/>
+              <a:ext cx="452688" cy="461665"/>
+            </a:xfrm>
+            <a:prstGeom prst="rect">
+              <a:avLst/>
+            </a:prstGeom>
+            <a:noFill/>
+          </p:spPr>
+          <p:txBody>
+            <a:bodyPr wrap="none" lIns="182880" tIns="146304" rIns="182880" bIns="146304" rtlCol="0">
+              <a:spAutoFit/>
+            </a:bodyPr>
+            <a:lstStyle/>
+            <a:p>
+              <a:pPr>
+                <a:lnSpc>
+                  <a:spcPct val="90000"/>
+                </a:lnSpc>
+                <a:spcAft>
+                  <a:spcPts val="600"/>
+                </a:spcAft>
+              </a:pPr>
+              <a:r>
+                <a:rPr lang="en-US" sz="1200">
+                  <a:gradFill>
+                    <a:gsLst>
+                      <a:gs pos="2917">
+                        <a:schemeClr val="tx1"/>
+                      </a:gs>
+                      <a:gs pos="30000">
+                        <a:schemeClr val="tx1"/>
+                      </a:gs>
+                    </a:gsLst>
+                    <a:lin ang="5400000" scaled="0"/>
+                  </a:gradFill>
+                </a:rPr>
+                <a:t>1</a:t>
+              </a:r>
+            </a:p>
+          </p:txBody>
+        </p:sp>
+      </p:grpSp>
+      <p:grpSp>
+        <p:nvGrpSpPr>
+          <p:cNvPr id="17" name="Group 46">
+            <a:extLst>
+              <a:ext uri="{FF2B5EF4-FFF2-40B4-BE49-F238E27FC236}">
+                <a16:creationId xmlns:a16="http://schemas.microsoft.com/office/drawing/2014/main" id="{2997272F-C30B-07A5-5D91-05D53339B32A}"/>
+              </a:ext>
+            </a:extLst>
+          </p:cNvPr>
+          <p:cNvGrpSpPr/>
+          <p:nvPr/>
+        </p:nvGrpSpPr>
+        <p:grpSpPr>
+          <a:xfrm>
+            <a:off x="2649159" y="2379279"/>
+            <a:ext cx="1158823" cy="381541"/>
+            <a:chOff x="9010618" y="4981997"/>
+            <a:chExt cx="1402176" cy="461665"/>
+          </a:xfrm>
+        </p:grpSpPr>
+        <p:sp>
+          <p:nvSpPr>
+            <p:cNvPr id="18" name="TextBox 26">
+              <a:extLst>
+                <a:ext uri="{FF2B5EF4-FFF2-40B4-BE49-F238E27FC236}">
+                  <a16:creationId xmlns:a16="http://schemas.microsoft.com/office/drawing/2014/main" id="{D7940C3A-5FCD-B5E8-C710-91E4F6E816BB}"/>
+                </a:ext>
+              </a:extLst>
+            </p:cNvPr>
+            <p:cNvSpPr txBox="1"/>
+            <p:nvPr/>
+          </p:nvSpPr>
+          <p:spPr>
+            <a:xfrm>
+              <a:off x="9111061" y="5129729"/>
+              <a:ext cx="234038" cy="166199"/>
+            </a:xfrm>
+            <a:prstGeom prst="rect">
+              <a:avLst/>
+            </a:prstGeom>
+            <a:solidFill>
+              <a:schemeClr val="bg1"/>
+            </a:solidFill>
+          </p:spPr>
+          <p:txBody>
+            <a:bodyPr wrap="none" lIns="0" tIns="0" rIns="0" bIns="0" rtlCol="0">
+              <a:spAutoFit/>
+            </a:bodyPr>
+            <a:lstStyle/>
+            <a:p>
+              <a:pPr>
+                <a:lnSpc>
+                  <a:spcPct val="90000"/>
+                </a:lnSpc>
+                <a:spcAft>
+                  <a:spcPts val="600"/>
+                </a:spcAft>
+              </a:pPr>
+              <a:r>
+                <a:rPr lang="en-US" sz="1200">
+                  <a:gradFill>
+                    <a:gsLst>
+                      <a:gs pos="2917">
+                        <a:schemeClr val="tx1"/>
+                      </a:gs>
+                      <a:gs pos="30000">
+                        <a:schemeClr val="tx1"/>
+                      </a:gs>
+                    </a:gsLst>
+                    <a:lin ang="5400000" scaled="0"/>
+                  </a:gradFill>
+                </a:rPr>
+                <a:t>0..1</a:t>
+              </a:r>
+            </a:p>
+          </p:txBody>
+        </p:sp>
+        <p:cxnSp>
+          <p:nvCxnSpPr>
+            <p:cNvPr id="19" name="Straight Connector 63">
+              <a:extLst>
+                <a:ext uri="{FF2B5EF4-FFF2-40B4-BE49-F238E27FC236}">
+                  <a16:creationId xmlns:a16="http://schemas.microsoft.com/office/drawing/2014/main" id="{A7F2FF8D-ADC0-C3E7-D60D-27B5B3BDD218}"/>
+                </a:ext>
+              </a:extLst>
+            </p:cNvPr>
+            <p:cNvCxnSpPr>
+              <a:cxnSpLocks/>
+            </p:cNvCxnSpPr>
+            <p:nvPr/>
+          </p:nvCxnSpPr>
+          <p:spPr>
+            <a:xfrm>
+              <a:off x="9010618" y="5327811"/>
+              <a:ext cx="1289125" cy="6621"/>
+            </a:xfrm>
+            <a:prstGeom prst="line">
+              <a:avLst/>
+            </a:prstGeom>
+            <a:noFill/>
+            <a:ln>
+              <a:solidFill>
+                <a:schemeClr val="tx1"/>
+              </a:solidFill>
+              <a:headEnd type="none" w="lg" len="med"/>
+              <a:tailEnd type="none" w="lg" len="med"/>
+            </a:ln>
+          </p:spPr>
+          <p:style>
+            <a:lnRef idx="1">
+              <a:schemeClr val="accent1"/>
+            </a:lnRef>
+            <a:fillRef idx="0">
+              <a:schemeClr val="accent1"/>
+            </a:fillRef>
+            <a:effectRef idx="0">
+              <a:schemeClr val="accent1"/>
+            </a:effectRef>
+            <a:fontRef idx="minor">
+              <a:schemeClr val="tx1"/>
+            </a:fontRef>
+          </p:style>
+        </p:cxnSp>
+        <p:sp>
+          <p:nvSpPr>
+            <p:cNvPr id="20" name="TextBox 64">
+              <a:extLst>
+                <a:ext uri="{FF2B5EF4-FFF2-40B4-BE49-F238E27FC236}">
+                  <a16:creationId xmlns:a16="http://schemas.microsoft.com/office/drawing/2014/main" id="{23A3C386-E810-95C1-F2B5-8F3B524256CD}"/>
+                </a:ext>
+              </a:extLst>
+            </p:cNvPr>
+            <p:cNvSpPr txBox="1"/>
+            <p:nvPr/>
+          </p:nvSpPr>
+          <p:spPr>
+            <a:xfrm>
+              <a:off x="9679580" y="4981997"/>
+              <a:ext cx="733214" cy="461665"/>
+            </a:xfrm>
+            <a:prstGeom prst="rect">
+              <a:avLst/>
+            </a:prstGeom>
+            <a:noFill/>
+          </p:spPr>
+          <p:txBody>
+            <a:bodyPr wrap="none" lIns="182880" tIns="146304" rIns="182880" bIns="146304" rtlCol="0">
+              <a:spAutoFit/>
+            </a:bodyPr>
+            <a:lstStyle/>
+            <a:p>
+              <a:pPr>
+                <a:lnSpc>
+                  <a:spcPct val="90000"/>
+                </a:lnSpc>
+                <a:spcAft>
+                  <a:spcPts val="600"/>
+                </a:spcAft>
+              </a:pPr>
+              <a:r>
+                <a:rPr lang="en-US" sz="1200">
+                  <a:gradFill>
+                    <a:gsLst>
+                      <a:gs pos="2917">
+                        <a:schemeClr val="tx1"/>
+                      </a:gs>
+                      <a:gs pos="30000">
+                        <a:schemeClr val="tx1"/>
+                      </a:gs>
+                    </a:gsLst>
+                    <a:lin ang="5400000" scaled="0"/>
+                  </a:gradFill>
+                </a:rPr>
+                <a:t>many</a:t>
+              </a:r>
+            </a:p>
+          </p:txBody>
+        </p:sp>
+      </p:grpSp>
+    </p:spTree>
+    <p:extLst>
+      <p:ext uri="{BB962C8B-B14F-4D97-AF65-F5344CB8AC3E}">
+        <p14:creationId xmlns:p14="http://schemas.microsoft.com/office/powerpoint/2010/main" val="252308399"/>
       </p:ext>
     </p:extLst>
   </p:cSld>
